--- a/day 4/S4D400 - Day 4.pptx
+++ b/day 4/S4D400 - Day 4.pptx
@@ -5,7 +5,7 @@
     <p:sldMasterId id="2147483648" r:id="rId1"/>
   </p:sldMasterIdLst>
   <p:notesMasterIdLst>
-    <p:notesMasterId r:id="rId45"/>
+    <p:notesMasterId r:id="rId35"/>
   </p:notesMasterIdLst>
   <p:sldIdLst>
     <p:sldId id="256" r:id="rId2"/>
@@ -35,22 +35,12 @@
     <p:sldId id="579" r:id="rId26"/>
     <p:sldId id="580" r:id="rId27"/>
     <p:sldId id="581" r:id="rId28"/>
-    <p:sldId id="582" r:id="rId29"/>
-    <p:sldId id="583" r:id="rId30"/>
-    <p:sldId id="584" r:id="rId31"/>
-    <p:sldId id="585" r:id="rId32"/>
-    <p:sldId id="586" r:id="rId33"/>
-    <p:sldId id="587" r:id="rId34"/>
-    <p:sldId id="588" r:id="rId35"/>
-    <p:sldId id="589" r:id="rId36"/>
-    <p:sldId id="590" r:id="rId37"/>
-    <p:sldId id="591" r:id="rId38"/>
-    <p:sldId id="592" r:id="rId39"/>
-    <p:sldId id="593" r:id="rId40"/>
-    <p:sldId id="557" r:id="rId41"/>
-    <p:sldId id="462" r:id="rId42"/>
-    <p:sldId id="399" r:id="rId43"/>
-    <p:sldId id="409" r:id="rId44"/>
+    <p:sldId id="593" r:id="rId29"/>
+    <p:sldId id="594" r:id="rId30"/>
+    <p:sldId id="557" r:id="rId31"/>
+    <p:sldId id="462" r:id="rId32"/>
+    <p:sldId id="399" r:id="rId33"/>
+    <p:sldId id="409" r:id="rId34"/>
   </p:sldIdLst>
   <p:sldSz cx="12192000" cy="6858000"/>
   <p:notesSz cx="6858000" cy="9144000"/>
@@ -702,7 +692,7 @@
                 <a:tabLst/>
                 <a:defRPr/>
               </a:pPr>
-              <a:t>43</a:t>
+              <a:t>33</a:t>
             </a:fld>
             <a:endParaRPr kumimoji="0" lang="en-US" sz="1200" b="0" i="0" u="none" strike="noStrike" kern="1200" cap="none" spc="0" normalizeH="0" baseline="0" noProof="0">
               <a:ln>
@@ -6305,10 +6295,9 @@
           <a:lstStyle/>
           <a:p>
             <a:r>
-              <a:rPr lang="en-US" sz="2400"/>
-              <a:t>&lt;content&gt;</a:t>
-            </a:r>
-            <a:endParaRPr lang="en-US" sz="2400" dirty="0"/>
+              <a:rPr lang="en-US" sz="2400" dirty="0"/>
+              <a:t>Class is a template which represents a real-world entity e.g. ball, cap, plane, home, person.</a:t>
+            </a:r>
           </a:p>
         </p:txBody>
       </p:sp>
@@ -6360,6 +6349,181 @@
           </a:extLst>
         </p:spPr>
       </p:pic>
+      <p:pic>
+        <p:nvPicPr>
+          <p:cNvPr id="52" name="Picture 51">
+            <a:extLst>
+              <a:ext uri="{FF2B5EF4-FFF2-40B4-BE49-F238E27FC236}">
+                <a16:creationId xmlns:a16="http://schemas.microsoft.com/office/drawing/2014/main" id="{7D83C5BD-B08C-47B3-BA0C-6511993B3AC3}"/>
+              </a:ext>
+            </a:extLst>
+          </p:cNvPr>
+          <p:cNvPicPr>
+            <a:picLocks noChangeAspect="1"/>
+          </p:cNvPicPr>
+          <p:nvPr/>
+        </p:nvPicPr>
+        <p:blipFill>
+          <a:blip r:embed="rId4">
+            <a:extLst>
+              <a:ext uri="{BEBA8EAE-BF5A-486C-A8C5-ECC9F3942E4B}">
+                <a14:imgProps xmlns:a14="http://schemas.microsoft.com/office/drawing/2010/main">
+                  <a14:imgLayer r:embed="rId5">
+                    <a14:imgEffect>
+                      <a14:saturation sat="0"/>
+                    </a14:imgEffect>
+                  </a14:imgLayer>
+                </a14:imgProps>
+              </a:ext>
+            </a:extLst>
+          </a:blip>
+          <a:stretch>
+            <a:fillRect/>
+          </a:stretch>
+        </p:blipFill>
+        <p:spPr>
+          <a:xfrm>
+            <a:off x="476496" y="1664466"/>
+            <a:ext cx="7025317" cy="4494969"/>
+          </a:xfrm>
+          <a:prstGeom prst="rect">
+            <a:avLst/>
+          </a:prstGeom>
+        </p:spPr>
+      </p:pic>
+      <p:sp>
+        <p:nvSpPr>
+          <p:cNvPr id="53" name="TextBox 52">
+            <a:extLst>
+              <a:ext uri="{FF2B5EF4-FFF2-40B4-BE49-F238E27FC236}">
+                <a16:creationId xmlns:a16="http://schemas.microsoft.com/office/drawing/2014/main" id="{9AD9D470-BCBB-484D-8DEB-39DC9135AB50}"/>
+              </a:ext>
+            </a:extLst>
+          </p:cNvPr>
+          <p:cNvSpPr txBox="1"/>
+          <p:nvPr/>
+        </p:nvSpPr>
+        <p:spPr>
+          <a:xfrm>
+            <a:off x="7772400" y="1664466"/>
+            <a:ext cx="4273420" cy="4801314"/>
+          </a:xfrm>
+          <a:prstGeom prst="rect">
+            <a:avLst/>
+          </a:prstGeom>
+          <a:noFill/>
+        </p:spPr>
+        <p:txBody>
+          <a:bodyPr wrap="square" rtlCol="0">
+            <a:spAutoFit/>
+          </a:bodyPr>
+          <a:lstStyle/>
+          <a:p>
+            <a:r>
+              <a:rPr lang="en-US" dirty="0"/>
+              <a:t>A Class </a:t>
+            </a:r>
+          </a:p>
+          <a:p>
+            <a:endParaRPr lang="en-US" dirty="0"/>
+          </a:p>
+          <a:p>
+            <a:r>
+              <a:rPr lang="en-US" b="1" dirty="0"/>
+              <a:t>has</a:t>
+            </a:r>
+          </a:p>
+          <a:p>
+            <a:pPr marL="285750" indent="-285750">
+              <a:buFontTx/>
+              <a:buChar char="-"/>
+            </a:pPr>
+            <a:endParaRPr lang="en-US" dirty="0"/>
+          </a:p>
+          <a:p>
+            <a:pPr marL="285750" indent="-285750">
+              <a:buFontTx/>
+              <a:buChar char="-"/>
+            </a:pPr>
+            <a:r>
+              <a:rPr lang="en-US" dirty="0"/>
+              <a:t>Attributes/properties</a:t>
+            </a:r>
+          </a:p>
+          <a:p>
+            <a:pPr marL="285750" indent="-285750">
+              <a:buFontTx/>
+              <a:buChar char="-"/>
+            </a:pPr>
+            <a:r>
+              <a:rPr lang="en-US" dirty="0"/>
+              <a:t>Functions/behaviors</a:t>
+            </a:r>
+          </a:p>
+          <a:p>
+            <a:pPr marL="285750" indent="-285750">
+              <a:buFontTx/>
+              <a:buChar char="-"/>
+            </a:pPr>
+            <a:r>
+              <a:rPr lang="en-US" dirty="0"/>
+              <a:t>Events</a:t>
+            </a:r>
+          </a:p>
+          <a:p>
+            <a:pPr marL="285750" indent="-285750">
+              <a:buFontTx/>
+              <a:buChar char="-"/>
+            </a:pPr>
+            <a:endParaRPr lang="en-US" dirty="0"/>
+          </a:p>
+          <a:p>
+            <a:r>
+              <a:rPr lang="en-US" b="1" dirty="0"/>
+              <a:t>produce</a:t>
+            </a:r>
+          </a:p>
+          <a:p>
+            <a:endParaRPr lang="en-US" b="1" dirty="0"/>
+          </a:p>
+          <a:p>
+            <a:r>
+              <a:rPr lang="en-US" dirty="0"/>
+              <a:t>Objects</a:t>
+            </a:r>
+          </a:p>
+          <a:p>
+            <a:endParaRPr lang="en-US" dirty="0"/>
+          </a:p>
+          <a:p>
+            <a:r>
+              <a:rPr lang="en-US" b="1" dirty="0"/>
+              <a:t>Visibility of attr./functions are</a:t>
+            </a:r>
+          </a:p>
+          <a:p>
+            <a:endParaRPr lang="en-US" b="1" dirty="0"/>
+          </a:p>
+          <a:p>
+            <a:r>
+              <a:rPr lang="en-US" dirty="0"/>
+              <a:t>Public</a:t>
+            </a:r>
+          </a:p>
+          <a:p>
+            <a:r>
+              <a:rPr lang="en-US" dirty="0"/>
+              <a:t>Private</a:t>
+            </a:r>
+          </a:p>
+          <a:p>
+            <a:r>
+              <a:rPr lang="en-US" dirty="0"/>
+              <a:t>Protected</a:t>
+            </a:r>
+          </a:p>
+        </p:txBody>
+      </p:sp>
     </p:spTree>
     <p:extLst>
       <p:ext uri="{BB962C8B-B14F-4D97-AF65-F5344CB8AC3E}">
@@ -6437,7 +6601,7 @@
           <a:p>
             <a:r>
               <a:rPr lang="en-US" b="1" dirty="0"/>
-              <a:t>&lt;Title&gt;</a:t>
+              <a:t>UML Representation</a:t>
             </a:r>
           </a:p>
         </p:txBody>
@@ -6476,42 +6640,6 @@
               </a:rPr>
               <a:t>Trainer: Anubhav Oberoy</a:t>
             </a:r>
-          </a:p>
-        </p:txBody>
-      </p:sp>
-      <p:sp>
-        <p:nvSpPr>
-          <p:cNvPr id="5" name="TextBox 4">
-            <a:extLst>
-              <a:ext uri="{FF2B5EF4-FFF2-40B4-BE49-F238E27FC236}">
-                <a16:creationId xmlns:a16="http://schemas.microsoft.com/office/drawing/2014/main" id="{27E5B41D-1DDF-48C9-A5AF-075F84492B68}"/>
-              </a:ext>
-            </a:extLst>
-          </p:cNvPr>
-          <p:cNvSpPr txBox="1"/>
-          <p:nvPr/>
-        </p:nvSpPr>
-        <p:spPr>
-          <a:xfrm>
-            <a:off x="401216" y="982353"/>
-            <a:ext cx="11542905" cy="461665"/>
-          </a:xfrm>
-          <a:prstGeom prst="rect">
-            <a:avLst/>
-          </a:prstGeom>
-          <a:noFill/>
-        </p:spPr>
-        <p:txBody>
-          <a:bodyPr wrap="square" rtlCol="0">
-            <a:spAutoFit/>
-          </a:bodyPr>
-          <a:lstStyle/>
-          <a:p>
-            <a:r>
-              <a:rPr lang="en-US" sz="2400"/>
-              <a:t>&lt;content&gt;</a:t>
-            </a:r>
-            <a:endParaRPr lang="en-US" sz="2400" dirty="0"/>
           </a:p>
         </p:txBody>
       </p:sp>
@@ -6561,6 +6689,48 @@
               </a14:hiddenFill>
             </a:ext>
           </a:extLst>
+        </p:spPr>
+      </p:pic>
+      <p:pic>
+        <p:nvPicPr>
+          <p:cNvPr id="6" name="Picture 5">
+            <a:extLst>
+              <a:ext uri="{FF2B5EF4-FFF2-40B4-BE49-F238E27FC236}">
+                <a16:creationId xmlns:a16="http://schemas.microsoft.com/office/drawing/2014/main" id="{A35E7471-2D28-4594-9CF2-09C6D71AF702}"/>
+              </a:ext>
+            </a:extLst>
+          </p:cNvPr>
+          <p:cNvPicPr>
+            <a:picLocks noChangeAspect="1"/>
+          </p:cNvPicPr>
+          <p:nvPr/>
+        </p:nvPicPr>
+        <p:blipFill>
+          <a:blip r:embed="rId4">
+            <a:extLst>
+              <a:ext uri="{BEBA8EAE-BF5A-486C-A8C5-ECC9F3942E4B}">
+                <a14:imgProps xmlns:a14="http://schemas.microsoft.com/office/drawing/2010/main">
+                  <a14:imgLayer r:embed="rId5">
+                    <a14:imgEffect>
+                      <a14:saturation sat="0"/>
+                    </a14:imgEffect>
+                  </a14:imgLayer>
+                </a14:imgProps>
+              </a:ext>
+            </a:extLst>
+          </a:blip>
+          <a:stretch>
+            <a:fillRect/>
+          </a:stretch>
+        </p:blipFill>
+        <p:spPr>
+          <a:xfrm>
+            <a:off x="1715947" y="1656464"/>
+            <a:ext cx="9519755" cy="4270290"/>
+          </a:xfrm>
+          <a:prstGeom prst="rect">
+            <a:avLst/>
+          </a:prstGeom>
         </p:spPr>
       </p:pic>
     </p:spTree>
@@ -7689,7 +7859,7 @@
           <a:p>
             <a:r>
               <a:rPr lang="en-US" b="1" dirty="0"/>
-              <a:t>&lt;Title&gt;</a:t>
+              <a:t>Working with class objects</a:t>
             </a:r>
           </a:p>
         </p:txBody>
@@ -7728,42 +7898,6 @@
               </a:rPr>
               <a:t>Trainer: Anubhav Oberoy</a:t>
             </a:r>
-          </a:p>
-        </p:txBody>
-      </p:sp>
-      <p:sp>
-        <p:nvSpPr>
-          <p:cNvPr id="5" name="TextBox 4">
-            <a:extLst>
-              <a:ext uri="{FF2B5EF4-FFF2-40B4-BE49-F238E27FC236}">
-                <a16:creationId xmlns:a16="http://schemas.microsoft.com/office/drawing/2014/main" id="{27E5B41D-1DDF-48C9-A5AF-075F84492B68}"/>
-              </a:ext>
-            </a:extLst>
-          </p:cNvPr>
-          <p:cNvSpPr txBox="1"/>
-          <p:nvPr/>
-        </p:nvSpPr>
-        <p:spPr>
-          <a:xfrm>
-            <a:off x="401216" y="982353"/>
-            <a:ext cx="11542905" cy="461665"/>
-          </a:xfrm>
-          <a:prstGeom prst="rect">
-            <a:avLst/>
-          </a:prstGeom>
-          <a:noFill/>
-        </p:spPr>
-        <p:txBody>
-          <a:bodyPr wrap="square" rtlCol="0">
-            <a:spAutoFit/>
-          </a:bodyPr>
-          <a:lstStyle/>
-          <a:p>
-            <a:r>
-              <a:rPr lang="en-US" sz="2400"/>
-              <a:t>&lt;content&gt;</a:t>
-            </a:r>
-            <a:endParaRPr lang="en-US" sz="2400" dirty="0"/>
           </a:p>
         </p:txBody>
       </p:sp>
@@ -7813,6 +7947,48 @@
               </a14:hiddenFill>
             </a:ext>
           </a:extLst>
+        </p:spPr>
+      </p:pic>
+      <p:pic>
+        <p:nvPicPr>
+          <p:cNvPr id="6" name="Picture 5">
+            <a:extLst>
+              <a:ext uri="{FF2B5EF4-FFF2-40B4-BE49-F238E27FC236}">
+                <a16:creationId xmlns:a16="http://schemas.microsoft.com/office/drawing/2014/main" id="{AD85A751-9658-4A1B-A91A-6A7AAB5E68FB}"/>
+              </a:ext>
+            </a:extLst>
+          </p:cNvPr>
+          <p:cNvPicPr>
+            <a:picLocks noChangeAspect="1"/>
+          </p:cNvPicPr>
+          <p:nvPr/>
+        </p:nvPicPr>
+        <p:blipFill>
+          <a:blip r:embed="rId4">
+            <a:extLst>
+              <a:ext uri="{BEBA8EAE-BF5A-486C-A8C5-ECC9F3942E4B}">
+                <a14:imgProps xmlns:a14="http://schemas.microsoft.com/office/drawing/2010/main">
+                  <a14:imgLayer r:embed="rId5">
+                    <a14:imgEffect>
+                      <a14:saturation sat="0"/>
+                    </a14:imgEffect>
+                  </a14:imgLayer>
+                </a14:imgProps>
+              </a:ext>
+            </a:extLst>
+          </a:blip>
+          <a:stretch>
+            <a:fillRect/>
+          </a:stretch>
+        </p:blipFill>
+        <p:spPr>
+          <a:xfrm>
+            <a:off x="2374069" y="1385489"/>
+            <a:ext cx="7443861" cy="4401693"/>
+          </a:xfrm>
+          <a:prstGeom prst="rect">
+            <a:avLst/>
+          </a:prstGeom>
         </p:spPr>
       </p:pic>
     </p:spTree>
@@ -7892,7 +8068,7 @@
           <a:p>
             <a:r>
               <a:rPr lang="en-US" b="1" dirty="0"/>
-              <a:t>&lt;Title&gt;</a:t>
+              <a:t>Each object is different</a:t>
             </a:r>
           </a:p>
         </p:txBody>
@@ -7931,42 +8107,6 @@
               </a:rPr>
               <a:t>Trainer: Anubhav Oberoy</a:t>
             </a:r>
-          </a:p>
-        </p:txBody>
-      </p:sp>
-      <p:sp>
-        <p:nvSpPr>
-          <p:cNvPr id="5" name="TextBox 4">
-            <a:extLst>
-              <a:ext uri="{FF2B5EF4-FFF2-40B4-BE49-F238E27FC236}">
-                <a16:creationId xmlns:a16="http://schemas.microsoft.com/office/drawing/2014/main" id="{27E5B41D-1DDF-48C9-A5AF-075F84492B68}"/>
-              </a:ext>
-            </a:extLst>
-          </p:cNvPr>
-          <p:cNvSpPr txBox="1"/>
-          <p:nvPr/>
-        </p:nvSpPr>
-        <p:spPr>
-          <a:xfrm>
-            <a:off x="401216" y="982353"/>
-            <a:ext cx="11542905" cy="461665"/>
-          </a:xfrm>
-          <a:prstGeom prst="rect">
-            <a:avLst/>
-          </a:prstGeom>
-          <a:noFill/>
-        </p:spPr>
-        <p:txBody>
-          <a:bodyPr wrap="square" rtlCol="0">
-            <a:spAutoFit/>
-          </a:bodyPr>
-          <a:lstStyle/>
-          <a:p>
-            <a:r>
-              <a:rPr lang="en-US" sz="2400"/>
-              <a:t>&lt;content&gt;</a:t>
-            </a:r>
-            <a:endParaRPr lang="en-US" sz="2400" dirty="0"/>
           </a:p>
         </p:txBody>
       </p:sp>
@@ -8016,6 +8156,48 @@
               </a14:hiddenFill>
             </a:ext>
           </a:extLst>
+        </p:spPr>
+      </p:pic>
+      <p:pic>
+        <p:nvPicPr>
+          <p:cNvPr id="6" name="Picture 5">
+            <a:extLst>
+              <a:ext uri="{FF2B5EF4-FFF2-40B4-BE49-F238E27FC236}">
+                <a16:creationId xmlns:a16="http://schemas.microsoft.com/office/drawing/2014/main" id="{845EEB35-959E-426C-9B58-4B9918BA4E70}"/>
+              </a:ext>
+            </a:extLst>
+          </p:cNvPr>
+          <p:cNvPicPr>
+            <a:picLocks noChangeAspect="1"/>
+          </p:cNvPicPr>
+          <p:nvPr/>
+        </p:nvPicPr>
+        <p:blipFill>
+          <a:blip r:embed="rId4">
+            <a:extLst>
+              <a:ext uri="{BEBA8EAE-BF5A-486C-A8C5-ECC9F3942E4B}">
+                <a14:imgProps xmlns:a14="http://schemas.microsoft.com/office/drawing/2010/main">
+                  <a14:imgLayer r:embed="rId5">
+                    <a14:imgEffect>
+                      <a14:saturation sat="0"/>
+                    </a14:imgEffect>
+                  </a14:imgLayer>
+                </a14:imgProps>
+              </a:ext>
+            </a:extLst>
+          </a:blip>
+          <a:stretch>
+            <a:fillRect/>
+          </a:stretch>
+        </p:blipFill>
+        <p:spPr>
+          <a:xfrm>
+            <a:off x="1812370" y="1133034"/>
+            <a:ext cx="8791194" cy="5517358"/>
+          </a:xfrm>
+          <a:prstGeom prst="rect">
+            <a:avLst/>
+          </a:prstGeom>
         </p:spPr>
       </p:pic>
     </p:spTree>
@@ -8095,7 +8277,7 @@
           <a:p>
             <a:r>
               <a:rPr lang="en-US" b="1" dirty="0"/>
-              <a:t>&lt;Title&gt;</a:t>
+              <a:t>A Class method</a:t>
             </a:r>
           </a:p>
         </p:txBody>
@@ -8134,42 +8316,6 @@
               </a:rPr>
               <a:t>Trainer: Anubhav Oberoy</a:t>
             </a:r>
-          </a:p>
-        </p:txBody>
-      </p:sp>
-      <p:sp>
-        <p:nvSpPr>
-          <p:cNvPr id="5" name="TextBox 4">
-            <a:extLst>
-              <a:ext uri="{FF2B5EF4-FFF2-40B4-BE49-F238E27FC236}">
-                <a16:creationId xmlns:a16="http://schemas.microsoft.com/office/drawing/2014/main" id="{27E5B41D-1DDF-48C9-A5AF-075F84492B68}"/>
-              </a:ext>
-            </a:extLst>
-          </p:cNvPr>
-          <p:cNvSpPr txBox="1"/>
-          <p:nvPr/>
-        </p:nvSpPr>
-        <p:spPr>
-          <a:xfrm>
-            <a:off x="401216" y="982353"/>
-            <a:ext cx="11542905" cy="461665"/>
-          </a:xfrm>
-          <a:prstGeom prst="rect">
-            <a:avLst/>
-          </a:prstGeom>
-          <a:noFill/>
-        </p:spPr>
-        <p:txBody>
-          <a:bodyPr wrap="square" rtlCol="0">
-            <a:spAutoFit/>
-          </a:bodyPr>
-          <a:lstStyle/>
-          <a:p>
-            <a:r>
-              <a:rPr lang="en-US" sz="2400"/>
-              <a:t>&lt;content&gt;</a:t>
-            </a:r>
-            <a:endParaRPr lang="en-US" sz="2400" dirty="0"/>
           </a:p>
         </p:txBody>
       </p:sp>
@@ -8219,6 +8365,48 @@
               </a14:hiddenFill>
             </a:ext>
           </a:extLst>
+        </p:spPr>
+      </p:pic>
+      <p:pic>
+        <p:nvPicPr>
+          <p:cNvPr id="6" name="Picture 5">
+            <a:extLst>
+              <a:ext uri="{FF2B5EF4-FFF2-40B4-BE49-F238E27FC236}">
+                <a16:creationId xmlns:a16="http://schemas.microsoft.com/office/drawing/2014/main" id="{B306E982-DF6C-486B-9883-425DDE6AB37B}"/>
+              </a:ext>
+            </a:extLst>
+          </p:cNvPr>
+          <p:cNvPicPr>
+            <a:picLocks noChangeAspect="1"/>
+          </p:cNvPicPr>
+          <p:nvPr/>
+        </p:nvPicPr>
+        <p:blipFill>
+          <a:blip r:embed="rId4">
+            <a:extLst>
+              <a:ext uri="{BEBA8EAE-BF5A-486C-A8C5-ECC9F3942E4B}">
+                <a14:imgProps xmlns:a14="http://schemas.microsoft.com/office/drawing/2010/main">
+                  <a14:imgLayer r:embed="rId5">
+                    <a14:imgEffect>
+                      <a14:saturation sat="0"/>
+                    </a14:imgEffect>
+                  </a14:imgLayer>
+                </a14:imgProps>
+              </a:ext>
+            </a:extLst>
+          </a:blip>
+          <a:stretch>
+            <a:fillRect/>
+          </a:stretch>
+        </p:blipFill>
+        <p:spPr>
+          <a:xfrm>
+            <a:off x="2666703" y="1822565"/>
+            <a:ext cx="6858594" cy="3212870"/>
+          </a:xfrm>
+          <a:prstGeom prst="rect">
+            <a:avLst/>
+          </a:prstGeom>
         </p:spPr>
       </p:pic>
     </p:spTree>
@@ -8298,7 +8486,7 @@
           <a:p>
             <a:r>
               <a:rPr lang="en-US" b="1" dirty="0"/>
-              <a:t>&lt;Title&gt;</a:t>
+              <a:t>Exercise – Create Class</a:t>
             </a:r>
           </a:p>
         </p:txBody>
@@ -8355,7 +8543,7 @@
         <p:spPr>
           <a:xfrm>
             <a:off x="401216" y="982353"/>
-            <a:ext cx="11542905" cy="461665"/>
+            <a:ext cx="11542905" cy="1569660"/>
           </a:xfrm>
           <a:prstGeom prst="rect">
             <a:avLst/>
@@ -8369,10 +8557,24 @@
           <a:lstStyle/>
           <a:p>
             <a:r>
-              <a:rPr lang="en-US" sz="2400"/>
-              <a:t>&lt;content&gt;</a:t>
-            </a:r>
+              <a:rPr lang="en-US" sz="2400" dirty="0"/>
+              <a:t>Create a simple plane class</a:t>
+            </a:r>
+          </a:p>
+          <a:p>
             <a:endParaRPr lang="en-US" sz="2400" dirty="0"/>
+          </a:p>
+          <a:p>
+            <a:r>
+              <a:rPr lang="en-US" sz="2400" dirty="0"/>
+              <a:t>Name: ZCL_XX_PLANE</a:t>
+            </a:r>
+          </a:p>
+          <a:p>
+            <a:r>
+              <a:rPr lang="en-US" sz="2400" dirty="0"/>
+              <a:t>Test Program: ZNC_XX_CLASS_CONSUME</a:t>
+            </a:r>
           </a:p>
         </p:txBody>
       </p:sp>
@@ -8422,6 +8624,47 @@
               </a14:hiddenFill>
             </a:ext>
           </a:extLst>
+        </p:spPr>
+      </p:pic>
+      <p:pic>
+        <p:nvPicPr>
+          <p:cNvPr id="3" name="Picture 2">
+            <a:extLst>
+              <a:ext uri="{FF2B5EF4-FFF2-40B4-BE49-F238E27FC236}">
+                <a16:creationId xmlns:a16="http://schemas.microsoft.com/office/drawing/2014/main" id="{F726D7A2-6525-4D48-8C7B-BDD6AAECF135}"/>
+              </a:ext>
+            </a:extLst>
+          </p:cNvPr>
+          <p:cNvPicPr>
+            <a:picLocks noChangeAspect="1"/>
+          </p:cNvPicPr>
+          <p:nvPr/>
+        </p:nvPicPr>
+        <p:blipFill rotWithShape="1">
+          <a:blip r:embed="rId4">
+            <a:extLst>
+              <a:ext uri="{BEBA8EAE-BF5A-486C-A8C5-ECC9F3942E4B}">
+                <a14:imgProps xmlns:a14="http://schemas.microsoft.com/office/drawing/2010/main">
+                  <a14:imgLayer r:embed="rId5">
+                    <a14:imgEffect>
+                      <a14:saturation sat="0"/>
+                    </a14:imgEffect>
+                  </a14:imgLayer>
+                </a14:imgProps>
+              </a:ext>
+            </a:extLst>
+          </a:blip>
+          <a:srcRect l="33331" r="40422" b="56039"/>
+          <a:stretch/>
+        </p:blipFill>
+        <p:spPr>
+          <a:xfrm>
+            <a:off x="7865705" y="1444018"/>
+            <a:ext cx="3620278" cy="4245156"/>
+          </a:xfrm>
+          <a:prstGeom prst="rect">
+            <a:avLst/>
+          </a:prstGeom>
         </p:spPr>
       </p:pic>
     </p:spTree>
@@ -8501,7 +8744,7 @@
           <a:p>
             <a:r>
               <a:rPr lang="en-US" b="1" dirty="0"/>
-              <a:t>&lt;Title&gt;</a:t>
+              <a:t>Inheritance</a:t>
             </a:r>
           </a:p>
         </p:txBody>
@@ -8540,42 +8783,6 @@
               </a:rPr>
               <a:t>Trainer: Anubhav Oberoy</a:t>
             </a:r>
-          </a:p>
-        </p:txBody>
-      </p:sp>
-      <p:sp>
-        <p:nvSpPr>
-          <p:cNvPr id="5" name="TextBox 4">
-            <a:extLst>
-              <a:ext uri="{FF2B5EF4-FFF2-40B4-BE49-F238E27FC236}">
-                <a16:creationId xmlns:a16="http://schemas.microsoft.com/office/drawing/2014/main" id="{27E5B41D-1DDF-48C9-A5AF-075F84492B68}"/>
-              </a:ext>
-            </a:extLst>
-          </p:cNvPr>
-          <p:cNvSpPr txBox="1"/>
-          <p:nvPr/>
-        </p:nvSpPr>
-        <p:spPr>
-          <a:xfrm>
-            <a:off x="401216" y="982353"/>
-            <a:ext cx="11542905" cy="461665"/>
-          </a:xfrm>
-          <a:prstGeom prst="rect">
-            <a:avLst/>
-          </a:prstGeom>
-          <a:noFill/>
-        </p:spPr>
-        <p:txBody>
-          <a:bodyPr wrap="square" rtlCol="0">
-            <a:spAutoFit/>
-          </a:bodyPr>
-          <a:lstStyle/>
-          <a:p>
-            <a:r>
-              <a:rPr lang="en-US" sz="2400"/>
-              <a:t>&lt;content&gt;</a:t>
-            </a:r>
-            <a:endParaRPr lang="en-US" sz="2400" dirty="0"/>
           </a:p>
         </p:txBody>
       </p:sp>
@@ -8611,6 +8818,62 @@
           <a:xfrm>
             <a:off x="9485308" y="105798"/>
             <a:ext cx="2444928" cy="656107"/>
+          </a:xfrm>
+          <a:prstGeom prst="rect">
+            <a:avLst/>
+          </a:prstGeom>
+          <a:noFill/>
+          <a:extLst>
+            <a:ext uri="{909E8E84-426E-40DD-AFC4-6F175D3DCCD1}">
+              <a14:hiddenFill xmlns:a14="http://schemas.microsoft.com/office/drawing/2010/main">
+                <a:solidFill>
+                  <a:srgbClr val="FFFFFF"/>
+                </a:solidFill>
+              </a14:hiddenFill>
+            </a:ext>
+          </a:extLst>
+        </p:spPr>
+      </p:pic>
+      <p:pic>
+        <p:nvPicPr>
+          <p:cNvPr id="5122" name="Picture 2" descr="Inheritance in JAVA – CODE STALL">
+            <a:extLst>
+              <a:ext uri="{FF2B5EF4-FFF2-40B4-BE49-F238E27FC236}">
+                <a16:creationId xmlns:a16="http://schemas.microsoft.com/office/drawing/2014/main" id="{6E62CAC2-0777-47E1-AB68-87BAE4A93112}"/>
+              </a:ext>
+            </a:extLst>
+          </p:cNvPr>
+          <p:cNvPicPr>
+            <a:picLocks noChangeAspect="1" noChangeArrowheads="1"/>
+          </p:cNvPicPr>
+          <p:nvPr/>
+        </p:nvPicPr>
+        <p:blipFill>
+          <a:blip r:embed="rId4">
+            <a:extLst>
+              <a:ext uri="{BEBA8EAE-BF5A-486C-A8C5-ECC9F3942E4B}">
+                <a14:imgProps xmlns:a14="http://schemas.microsoft.com/office/drawing/2010/main">
+                  <a14:imgLayer r:embed="rId5">
+                    <a14:imgEffect>
+                      <a14:saturation sat="0"/>
+                    </a14:imgEffect>
+                  </a14:imgLayer>
+                </a14:imgProps>
+              </a:ext>
+              <a:ext uri="{28A0092B-C50C-407E-A947-70E740481C1C}">
+                <a14:useLocalDpi xmlns:a14="http://schemas.microsoft.com/office/drawing/2010/main" val="0"/>
+              </a:ext>
+            </a:extLst>
+          </a:blip>
+          <a:srcRect/>
+          <a:stretch>
+            <a:fillRect/>
+          </a:stretch>
+        </p:blipFill>
+        <p:spPr bwMode="auto">
+          <a:xfrm>
+            <a:off x="1902278" y="1140861"/>
+            <a:ext cx="8641313" cy="5342290"/>
           </a:xfrm>
           <a:prstGeom prst="rect">
             <a:avLst/>
@@ -8703,8 +8966,12 @@
           </a:lstStyle>
           <a:p>
             <a:r>
+              <a:rPr lang="en-US" sz="3600" b="1" dirty="0"/>
+              <a:t>Class Relations – Inheritance and Associations</a:t>
+            </a:r>
+            <a:r>
               <a:rPr lang="en-US" b="1" dirty="0"/>
-              <a:t>&lt;Title&gt;</a:t>
+              <a:t> </a:t>
             </a:r>
           </a:p>
         </p:txBody>
@@ -8743,42 +9010,6 @@
               </a:rPr>
               <a:t>Trainer: Anubhav Oberoy</a:t>
             </a:r>
-          </a:p>
-        </p:txBody>
-      </p:sp>
-      <p:sp>
-        <p:nvSpPr>
-          <p:cNvPr id="5" name="TextBox 4">
-            <a:extLst>
-              <a:ext uri="{FF2B5EF4-FFF2-40B4-BE49-F238E27FC236}">
-                <a16:creationId xmlns:a16="http://schemas.microsoft.com/office/drawing/2014/main" id="{27E5B41D-1DDF-48C9-A5AF-075F84492B68}"/>
-              </a:ext>
-            </a:extLst>
-          </p:cNvPr>
-          <p:cNvSpPr txBox="1"/>
-          <p:nvPr/>
-        </p:nvSpPr>
-        <p:spPr>
-          <a:xfrm>
-            <a:off x="401216" y="982353"/>
-            <a:ext cx="11542905" cy="461665"/>
-          </a:xfrm>
-          <a:prstGeom prst="rect">
-            <a:avLst/>
-          </a:prstGeom>
-          <a:noFill/>
-        </p:spPr>
-        <p:txBody>
-          <a:bodyPr wrap="square" rtlCol="0">
-            <a:spAutoFit/>
-          </a:bodyPr>
-          <a:lstStyle/>
-          <a:p>
-            <a:r>
-              <a:rPr lang="en-US" sz="2400"/>
-              <a:t>&lt;content&gt;</a:t>
-            </a:r>
-            <a:endParaRPr lang="en-US" sz="2400" dirty="0"/>
           </a:p>
         </p:txBody>
       </p:sp>
@@ -8828,6 +9059,48 @@
               </a14:hiddenFill>
             </a:ext>
           </a:extLst>
+        </p:spPr>
+      </p:pic>
+      <p:pic>
+        <p:nvPicPr>
+          <p:cNvPr id="6" name="Picture 5">
+            <a:extLst>
+              <a:ext uri="{FF2B5EF4-FFF2-40B4-BE49-F238E27FC236}">
+                <a16:creationId xmlns:a16="http://schemas.microsoft.com/office/drawing/2014/main" id="{3F4C5F7C-CF76-4961-8ED4-8CC6495A7DF9}"/>
+              </a:ext>
+            </a:extLst>
+          </p:cNvPr>
+          <p:cNvPicPr>
+            <a:picLocks noChangeAspect="1"/>
+          </p:cNvPicPr>
+          <p:nvPr/>
+        </p:nvPicPr>
+        <p:blipFill>
+          <a:blip r:embed="rId4">
+            <a:extLst>
+              <a:ext uri="{BEBA8EAE-BF5A-486C-A8C5-ECC9F3942E4B}">
+                <a14:imgProps xmlns:a14="http://schemas.microsoft.com/office/drawing/2010/main">
+                  <a14:imgLayer r:embed="rId5">
+                    <a14:imgEffect>
+                      <a14:saturation sat="0"/>
+                    </a14:imgEffect>
+                  </a14:imgLayer>
+                </a14:imgProps>
+              </a:ext>
+            </a:extLst>
+          </a:blip>
+          <a:stretch>
+            <a:fillRect/>
+          </a:stretch>
+        </p:blipFill>
+        <p:spPr>
+          <a:xfrm>
+            <a:off x="2327041" y="899721"/>
+            <a:ext cx="7796014" cy="6055727"/>
+          </a:xfrm>
+          <a:prstGeom prst="rect">
+            <a:avLst/>
+          </a:prstGeom>
         </p:spPr>
       </p:pic>
     </p:spTree>
@@ -8907,7 +9180,7 @@
           <a:p>
             <a:r>
               <a:rPr lang="en-US" b="1" dirty="0"/>
-              <a:t>&lt;Title&gt;</a:t>
+              <a:t>Exercise – Inheritance</a:t>
             </a:r>
           </a:p>
         </p:txBody>
@@ -8946,42 +9219,6 @@
               </a:rPr>
               <a:t>Trainer: Anubhav Oberoy</a:t>
             </a:r>
-          </a:p>
-        </p:txBody>
-      </p:sp>
-      <p:sp>
-        <p:nvSpPr>
-          <p:cNvPr id="5" name="TextBox 4">
-            <a:extLst>
-              <a:ext uri="{FF2B5EF4-FFF2-40B4-BE49-F238E27FC236}">
-                <a16:creationId xmlns:a16="http://schemas.microsoft.com/office/drawing/2014/main" id="{27E5B41D-1DDF-48C9-A5AF-075F84492B68}"/>
-              </a:ext>
-            </a:extLst>
-          </p:cNvPr>
-          <p:cNvSpPr txBox="1"/>
-          <p:nvPr/>
-        </p:nvSpPr>
-        <p:spPr>
-          <a:xfrm>
-            <a:off x="401216" y="982353"/>
-            <a:ext cx="11542905" cy="461665"/>
-          </a:xfrm>
-          <a:prstGeom prst="rect">
-            <a:avLst/>
-          </a:prstGeom>
-          <a:noFill/>
-        </p:spPr>
-        <p:txBody>
-          <a:bodyPr wrap="square" rtlCol="0">
-            <a:spAutoFit/>
-          </a:bodyPr>
-          <a:lstStyle/>
-          <a:p>
-            <a:r>
-              <a:rPr lang="en-US" sz="2400"/>
-              <a:t>&lt;content&gt;</a:t>
-            </a:r>
-            <a:endParaRPr lang="en-US" sz="2400" dirty="0"/>
           </a:p>
         </p:txBody>
       </p:sp>
@@ -9033,6 +9270,136 @@
           </a:extLst>
         </p:spPr>
       </p:pic>
+      <p:pic>
+        <p:nvPicPr>
+          <p:cNvPr id="6" name="Picture 5">
+            <a:extLst>
+              <a:ext uri="{FF2B5EF4-FFF2-40B4-BE49-F238E27FC236}">
+                <a16:creationId xmlns:a16="http://schemas.microsoft.com/office/drawing/2014/main" id="{3F0D250A-82E4-468B-B5C6-39433FD174F7}"/>
+              </a:ext>
+            </a:extLst>
+          </p:cNvPr>
+          <p:cNvPicPr>
+            <a:picLocks noChangeAspect="1"/>
+          </p:cNvPicPr>
+          <p:nvPr/>
+        </p:nvPicPr>
+        <p:blipFill>
+          <a:blip r:embed="rId4">
+            <a:extLst>
+              <a:ext uri="{BEBA8EAE-BF5A-486C-A8C5-ECC9F3942E4B}">
+                <a14:imgProps xmlns:a14="http://schemas.microsoft.com/office/drawing/2010/main">
+                  <a14:imgLayer r:embed="rId5">
+                    <a14:imgEffect>
+                      <a14:saturation sat="0"/>
+                    </a14:imgEffect>
+                  </a14:imgLayer>
+                </a14:imgProps>
+              </a:ext>
+            </a:extLst>
+          </a:blip>
+          <a:stretch>
+            <a:fillRect/>
+          </a:stretch>
+        </p:blipFill>
+        <p:spPr>
+          <a:xfrm>
+            <a:off x="5175935" y="1504141"/>
+            <a:ext cx="6754301" cy="4728709"/>
+          </a:xfrm>
+          <a:prstGeom prst="rect">
+            <a:avLst/>
+          </a:prstGeom>
+        </p:spPr>
+      </p:pic>
+      <p:sp>
+        <p:nvSpPr>
+          <p:cNvPr id="7" name="TextBox 6">
+            <a:extLst>
+              <a:ext uri="{FF2B5EF4-FFF2-40B4-BE49-F238E27FC236}">
+                <a16:creationId xmlns:a16="http://schemas.microsoft.com/office/drawing/2014/main" id="{C5F0A9AE-FE77-452D-9B47-E7AEBD8E74AE}"/>
+              </a:ext>
+            </a:extLst>
+          </p:cNvPr>
+          <p:cNvSpPr txBox="1"/>
+          <p:nvPr/>
+        </p:nvSpPr>
+        <p:spPr>
+          <a:xfrm>
+            <a:off x="382555" y="1063690"/>
+            <a:ext cx="6754301" cy="2246769"/>
+          </a:xfrm>
+          <a:prstGeom prst="rect">
+            <a:avLst/>
+          </a:prstGeom>
+          <a:noFill/>
+        </p:spPr>
+        <p:txBody>
+          <a:bodyPr wrap="square" rtlCol="0">
+            <a:spAutoFit/>
+          </a:bodyPr>
+          <a:lstStyle/>
+          <a:p>
+            <a:pPr marL="285750" indent="-285750">
+              <a:buFont typeface="Arial" panose="020B0604020202020204" pitchFamily="34" charset="0"/>
+              <a:buChar char="•"/>
+            </a:pPr>
+            <a:r>
+              <a:rPr lang="en-US" sz="2000" dirty="0"/>
+              <a:t>Extend the last example of plane class with inheritance</a:t>
+            </a:r>
+          </a:p>
+          <a:p>
+            <a:pPr marL="285750" indent="-285750">
+              <a:buFont typeface="Arial" panose="020B0604020202020204" pitchFamily="34" charset="0"/>
+              <a:buChar char="•"/>
+            </a:pPr>
+            <a:r>
+              <a:rPr lang="en-US" sz="2000" dirty="0"/>
+              <a:t>Add 2 child classes (sub-classes) passenger and cargo plane</a:t>
+            </a:r>
+          </a:p>
+          <a:p>
+            <a:pPr marL="285750" indent="-285750">
+              <a:buFont typeface="Arial" panose="020B0604020202020204" pitchFamily="34" charset="0"/>
+              <a:buChar char="•"/>
+            </a:pPr>
+            <a:r>
+              <a:rPr lang="en-US" sz="2000" dirty="0"/>
+              <a:t>Add attributes and functions to the child classes</a:t>
+            </a:r>
+          </a:p>
+          <a:p>
+            <a:pPr marL="285750" indent="-285750">
+              <a:buFont typeface="Arial" panose="020B0604020202020204" pitchFamily="34" charset="0"/>
+              <a:buChar char="•"/>
+            </a:pPr>
+            <a:r>
+              <a:rPr lang="en-US" sz="2000" dirty="0"/>
+              <a:t>Create program to consume these classes</a:t>
+            </a:r>
+          </a:p>
+          <a:p>
+            <a:pPr marL="285750" indent="-285750">
+              <a:buFont typeface="Arial" panose="020B0604020202020204" pitchFamily="34" charset="0"/>
+              <a:buChar char="•"/>
+            </a:pPr>
+            <a:endParaRPr lang="en-US" sz="2000" dirty="0"/>
+          </a:p>
+          <a:p>
+            <a:r>
+              <a:rPr lang="en-US" sz="2000" dirty="0"/>
+              <a:t>Child Class Names: ZCL_XX_PASS_PLANE</a:t>
+            </a:r>
+          </a:p>
+          <a:p>
+            <a:r>
+              <a:rPr lang="en-US" sz="2000" dirty="0"/>
+              <a:t>		   ZCL_XX_CARGO_PLANE</a:t>
+            </a:r>
+          </a:p>
+        </p:txBody>
+      </p:sp>
     </p:spTree>
     <p:extLst>
       <p:ext uri="{BB962C8B-B14F-4D97-AF65-F5344CB8AC3E}">
@@ -9110,7 +9477,7 @@
           <a:p>
             <a:r>
               <a:rPr lang="en-US" b="1" dirty="0"/>
-              <a:t>&lt;Title&gt;</a:t>
+              <a:t>Aggregation and Composition</a:t>
             </a:r>
           </a:p>
         </p:txBody>
@@ -9167,7 +9534,7 @@
         <p:spPr>
           <a:xfrm>
             <a:off x="401216" y="982353"/>
-            <a:ext cx="11542905" cy="461665"/>
+            <a:ext cx="11542905" cy="1754326"/>
           </a:xfrm>
           <a:prstGeom prst="rect">
             <a:avLst/>
@@ -9181,10 +9548,85 @@
           <a:lstStyle/>
           <a:p>
             <a:r>
-              <a:rPr lang="en-US" sz="2400"/>
-              <a:t>&lt;content&gt;</a:t>
-            </a:r>
-            <a:endParaRPr lang="en-US" sz="2400" dirty="0"/>
+              <a:rPr lang="en-US" dirty="0"/>
+              <a:t>Associations are of 2 types</a:t>
+            </a:r>
+          </a:p>
+          <a:p>
+            <a:endParaRPr lang="en-US" dirty="0"/>
+          </a:p>
+          <a:p>
+            <a:pPr marL="342900" indent="-342900">
+              <a:buFont typeface="Wingdings" panose="05000000000000000000" pitchFamily="2" charset="2"/>
+              <a:buChar char="à"/>
+            </a:pPr>
+            <a:r>
+              <a:rPr lang="en-US" dirty="0">
+                <a:sym typeface="Wingdings" panose="05000000000000000000" pitchFamily="2" charset="2"/>
+              </a:rPr>
+              <a:t>Aggregation – is a lose coupling / both objects </a:t>
+            </a:r>
+            <a:r>
+              <a:rPr lang="en-US" b="1" dirty="0">
+                <a:sym typeface="Wingdings" panose="05000000000000000000" pitchFamily="2" charset="2"/>
+              </a:rPr>
+              <a:t>can</a:t>
+            </a:r>
+            <a:r>
+              <a:rPr lang="en-US" dirty="0">
+                <a:sym typeface="Wingdings" panose="05000000000000000000" pitchFamily="2" charset="2"/>
+              </a:rPr>
+              <a:t> operate independently / </a:t>
+            </a:r>
+            <a:r>
+              <a:rPr lang="en-US" b="1" dirty="0">
+                <a:sym typeface="Wingdings" panose="05000000000000000000" pitchFamily="2" charset="2"/>
+              </a:rPr>
+              <a:t>good</a:t>
+            </a:r>
+            <a:r>
+              <a:rPr lang="en-US" dirty="0">
+                <a:sym typeface="Wingdings" panose="05000000000000000000" pitchFamily="2" charset="2"/>
+              </a:rPr>
+              <a:t> to have relationship / represent using empty rhombus</a:t>
+            </a:r>
+          </a:p>
+          <a:p>
+            <a:pPr marL="342900" indent="-342900">
+              <a:buFont typeface="Wingdings" panose="05000000000000000000" pitchFamily="2" charset="2"/>
+              <a:buChar char="à"/>
+            </a:pPr>
+            <a:r>
+              <a:rPr lang="en-US" dirty="0">
+                <a:sym typeface="Wingdings" panose="05000000000000000000" pitchFamily="2" charset="2"/>
+              </a:rPr>
+              <a:t>Composition - is a tight coupling / both objects </a:t>
+            </a:r>
+            <a:r>
+              <a:rPr lang="en-US" b="1" dirty="0">
+                <a:sym typeface="Wingdings" panose="05000000000000000000" pitchFamily="2" charset="2"/>
+              </a:rPr>
+              <a:t>cannot</a:t>
+            </a:r>
+            <a:r>
+              <a:rPr lang="en-US" dirty="0">
+                <a:sym typeface="Wingdings" panose="05000000000000000000" pitchFamily="2" charset="2"/>
+              </a:rPr>
+              <a:t> operate independently / </a:t>
+            </a:r>
+            <a:r>
+              <a:rPr lang="en-US" b="1" dirty="0">
+                <a:sym typeface="Wingdings" panose="05000000000000000000" pitchFamily="2" charset="2"/>
+              </a:rPr>
+              <a:t>must</a:t>
+            </a:r>
+            <a:r>
+              <a:rPr lang="en-US" dirty="0">
+                <a:sym typeface="Wingdings" panose="05000000000000000000" pitchFamily="2" charset="2"/>
+              </a:rPr>
+              <a:t> to have relationship / represent using empty rhombus</a:t>
+            </a:r>
+            <a:endParaRPr lang="en-US" dirty="0"/>
           </a:p>
         </p:txBody>
       </p:sp>
@@ -9313,7 +9755,7 @@
           <a:p>
             <a:r>
               <a:rPr lang="en-US" b="1" dirty="0"/>
-              <a:t>&lt;Title&gt;</a:t>
+              <a:t>Exercise – Aggregation &amp; Composition</a:t>
             </a:r>
           </a:p>
         </p:txBody>
@@ -9370,7 +9812,7 @@
         <p:spPr>
           <a:xfrm>
             <a:off x="401216" y="982353"/>
-            <a:ext cx="11542905" cy="461665"/>
+            <a:ext cx="11542905" cy="2031325"/>
           </a:xfrm>
           <a:prstGeom prst="rect">
             <a:avLst/>
@@ -9384,10 +9826,58 @@
           <a:lstStyle/>
           <a:p>
             <a:r>
-              <a:rPr lang="en-US" sz="2400"/>
-              <a:t>&lt;content&gt;</a:t>
-            </a:r>
-            <a:endParaRPr lang="en-US" sz="2400" dirty="0"/>
+              <a:rPr lang="en-US" dirty="0"/>
+              <a:t>Implement the Aggregation</a:t>
+            </a:r>
+          </a:p>
+          <a:p>
+            <a:pPr marL="342900" indent="-342900">
+              <a:buFontTx/>
+              <a:buChar char="-"/>
+            </a:pPr>
+            <a:r>
+              <a:rPr lang="en-US" dirty="0"/>
+              <a:t>Create a new Passenger class ZCL_XX_PASSENGER</a:t>
+            </a:r>
+          </a:p>
+          <a:p>
+            <a:pPr marL="342900" indent="-342900">
+              <a:buFontTx/>
+              <a:buChar char="-"/>
+            </a:pPr>
+            <a:r>
+              <a:rPr lang="en-US" dirty="0"/>
+              <a:t>Add object of passengers to Passenger to PASS_PLANE</a:t>
+            </a:r>
+          </a:p>
+          <a:p>
+            <a:r>
+              <a:rPr lang="en-US" dirty="0"/>
+              <a:t>Implement the Composition</a:t>
+            </a:r>
+          </a:p>
+          <a:p>
+            <a:pPr marL="342900" indent="-342900">
+              <a:buFontTx/>
+              <a:buChar char="-"/>
+            </a:pPr>
+            <a:r>
+              <a:rPr lang="en-US" dirty="0"/>
+              <a:t>Create a new Wings class ZCL_XX_WINGS</a:t>
+            </a:r>
+          </a:p>
+          <a:p>
+            <a:pPr marL="342900" indent="-342900">
+              <a:buFontTx/>
+              <a:buChar char="-"/>
+            </a:pPr>
+            <a:r>
+              <a:rPr lang="en-US" dirty="0"/>
+              <a:t>Add object of Cargo to Plane as composition</a:t>
+            </a:r>
+          </a:p>
+          <a:p>
+            <a:endParaRPr lang="en-US" dirty="0"/>
           </a:p>
         </p:txBody>
       </p:sp>
@@ -9439,10 +9929,52 @@
           </a:extLst>
         </p:spPr>
       </p:pic>
+      <p:pic>
+        <p:nvPicPr>
+          <p:cNvPr id="3" name="Picture 2">
+            <a:extLst>
+              <a:ext uri="{FF2B5EF4-FFF2-40B4-BE49-F238E27FC236}">
+                <a16:creationId xmlns:a16="http://schemas.microsoft.com/office/drawing/2014/main" id="{9302D361-4773-414F-A54F-D4C7311BCD98}"/>
+              </a:ext>
+            </a:extLst>
+          </p:cNvPr>
+          <p:cNvPicPr>
+            <a:picLocks noChangeAspect="1"/>
+          </p:cNvPicPr>
+          <p:nvPr/>
+        </p:nvPicPr>
+        <p:blipFill>
+          <a:blip r:embed="rId4">
+            <a:extLst>
+              <a:ext uri="{BEBA8EAE-BF5A-486C-A8C5-ECC9F3942E4B}">
+                <a14:imgProps xmlns:a14="http://schemas.microsoft.com/office/drawing/2010/main">
+                  <a14:imgLayer r:embed="rId5">
+                    <a14:imgEffect>
+                      <a14:saturation sat="0"/>
+                    </a14:imgEffect>
+                  </a14:imgLayer>
+                </a14:imgProps>
+              </a:ext>
+            </a:extLst>
+          </a:blip>
+          <a:stretch>
+            <a:fillRect/>
+          </a:stretch>
+        </p:blipFill>
+        <p:spPr>
+          <a:xfrm>
+            <a:off x="4018816" y="1526650"/>
+            <a:ext cx="8081905" cy="4541425"/>
+          </a:xfrm>
+          <a:prstGeom prst="rect">
+            <a:avLst/>
+          </a:prstGeom>
+        </p:spPr>
+      </p:pic>
     </p:spTree>
     <p:extLst>
       <p:ext uri="{BB962C8B-B14F-4D97-AF65-F5344CB8AC3E}">
-        <p14:creationId xmlns:p14="http://schemas.microsoft.com/office/powerpoint/2010/main" val="16813928"/>
+        <p14:creationId xmlns:p14="http://schemas.microsoft.com/office/powerpoint/2010/main" val="546009325"/>
       </p:ext>
     </p:extLst>
   </p:cSld>
@@ -9645,7 +10177,7 @@
     </p:spTree>
     <p:extLst>
       <p:ext uri="{BB962C8B-B14F-4D97-AF65-F5344CB8AC3E}">
-        <p14:creationId xmlns:p14="http://schemas.microsoft.com/office/powerpoint/2010/main" val="471245112"/>
+        <p14:creationId xmlns:p14="http://schemas.microsoft.com/office/powerpoint/2010/main" val="602278634"/>
       </p:ext>
     </p:extLst>
   </p:cSld>
@@ -10222,7 +10754,7 @@
     </p:spTree>
     <p:extLst>
       <p:ext uri="{BB962C8B-B14F-4D97-AF65-F5344CB8AC3E}">
-        <p14:creationId xmlns:p14="http://schemas.microsoft.com/office/powerpoint/2010/main" val="2536842398"/>
+        <p14:creationId xmlns:p14="http://schemas.microsoft.com/office/powerpoint/2010/main" val="2148624975"/>
       </p:ext>
     </p:extLst>
   </p:cSld>
@@ -10294,10 +10826,7 @@
             </a:lvl1pPr>
           </a:lstStyle>
           <a:p>
-            <a:r>
-              <a:rPr lang="en-US" b="1" dirty="0"/>
-              <a:t>&lt;Title&gt;</a:t>
-            </a:r>
+            <a:endParaRPr lang="en-US" b="1" dirty="0"/>
           </a:p>
         </p:txBody>
       </p:sp>
@@ -10335,42 +10864,6 @@
               </a:rPr>
               <a:t>Trainer: Anubhav Oberoy</a:t>
             </a:r>
-          </a:p>
-        </p:txBody>
-      </p:sp>
-      <p:sp>
-        <p:nvSpPr>
-          <p:cNvPr id="5" name="TextBox 4">
-            <a:extLst>
-              <a:ext uri="{FF2B5EF4-FFF2-40B4-BE49-F238E27FC236}">
-                <a16:creationId xmlns:a16="http://schemas.microsoft.com/office/drawing/2014/main" id="{27E5B41D-1DDF-48C9-A5AF-075F84492B68}"/>
-              </a:ext>
-            </a:extLst>
-          </p:cNvPr>
-          <p:cNvSpPr txBox="1"/>
-          <p:nvPr/>
-        </p:nvSpPr>
-        <p:spPr>
-          <a:xfrm>
-            <a:off x="401216" y="982353"/>
-            <a:ext cx="11542905" cy="461665"/>
-          </a:xfrm>
-          <a:prstGeom prst="rect">
-            <a:avLst/>
-          </a:prstGeom>
-          <a:noFill/>
-        </p:spPr>
-        <p:txBody>
-          <a:bodyPr wrap="square" rtlCol="0">
-            <a:spAutoFit/>
-          </a:bodyPr>
-          <a:lstStyle/>
-          <a:p>
-            <a:r>
-              <a:rPr lang="en-US" sz="2400"/>
-              <a:t>&lt;content&gt;</a:t>
-            </a:r>
-            <a:endParaRPr lang="en-US" sz="2400" dirty="0"/>
           </a:p>
         </p:txBody>
       </p:sp>
@@ -10422,10 +10915,50 @@
           </a:extLst>
         </p:spPr>
       </p:pic>
+      <p:sp>
+        <p:nvSpPr>
+          <p:cNvPr id="7" name="TextBox 6">
+            <a:extLst>
+              <a:ext uri="{FF2B5EF4-FFF2-40B4-BE49-F238E27FC236}">
+                <a16:creationId xmlns:a16="http://schemas.microsoft.com/office/drawing/2014/main" id="{17EB74BE-8011-4153-8F37-3BEF9C1F4CC0}"/>
+              </a:ext>
+            </a:extLst>
+          </p:cNvPr>
+          <p:cNvSpPr txBox="1"/>
+          <p:nvPr/>
+        </p:nvSpPr>
+        <p:spPr>
+          <a:xfrm>
+            <a:off x="3512128" y="2507734"/>
+            <a:ext cx="6174508" cy="1323439"/>
+          </a:xfrm>
+          <a:prstGeom prst="rect">
+            <a:avLst/>
+          </a:prstGeom>
+          <a:noFill/>
+        </p:spPr>
+        <p:txBody>
+          <a:bodyPr wrap="square">
+            <a:spAutoFit/>
+          </a:bodyPr>
+          <a:lstStyle/>
+          <a:p>
+            <a:r>
+              <a:rPr lang="en-US" sz="8000" b="1" dirty="0"/>
+              <a:t>End of </a:t>
+            </a:r>
+            <a:r>
+              <a:rPr lang="en-US" sz="8000" b="1"/>
+              <a:t>Day 4</a:t>
+            </a:r>
+            <a:endParaRPr lang="en-US" sz="8000" b="1" dirty="0"/>
+          </a:p>
+        </p:txBody>
+      </p:sp>
     </p:spTree>
     <p:extLst>
       <p:ext uri="{BB962C8B-B14F-4D97-AF65-F5344CB8AC3E}">
-        <p14:creationId xmlns:p14="http://schemas.microsoft.com/office/powerpoint/2010/main" val="483917869"/>
+        <p14:creationId xmlns:p14="http://schemas.microsoft.com/office/powerpoint/2010/main" val="3867772902"/>
       </p:ext>
     </p:extLst>
   </p:cSld>
@@ -10454,2418 +10987,6 @@
       </p:grpSpPr>
       <p:sp>
         <p:nvSpPr>
-          <p:cNvPr id="2" name="Title 3">
-            <a:extLst>
-              <a:ext uri="{FF2B5EF4-FFF2-40B4-BE49-F238E27FC236}">
-                <a16:creationId xmlns:a16="http://schemas.microsoft.com/office/drawing/2014/main" id="{F07FC580-E2AB-4C55-8C95-D5E077A1D127}"/>
-              </a:ext>
-            </a:extLst>
-          </p:cNvPr>
-          <p:cNvSpPr txBox="1">
-            <a:spLocks/>
-          </p:cNvSpPr>
-          <p:nvPr/>
-        </p:nvSpPr>
-        <p:spPr>
-          <a:xfrm>
-            <a:off x="261764" y="188640"/>
-            <a:ext cx="11292008" cy="711081"/>
-          </a:xfrm>
-          <a:prstGeom prst="rect">
-            <a:avLst/>
-          </a:prstGeom>
-        </p:spPr>
-        <p:txBody>
-          <a:bodyPr/>
-          <a:lstStyle>
-            <a:lvl1pPr algn="l" defTabSz="914400" rtl="0" eaLnBrk="1" latinLnBrk="0" hangingPunct="1">
-              <a:lnSpc>
-                <a:spcPct val="90000"/>
-              </a:lnSpc>
-              <a:spcBef>
-                <a:spcPct val="0"/>
-              </a:spcBef>
-              <a:buNone/>
-              <a:defRPr sz="4400" kern="1200">
-                <a:solidFill>
-                  <a:schemeClr val="tx1"/>
-                </a:solidFill>
-                <a:latin typeface="+mj-lt"/>
-                <a:ea typeface="+mj-ea"/>
-                <a:cs typeface="+mj-cs"/>
-              </a:defRPr>
-            </a:lvl1pPr>
-          </a:lstStyle>
-          <a:p>
-            <a:r>
-              <a:rPr lang="en-US" b="1" dirty="0"/>
-              <a:t>&lt;Title&gt;</a:t>
-            </a:r>
-          </a:p>
-        </p:txBody>
-      </p:sp>
-      <p:sp>
-        <p:nvSpPr>
-          <p:cNvPr id="4" name="Footer Placeholder 45">
-            <a:extLst>
-              <a:ext uri="{FF2B5EF4-FFF2-40B4-BE49-F238E27FC236}">
-                <a16:creationId xmlns:a16="http://schemas.microsoft.com/office/drawing/2014/main" id="{90E33047-DFF5-4690-8905-31E4C115EFDC}"/>
-              </a:ext>
-            </a:extLst>
-          </p:cNvPr>
-          <p:cNvSpPr>
-            <a:spLocks noGrp="1"/>
-          </p:cNvSpPr>
-          <p:nvPr>
-            <p:ph type="ftr" sz="quarter" idx="11"/>
-          </p:nvPr>
-        </p:nvSpPr>
-        <p:spPr>
-          <a:xfrm>
-            <a:off x="10123055" y="6548582"/>
-            <a:ext cx="2225295" cy="203620"/>
-          </a:xfrm>
-        </p:spPr>
-        <p:txBody>
-          <a:bodyPr/>
-          <a:lstStyle/>
-          <a:p>
-            <a:r>
-              <a:rPr lang="en-US" b="1" dirty="0">
-                <a:solidFill>
-                  <a:schemeClr val="tx1"/>
-                </a:solidFill>
-              </a:rPr>
-              <a:t>Trainer: Anubhav Oberoy</a:t>
-            </a:r>
-          </a:p>
-        </p:txBody>
-      </p:sp>
-      <p:sp>
-        <p:nvSpPr>
-          <p:cNvPr id="5" name="TextBox 4">
-            <a:extLst>
-              <a:ext uri="{FF2B5EF4-FFF2-40B4-BE49-F238E27FC236}">
-                <a16:creationId xmlns:a16="http://schemas.microsoft.com/office/drawing/2014/main" id="{27E5B41D-1DDF-48C9-A5AF-075F84492B68}"/>
-              </a:ext>
-            </a:extLst>
-          </p:cNvPr>
-          <p:cNvSpPr txBox="1"/>
-          <p:nvPr/>
-        </p:nvSpPr>
-        <p:spPr>
-          <a:xfrm>
-            <a:off x="401216" y="982353"/>
-            <a:ext cx="11542905" cy="461665"/>
-          </a:xfrm>
-          <a:prstGeom prst="rect">
-            <a:avLst/>
-          </a:prstGeom>
-          <a:noFill/>
-        </p:spPr>
-        <p:txBody>
-          <a:bodyPr wrap="square" rtlCol="0">
-            <a:spAutoFit/>
-          </a:bodyPr>
-          <a:lstStyle/>
-          <a:p>
-            <a:r>
-              <a:rPr lang="en-US" sz="2400"/>
-              <a:t>&lt;content&gt;</a:t>
-            </a:r>
-            <a:endParaRPr lang="en-US" sz="2400" dirty="0"/>
-          </a:p>
-        </p:txBody>
-      </p:sp>
-      <p:pic>
-        <p:nvPicPr>
-          <p:cNvPr id="2050" name="Picture 2" descr="NetCom Logo">
-            <a:hlinkClick r:id="rId2"/>
-            <a:extLst>
-              <a:ext uri="{FF2B5EF4-FFF2-40B4-BE49-F238E27FC236}">
-                <a16:creationId xmlns:a16="http://schemas.microsoft.com/office/drawing/2014/main" id="{2B8D59D5-A57D-4846-863C-31591ACCF193}"/>
-              </a:ext>
-            </a:extLst>
-          </p:cNvPr>
-          <p:cNvPicPr>
-            <a:picLocks noChangeAspect="1" noChangeArrowheads="1"/>
-          </p:cNvPicPr>
-          <p:nvPr/>
-        </p:nvPicPr>
-        <p:blipFill>
-          <a:blip r:embed="rId3" cstate="print">
-            <a:extLst>
-              <a:ext uri="{28A0092B-C50C-407E-A947-70E740481C1C}">
-                <a14:useLocalDpi xmlns:a14="http://schemas.microsoft.com/office/drawing/2010/main" val="0"/>
-              </a:ext>
-            </a:extLst>
-          </a:blip>
-          <a:srcRect/>
-          <a:stretch>
-            <a:fillRect/>
-          </a:stretch>
-        </p:blipFill>
-        <p:spPr bwMode="auto">
-          <a:xfrm>
-            <a:off x="9485308" y="105798"/>
-            <a:ext cx="2444928" cy="656107"/>
-          </a:xfrm>
-          <a:prstGeom prst="rect">
-            <a:avLst/>
-          </a:prstGeom>
-          <a:noFill/>
-          <a:extLst>
-            <a:ext uri="{909E8E84-426E-40DD-AFC4-6F175D3DCCD1}">
-              <a14:hiddenFill xmlns:a14="http://schemas.microsoft.com/office/drawing/2010/main">
-                <a:solidFill>
-                  <a:srgbClr val="FFFFFF"/>
-                </a:solidFill>
-              </a14:hiddenFill>
-            </a:ext>
-          </a:extLst>
-        </p:spPr>
-      </p:pic>
-    </p:spTree>
-    <p:extLst>
-      <p:ext uri="{BB962C8B-B14F-4D97-AF65-F5344CB8AC3E}">
-        <p14:creationId xmlns:p14="http://schemas.microsoft.com/office/powerpoint/2010/main" val="2157419175"/>
-      </p:ext>
-    </p:extLst>
-  </p:cSld>
-  <p:clrMapOvr>
-    <a:masterClrMapping/>
-  </p:clrMapOvr>
-</p:sld>
-</file>
-
-<file path=ppt/slides/slide33.xml><?xml version="1.0" encoding="utf-8"?>
-<p:sld xmlns:a="http://schemas.openxmlformats.org/drawingml/2006/main" xmlns:r="http://schemas.openxmlformats.org/officeDocument/2006/relationships" xmlns:p="http://schemas.openxmlformats.org/presentationml/2006/main">
-  <p:cSld>
-    <p:spTree>
-      <p:nvGrpSpPr>
-        <p:cNvPr id="1" name=""/>
-        <p:cNvGrpSpPr/>
-        <p:nvPr/>
-      </p:nvGrpSpPr>
-      <p:grpSpPr>
-        <a:xfrm>
-          <a:off x="0" y="0"/>
-          <a:ext cx="0" cy="0"/>
-          <a:chOff x="0" y="0"/>
-          <a:chExt cx="0" cy="0"/>
-        </a:xfrm>
-      </p:grpSpPr>
-      <p:sp>
-        <p:nvSpPr>
-          <p:cNvPr id="2" name="Title 3">
-            <a:extLst>
-              <a:ext uri="{FF2B5EF4-FFF2-40B4-BE49-F238E27FC236}">
-                <a16:creationId xmlns:a16="http://schemas.microsoft.com/office/drawing/2014/main" id="{F07FC580-E2AB-4C55-8C95-D5E077A1D127}"/>
-              </a:ext>
-            </a:extLst>
-          </p:cNvPr>
-          <p:cNvSpPr txBox="1">
-            <a:spLocks/>
-          </p:cNvSpPr>
-          <p:nvPr/>
-        </p:nvSpPr>
-        <p:spPr>
-          <a:xfrm>
-            <a:off x="261764" y="188640"/>
-            <a:ext cx="11292008" cy="711081"/>
-          </a:xfrm>
-          <a:prstGeom prst="rect">
-            <a:avLst/>
-          </a:prstGeom>
-        </p:spPr>
-        <p:txBody>
-          <a:bodyPr/>
-          <a:lstStyle>
-            <a:lvl1pPr algn="l" defTabSz="914400" rtl="0" eaLnBrk="1" latinLnBrk="0" hangingPunct="1">
-              <a:lnSpc>
-                <a:spcPct val="90000"/>
-              </a:lnSpc>
-              <a:spcBef>
-                <a:spcPct val="0"/>
-              </a:spcBef>
-              <a:buNone/>
-              <a:defRPr sz="4400" kern="1200">
-                <a:solidFill>
-                  <a:schemeClr val="tx1"/>
-                </a:solidFill>
-                <a:latin typeface="+mj-lt"/>
-                <a:ea typeface="+mj-ea"/>
-                <a:cs typeface="+mj-cs"/>
-              </a:defRPr>
-            </a:lvl1pPr>
-          </a:lstStyle>
-          <a:p>
-            <a:r>
-              <a:rPr lang="en-US" b="1" dirty="0"/>
-              <a:t>&lt;Title&gt;</a:t>
-            </a:r>
-          </a:p>
-        </p:txBody>
-      </p:sp>
-      <p:sp>
-        <p:nvSpPr>
-          <p:cNvPr id="4" name="Footer Placeholder 45">
-            <a:extLst>
-              <a:ext uri="{FF2B5EF4-FFF2-40B4-BE49-F238E27FC236}">
-                <a16:creationId xmlns:a16="http://schemas.microsoft.com/office/drawing/2014/main" id="{90E33047-DFF5-4690-8905-31E4C115EFDC}"/>
-              </a:ext>
-            </a:extLst>
-          </p:cNvPr>
-          <p:cNvSpPr>
-            <a:spLocks noGrp="1"/>
-          </p:cNvSpPr>
-          <p:nvPr>
-            <p:ph type="ftr" sz="quarter" idx="11"/>
-          </p:nvPr>
-        </p:nvSpPr>
-        <p:spPr>
-          <a:xfrm>
-            <a:off x="10123055" y="6548582"/>
-            <a:ext cx="2225295" cy="203620"/>
-          </a:xfrm>
-        </p:spPr>
-        <p:txBody>
-          <a:bodyPr/>
-          <a:lstStyle/>
-          <a:p>
-            <a:r>
-              <a:rPr lang="en-US" b="1" dirty="0">
-                <a:solidFill>
-                  <a:schemeClr val="tx1"/>
-                </a:solidFill>
-              </a:rPr>
-              <a:t>Trainer: Anubhav Oberoy</a:t>
-            </a:r>
-          </a:p>
-        </p:txBody>
-      </p:sp>
-      <p:sp>
-        <p:nvSpPr>
-          <p:cNvPr id="5" name="TextBox 4">
-            <a:extLst>
-              <a:ext uri="{FF2B5EF4-FFF2-40B4-BE49-F238E27FC236}">
-                <a16:creationId xmlns:a16="http://schemas.microsoft.com/office/drawing/2014/main" id="{27E5B41D-1DDF-48C9-A5AF-075F84492B68}"/>
-              </a:ext>
-            </a:extLst>
-          </p:cNvPr>
-          <p:cNvSpPr txBox="1"/>
-          <p:nvPr/>
-        </p:nvSpPr>
-        <p:spPr>
-          <a:xfrm>
-            <a:off x="401216" y="982353"/>
-            <a:ext cx="11542905" cy="461665"/>
-          </a:xfrm>
-          <a:prstGeom prst="rect">
-            <a:avLst/>
-          </a:prstGeom>
-          <a:noFill/>
-        </p:spPr>
-        <p:txBody>
-          <a:bodyPr wrap="square" rtlCol="0">
-            <a:spAutoFit/>
-          </a:bodyPr>
-          <a:lstStyle/>
-          <a:p>
-            <a:r>
-              <a:rPr lang="en-US" sz="2400"/>
-              <a:t>&lt;content&gt;</a:t>
-            </a:r>
-            <a:endParaRPr lang="en-US" sz="2400" dirty="0"/>
-          </a:p>
-        </p:txBody>
-      </p:sp>
-      <p:pic>
-        <p:nvPicPr>
-          <p:cNvPr id="2050" name="Picture 2" descr="NetCom Logo">
-            <a:hlinkClick r:id="rId2"/>
-            <a:extLst>
-              <a:ext uri="{FF2B5EF4-FFF2-40B4-BE49-F238E27FC236}">
-                <a16:creationId xmlns:a16="http://schemas.microsoft.com/office/drawing/2014/main" id="{2B8D59D5-A57D-4846-863C-31591ACCF193}"/>
-              </a:ext>
-            </a:extLst>
-          </p:cNvPr>
-          <p:cNvPicPr>
-            <a:picLocks noChangeAspect="1" noChangeArrowheads="1"/>
-          </p:cNvPicPr>
-          <p:nvPr/>
-        </p:nvPicPr>
-        <p:blipFill>
-          <a:blip r:embed="rId3" cstate="print">
-            <a:extLst>
-              <a:ext uri="{28A0092B-C50C-407E-A947-70E740481C1C}">
-                <a14:useLocalDpi xmlns:a14="http://schemas.microsoft.com/office/drawing/2010/main" val="0"/>
-              </a:ext>
-            </a:extLst>
-          </a:blip>
-          <a:srcRect/>
-          <a:stretch>
-            <a:fillRect/>
-          </a:stretch>
-        </p:blipFill>
-        <p:spPr bwMode="auto">
-          <a:xfrm>
-            <a:off x="9485308" y="105798"/>
-            <a:ext cx="2444928" cy="656107"/>
-          </a:xfrm>
-          <a:prstGeom prst="rect">
-            <a:avLst/>
-          </a:prstGeom>
-          <a:noFill/>
-          <a:extLst>
-            <a:ext uri="{909E8E84-426E-40DD-AFC4-6F175D3DCCD1}">
-              <a14:hiddenFill xmlns:a14="http://schemas.microsoft.com/office/drawing/2010/main">
-                <a:solidFill>
-                  <a:srgbClr val="FFFFFF"/>
-                </a:solidFill>
-              </a14:hiddenFill>
-            </a:ext>
-          </a:extLst>
-        </p:spPr>
-      </p:pic>
-    </p:spTree>
-    <p:extLst>
-      <p:ext uri="{BB962C8B-B14F-4D97-AF65-F5344CB8AC3E}">
-        <p14:creationId xmlns:p14="http://schemas.microsoft.com/office/powerpoint/2010/main" val="1057106996"/>
-      </p:ext>
-    </p:extLst>
-  </p:cSld>
-  <p:clrMapOvr>
-    <a:masterClrMapping/>
-  </p:clrMapOvr>
-</p:sld>
-</file>
-
-<file path=ppt/slides/slide34.xml><?xml version="1.0" encoding="utf-8"?>
-<p:sld xmlns:a="http://schemas.openxmlformats.org/drawingml/2006/main" xmlns:r="http://schemas.openxmlformats.org/officeDocument/2006/relationships" xmlns:p="http://schemas.openxmlformats.org/presentationml/2006/main">
-  <p:cSld>
-    <p:spTree>
-      <p:nvGrpSpPr>
-        <p:cNvPr id="1" name=""/>
-        <p:cNvGrpSpPr/>
-        <p:nvPr/>
-      </p:nvGrpSpPr>
-      <p:grpSpPr>
-        <a:xfrm>
-          <a:off x="0" y="0"/>
-          <a:ext cx="0" cy="0"/>
-          <a:chOff x="0" y="0"/>
-          <a:chExt cx="0" cy="0"/>
-        </a:xfrm>
-      </p:grpSpPr>
-      <p:sp>
-        <p:nvSpPr>
-          <p:cNvPr id="2" name="Title 3">
-            <a:extLst>
-              <a:ext uri="{FF2B5EF4-FFF2-40B4-BE49-F238E27FC236}">
-                <a16:creationId xmlns:a16="http://schemas.microsoft.com/office/drawing/2014/main" id="{F07FC580-E2AB-4C55-8C95-D5E077A1D127}"/>
-              </a:ext>
-            </a:extLst>
-          </p:cNvPr>
-          <p:cNvSpPr txBox="1">
-            <a:spLocks/>
-          </p:cNvSpPr>
-          <p:nvPr/>
-        </p:nvSpPr>
-        <p:spPr>
-          <a:xfrm>
-            <a:off x="261764" y="188640"/>
-            <a:ext cx="11292008" cy="711081"/>
-          </a:xfrm>
-          <a:prstGeom prst="rect">
-            <a:avLst/>
-          </a:prstGeom>
-        </p:spPr>
-        <p:txBody>
-          <a:bodyPr/>
-          <a:lstStyle>
-            <a:lvl1pPr algn="l" defTabSz="914400" rtl="0" eaLnBrk="1" latinLnBrk="0" hangingPunct="1">
-              <a:lnSpc>
-                <a:spcPct val="90000"/>
-              </a:lnSpc>
-              <a:spcBef>
-                <a:spcPct val="0"/>
-              </a:spcBef>
-              <a:buNone/>
-              <a:defRPr sz="4400" kern="1200">
-                <a:solidFill>
-                  <a:schemeClr val="tx1"/>
-                </a:solidFill>
-                <a:latin typeface="+mj-lt"/>
-                <a:ea typeface="+mj-ea"/>
-                <a:cs typeface="+mj-cs"/>
-              </a:defRPr>
-            </a:lvl1pPr>
-          </a:lstStyle>
-          <a:p>
-            <a:r>
-              <a:rPr lang="en-US" b="1" dirty="0"/>
-              <a:t>&lt;Title&gt;</a:t>
-            </a:r>
-          </a:p>
-        </p:txBody>
-      </p:sp>
-      <p:sp>
-        <p:nvSpPr>
-          <p:cNvPr id="4" name="Footer Placeholder 45">
-            <a:extLst>
-              <a:ext uri="{FF2B5EF4-FFF2-40B4-BE49-F238E27FC236}">
-                <a16:creationId xmlns:a16="http://schemas.microsoft.com/office/drawing/2014/main" id="{90E33047-DFF5-4690-8905-31E4C115EFDC}"/>
-              </a:ext>
-            </a:extLst>
-          </p:cNvPr>
-          <p:cNvSpPr>
-            <a:spLocks noGrp="1"/>
-          </p:cNvSpPr>
-          <p:nvPr>
-            <p:ph type="ftr" sz="quarter" idx="11"/>
-          </p:nvPr>
-        </p:nvSpPr>
-        <p:spPr>
-          <a:xfrm>
-            <a:off x="10123055" y="6548582"/>
-            <a:ext cx="2225295" cy="203620"/>
-          </a:xfrm>
-        </p:spPr>
-        <p:txBody>
-          <a:bodyPr/>
-          <a:lstStyle/>
-          <a:p>
-            <a:r>
-              <a:rPr lang="en-US" b="1" dirty="0">
-                <a:solidFill>
-                  <a:schemeClr val="tx1"/>
-                </a:solidFill>
-              </a:rPr>
-              <a:t>Trainer: Anubhav Oberoy</a:t>
-            </a:r>
-          </a:p>
-        </p:txBody>
-      </p:sp>
-      <p:sp>
-        <p:nvSpPr>
-          <p:cNvPr id="5" name="TextBox 4">
-            <a:extLst>
-              <a:ext uri="{FF2B5EF4-FFF2-40B4-BE49-F238E27FC236}">
-                <a16:creationId xmlns:a16="http://schemas.microsoft.com/office/drawing/2014/main" id="{27E5B41D-1DDF-48C9-A5AF-075F84492B68}"/>
-              </a:ext>
-            </a:extLst>
-          </p:cNvPr>
-          <p:cNvSpPr txBox="1"/>
-          <p:nvPr/>
-        </p:nvSpPr>
-        <p:spPr>
-          <a:xfrm>
-            <a:off x="401216" y="982353"/>
-            <a:ext cx="11542905" cy="461665"/>
-          </a:xfrm>
-          <a:prstGeom prst="rect">
-            <a:avLst/>
-          </a:prstGeom>
-          <a:noFill/>
-        </p:spPr>
-        <p:txBody>
-          <a:bodyPr wrap="square" rtlCol="0">
-            <a:spAutoFit/>
-          </a:bodyPr>
-          <a:lstStyle/>
-          <a:p>
-            <a:r>
-              <a:rPr lang="en-US" sz="2400"/>
-              <a:t>&lt;content&gt;</a:t>
-            </a:r>
-            <a:endParaRPr lang="en-US" sz="2400" dirty="0"/>
-          </a:p>
-        </p:txBody>
-      </p:sp>
-      <p:pic>
-        <p:nvPicPr>
-          <p:cNvPr id="2050" name="Picture 2" descr="NetCom Logo">
-            <a:hlinkClick r:id="rId2"/>
-            <a:extLst>
-              <a:ext uri="{FF2B5EF4-FFF2-40B4-BE49-F238E27FC236}">
-                <a16:creationId xmlns:a16="http://schemas.microsoft.com/office/drawing/2014/main" id="{2B8D59D5-A57D-4846-863C-31591ACCF193}"/>
-              </a:ext>
-            </a:extLst>
-          </p:cNvPr>
-          <p:cNvPicPr>
-            <a:picLocks noChangeAspect="1" noChangeArrowheads="1"/>
-          </p:cNvPicPr>
-          <p:nvPr/>
-        </p:nvPicPr>
-        <p:blipFill>
-          <a:blip r:embed="rId3" cstate="print">
-            <a:extLst>
-              <a:ext uri="{28A0092B-C50C-407E-A947-70E740481C1C}">
-                <a14:useLocalDpi xmlns:a14="http://schemas.microsoft.com/office/drawing/2010/main" val="0"/>
-              </a:ext>
-            </a:extLst>
-          </a:blip>
-          <a:srcRect/>
-          <a:stretch>
-            <a:fillRect/>
-          </a:stretch>
-        </p:blipFill>
-        <p:spPr bwMode="auto">
-          <a:xfrm>
-            <a:off x="9485308" y="105798"/>
-            <a:ext cx="2444928" cy="656107"/>
-          </a:xfrm>
-          <a:prstGeom prst="rect">
-            <a:avLst/>
-          </a:prstGeom>
-          <a:noFill/>
-          <a:extLst>
-            <a:ext uri="{909E8E84-426E-40DD-AFC4-6F175D3DCCD1}">
-              <a14:hiddenFill xmlns:a14="http://schemas.microsoft.com/office/drawing/2010/main">
-                <a:solidFill>
-                  <a:srgbClr val="FFFFFF"/>
-                </a:solidFill>
-              </a14:hiddenFill>
-            </a:ext>
-          </a:extLst>
-        </p:spPr>
-      </p:pic>
-    </p:spTree>
-    <p:extLst>
-      <p:ext uri="{BB962C8B-B14F-4D97-AF65-F5344CB8AC3E}">
-        <p14:creationId xmlns:p14="http://schemas.microsoft.com/office/powerpoint/2010/main" val="1876446923"/>
-      </p:ext>
-    </p:extLst>
-  </p:cSld>
-  <p:clrMapOvr>
-    <a:masterClrMapping/>
-  </p:clrMapOvr>
-</p:sld>
-</file>
-
-<file path=ppt/slides/slide35.xml><?xml version="1.0" encoding="utf-8"?>
-<p:sld xmlns:a="http://schemas.openxmlformats.org/drawingml/2006/main" xmlns:r="http://schemas.openxmlformats.org/officeDocument/2006/relationships" xmlns:p="http://schemas.openxmlformats.org/presentationml/2006/main">
-  <p:cSld>
-    <p:spTree>
-      <p:nvGrpSpPr>
-        <p:cNvPr id="1" name=""/>
-        <p:cNvGrpSpPr/>
-        <p:nvPr/>
-      </p:nvGrpSpPr>
-      <p:grpSpPr>
-        <a:xfrm>
-          <a:off x="0" y="0"/>
-          <a:ext cx="0" cy="0"/>
-          <a:chOff x="0" y="0"/>
-          <a:chExt cx="0" cy="0"/>
-        </a:xfrm>
-      </p:grpSpPr>
-      <p:sp>
-        <p:nvSpPr>
-          <p:cNvPr id="2" name="Title 3">
-            <a:extLst>
-              <a:ext uri="{FF2B5EF4-FFF2-40B4-BE49-F238E27FC236}">
-                <a16:creationId xmlns:a16="http://schemas.microsoft.com/office/drawing/2014/main" id="{F07FC580-E2AB-4C55-8C95-D5E077A1D127}"/>
-              </a:ext>
-            </a:extLst>
-          </p:cNvPr>
-          <p:cNvSpPr txBox="1">
-            <a:spLocks/>
-          </p:cNvSpPr>
-          <p:nvPr/>
-        </p:nvSpPr>
-        <p:spPr>
-          <a:xfrm>
-            <a:off x="261764" y="188640"/>
-            <a:ext cx="11292008" cy="711081"/>
-          </a:xfrm>
-          <a:prstGeom prst="rect">
-            <a:avLst/>
-          </a:prstGeom>
-        </p:spPr>
-        <p:txBody>
-          <a:bodyPr/>
-          <a:lstStyle>
-            <a:lvl1pPr algn="l" defTabSz="914400" rtl="0" eaLnBrk="1" latinLnBrk="0" hangingPunct="1">
-              <a:lnSpc>
-                <a:spcPct val="90000"/>
-              </a:lnSpc>
-              <a:spcBef>
-                <a:spcPct val="0"/>
-              </a:spcBef>
-              <a:buNone/>
-              <a:defRPr sz="4400" kern="1200">
-                <a:solidFill>
-                  <a:schemeClr val="tx1"/>
-                </a:solidFill>
-                <a:latin typeface="+mj-lt"/>
-                <a:ea typeface="+mj-ea"/>
-                <a:cs typeface="+mj-cs"/>
-              </a:defRPr>
-            </a:lvl1pPr>
-          </a:lstStyle>
-          <a:p>
-            <a:r>
-              <a:rPr lang="en-US" b="1" dirty="0"/>
-              <a:t>&lt;Title&gt;</a:t>
-            </a:r>
-          </a:p>
-        </p:txBody>
-      </p:sp>
-      <p:sp>
-        <p:nvSpPr>
-          <p:cNvPr id="4" name="Footer Placeholder 45">
-            <a:extLst>
-              <a:ext uri="{FF2B5EF4-FFF2-40B4-BE49-F238E27FC236}">
-                <a16:creationId xmlns:a16="http://schemas.microsoft.com/office/drawing/2014/main" id="{90E33047-DFF5-4690-8905-31E4C115EFDC}"/>
-              </a:ext>
-            </a:extLst>
-          </p:cNvPr>
-          <p:cNvSpPr>
-            <a:spLocks noGrp="1"/>
-          </p:cNvSpPr>
-          <p:nvPr>
-            <p:ph type="ftr" sz="quarter" idx="11"/>
-          </p:nvPr>
-        </p:nvSpPr>
-        <p:spPr>
-          <a:xfrm>
-            <a:off x="10123055" y="6548582"/>
-            <a:ext cx="2225295" cy="203620"/>
-          </a:xfrm>
-        </p:spPr>
-        <p:txBody>
-          <a:bodyPr/>
-          <a:lstStyle/>
-          <a:p>
-            <a:r>
-              <a:rPr lang="en-US" b="1" dirty="0">
-                <a:solidFill>
-                  <a:schemeClr val="tx1"/>
-                </a:solidFill>
-              </a:rPr>
-              <a:t>Trainer: Anubhav Oberoy</a:t>
-            </a:r>
-          </a:p>
-        </p:txBody>
-      </p:sp>
-      <p:sp>
-        <p:nvSpPr>
-          <p:cNvPr id="5" name="TextBox 4">
-            <a:extLst>
-              <a:ext uri="{FF2B5EF4-FFF2-40B4-BE49-F238E27FC236}">
-                <a16:creationId xmlns:a16="http://schemas.microsoft.com/office/drawing/2014/main" id="{27E5B41D-1DDF-48C9-A5AF-075F84492B68}"/>
-              </a:ext>
-            </a:extLst>
-          </p:cNvPr>
-          <p:cNvSpPr txBox="1"/>
-          <p:nvPr/>
-        </p:nvSpPr>
-        <p:spPr>
-          <a:xfrm>
-            <a:off x="401216" y="982353"/>
-            <a:ext cx="11542905" cy="461665"/>
-          </a:xfrm>
-          <a:prstGeom prst="rect">
-            <a:avLst/>
-          </a:prstGeom>
-          <a:noFill/>
-        </p:spPr>
-        <p:txBody>
-          <a:bodyPr wrap="square" rtlCol="0">
-            <a:spAutoFit/>
-          </a:bodyPr>
-          <a:lstStyle/>
-          <a:p>
-            <a:r>
-              <a:rPr lang="en-US" sz="2400"/>
-              <a:t>&lt;content&gt;</a:t>
-            </a:r>
-            <a:endParaRPr lang="en-US" sz="2400" dirty="0"/>
-          </a:p>
-        </p:txBody>
-      </p:sp>
-      <p:pic>
-        <p:nvPicPr>
-          <p:cNvPr id="2050" name="Picture 2" descr="NetCom Logo">
-            <a:hlinkClick r:id="rId2"/>
-            <a:extLst>
-              <a:ext uri="{FF2B5EF4-FFF2-40B4-BE49-F238E27FC236}">
-                <a16:creationId xmlns:a16="http://schemas.microsoft.com/office/drawing/2014/main" id="{2B8D59D5-A57D-4846-863C-31591ACCF193}"/>
-              </a:ext>
-            </a:extLst>
-          </p:cNvPr>
-          <p:cNvPicPr>
-            <a:picLocks noChangeAspect="1" noChangeArrowheads="1"/>
-          </p:cNvPicPr>
-          <p:nvPr/>
-        </p:nvPicPr>
-        <p:blipFill>
-          <a:blip r:embed="rId3" cstate="print">
-            <a:extLst>
-              <a:ext uri="{28A0092B-C50C-407E-A947-70E740481C1C}">
-                <a14:useLocalDpi xmlns:a14="http://schemas.microsoft.com/office/drawing/2010/main" val="0"/>
-              </a:ext>
-            </a:extLst>
-          </a:blip>
-          <a:srcRect/>
-          <a:stretch>
-            <a:fillRect/>
-          </a:stretch>
-        </p:blipFill>
-        <p:spPr bwMode="auto">
-          <a:xfrm>
-            <a:off x="9485308" y="105798"/>
-            <a:ext cx="2444928" cy="656107"/>
-          </a:xfrm>
-          <a:prstGeom prst="rect">
-            <a:avLst/>
-          </a:prstGeom>
-          <a:noFill/>
-          <a:extLst>
-            <a:ext uri="{909E8E84-426E-40DD-AFC4-6F175D3DCCD1}">
-              <a14:hiddenFill xmlns:a14="http://schemas.microsoft.com/office/drawing/2010/main">
-                <a:solidFill>
-                  <a:srgbClr val="FFFFFF"/>
-                </a:solidFill>
-              </a14:hiddenFill>
-            </a:ext>
-          </a:extLst>
-        </p:spPr>
-      </p:pic>
-    </p:spTree>
-    <p:extLst>
-      <p:ext uri="{BB962C8B-B14F-4D97-AF65-F5344CB8AC3E}">
-        <p14:creationId xmlns:p14="http://schemas.microsoft.com/office/powerpoint/2010/main" val="286971513"/>
-      </p:ext>
-    </p:extLst>
-  </p:cSld>
-  <p:clrMapOvr>
-    <a:masterClrMapping/>
-  </p:clrMapOvr>
-</p:sld>
-</file>
-
-<file path=ppt/slides/slide36.xml><?xml version="1.0" encoding="utf-8"?>
-<p:sld xmlns:a="http://schemas.openxmlformats.org/drawingml/2006/main" xmlns:r="http://schemas.openxmlformats.org/officeDocument/2006/relationships" xmlns:p="http://schemas.openxmlformats.org/presentationml/2006/main">
-  <p:cSld>
-    <p:spTree>
-      <p:nvGrpSpPr>
-        <p:cNvPr id="1" name=""/>
-        <p:cNvGrpSpPr/>
-        <p:nvPr/>
-      </p:nvGrpSpPr>
-      <p:grpSpPr>
-        <a:xfrm>
-          <a:off x="0" y="0"/>
-          <a:ext cx="0" cy="0"/>
-          <a:chOff x="0" y="0"/>
-          <a:chExt cx="0" cy="0"/>
-        </a:xfrm>
-      </p:grpSpPr>
-      <p:sp>
-        <p:nvSpPr>
-          <p:cNvPr id="2" name="Title 3">
-            <a:extLst>
-              <a:ext uri="{FF2B5EF4-FFF2-40B4-BE49-F238E27FC236}">
-                <a16:creationId xmlns:a16="http://schemas.microsoft.com/office/drawing/2014/main" id="{F07FC580-E2AB-4C55-8C95-D5E077A1D127}"/>
-              </a:ext>
-            </a:extLst>
-          </p:cNvPr>
-          <p:cNvSpPr txBox="1">
-            <a:spLocks/>
-          </p:cNvSpPr>
-          <p:nvPr/>
-        </p:nvSpPr>
-        <p:spPr>
-          <a:xfrm>
-            <a:off x="261764" y="188640"/>
-            <a:ext cx="11292008" cy="711081"/>
-          </a:xfrm>
-          <a:prstGeom prst="rect">
-            <a:avLst/>
-          </a:prstGeom>
-        </p:spPr>
-        <p:txBody>
-          <a:bodyPr/>
-          <a:lstStyle>
-            <a:lvl1pPr algn="l" defTabSz="914400" rtl="0" eaLnBrk="1" latinLnBrk="0" hangingPunct="1">
-              <a:lnSpc>
-                <a:spcPct val="90000"/>
-              </a:lnSpc>
-              <a:spcBef>
-                <a:spcPct val="0"/>
-              </a:spcBef>
-              <a:buNone/>
-              <a:defRPr sz="4400" kern="1200">
-                <a:solidFill>
-                  <a:schemeClr val="tx1"/>
-                </a:solidFill>
-                <a:latin typeface="+mj-lt"/>
-                <a:ea typeface="+mj-ea"/>
-                <a:cs typeface="+mj-cs"/>
-              </a:defRPr>
-            </a:lvl1pPr>
-          </a:lstStyle>
-          <a:p>
-            <a:r>
-              <a:rPr lang="en-US" b="1" dirty="0"/>
-              <a:t>&lt;Title&gt;</a:t>
-            </a:r>
-          </a:p>
-        </p:txBody>
-      </p:sp>
-      <p:sp>
-        <p:nvSpPr>
-          <p:cNvPr id="4" name="Footer Placeholder 45">
-            <a:extLst>
-              <a:ext uri="{FF2B5EF4-FFF2-40B4-BE49-F238E27FC236}">
-                <a16:creationId xmlns:a16="http://schemas.microsoft.com/office/drawing/2014/main" id="{90E33047-DFF5-4690-8905-31E4C115EFDC}"/>
-              </a:ext>
-            </a:extLst>
-          </p:cNvPr>
-          <p:cNvSpPr>
-            <a:spLocks noGrp="1"/>
-          </p:cNvSpPr>
-          <p:nvPr>
-            <p:ph type="ftr" sz="quarter" idx="11"/>
-          </p:nvPr>
-        </p:nvSpPr>
-        <p:spPr>
-          <a:xfrm>
-            <a:off x="10123055" y="6548582"/>
-            <a:ext cx="2225295" cy="203620"/>
-          </a:xfrm>
-        </p:spPr>
-        <p:txBody>
-          <a:bodyPr/>
-          <a:lstStyle/>
-          <a:p>
-            <a:r>
-              <a:rPr lang="en-US" b="1" dirty="0">
-                <a:solidFill>
-                  <a:schemeClr val="tx1"/>
-                </a:solidFill>
-              </a:rPr>
-              <a:t>Trainer: Anubhav Oberoy</a:t>
-            </a:r>
-          </a:p>
-        </p:txBody>
-      </p:sp>
-      <p:sp>
-        <p:nvSpPr>
-          <p:cNvPr id="5" name="TextBox 4">
-            <a:extLst>
-              <a:ext uri="{FF2B5EF4-FFF2-40B4-BE49-F238E27FC236}">
-                <a16:creationId xmlns:a16="http://schemas.microsoft.com/office/drawing/2014/main" id="{27E5B41D-1DDF-48C9-A5AF-075F84492B68}"/>
-              </a:ext>
-            </a:extLst>
-          </p:cNvPr>
-          <p:cNvSpPr txBox="1"/>
-          <p:nvPr/>
-        </p:nvSpPr>
-        <p:spPr>
-          <a:xfrm>
-            <a:off x="401216" y="982353"/>
-            <a:ext cx="11542905" cy="461665"/>
-          </a:xfrm>
-          <a:prstGeom prst="rect">
-            <a:avLst/>
-          </a:prstGeom>
-          <a:noFill/>
-        </p:spPr>
-        <p:txBody>
-          <a:bodyPr wrap="square" rtlCol="0">
-            <a:spAutoFit/>
-          </a:bodyPr>
-          <a:lstStyle/>
-          <a:p>
-            <a:r>
-              <a:rPr lang="en-US" sz="2400"/>
-              <a:t>&lt;content&gt;</a:t>
-            </a:r>
-            <a:endParaRPr lang="en-US" sz="2400" dirty="0"/>
-          </a:p>
-        </p:txBody>
-      </p:sp>
-      <p:pic>
-        <p:nvPicPr>
-          <p:cNvPr id="2050" name="Picture 2" descr="NetCom Logo">
-            <a:hlinkClick r:id="rId2"/>
-            <a:extLst>
-              <a:ext uri="{FF2B5EF4-FFF2-40B4-BE49-F238E27FC236}">
-                <a16:creationId xmlns:a16="http://schemas.microsoft.com/office/drawing/2014/main" id="{2B8D59D5-A57D-4846-863C-31591ACCF193}"/>
-              </a:ext>
-            </a:extLst>
-          </p:cNvPr>
-          <p:cNvPicPr>
-            <a:picLocks noChangeAspect="1" noChangeArrowheads="1"/>
-          </p:cNvPicPr>
-          <p:nvPr/>
-        </p:nvPicPr>
-        <p:blipFill>
-          <a:blip r:embed="rId3" cstate="print">
-            <a:extLst>
-              <a:ext uri="{28A0092B-C50C-407E-A947-70E740481C1C}">
-                <a14:useLocalDpi xmlns:a14="http://schemas.microsoft.com/office/drawing/2010/main" val="0"/>
-              </a:ext>
-            </a:extLst>
-          </a:blip>
-          <a:srcRect/>
-          <a:stretch>
-            <a:fillRect/>
-          </a:stretch>
-        </p:blipFill>
-        <p:spPr bwMode="auto">
-          <a:xfrm>
-            <a:off x="9485308" y="105798"/>
-            <a:ext cx="2444928" cy="656107"/>
-          </a:xfrm>
-          <a:prstGeom prst="rect">
-            <a:avLst/>
-          </a:prstGeom>
-          <a:noFill/>
-          <a:extLst>
-            <a:ext uri="{909E8E84-426E-40DD-AFC4-6F175D3DCCD1}">
-              <a14:hiddenFill xmlns:a14="http://schemas.microsoft.com/office/drawing/2010/main">
-                <a:solidFill>
-                  <a:srgbClr val="FFFFFF"/>
-                </a:solidFill>
-              </a14:hiddenFill>
-            </a:ext>
-          </a:extLst>
-        </p:spPr>
-      </p:pic>
-    </p:spTree>
-    <p:extLst>
-      <p:ext uri="{BB962C8B-B14F-4D97-AF65-F5344CB8AC3E}">
-        <p14:creationId xmlns:p14="http://schemas.microsoft.com/office/powerpoint/2010/main" val="1740213429"/>
-      </p:ext>
-    </p:extLst>
-  </p:cSld>
-  <p:clrMapOvr>
-    <a:masterClrMapping/>
-  </p:clrMapOvr>
-</p:sld>
-</file>
-
-<file path=ppt/slides/slide37.xml><?xml version="1.0" encoding="utf-8"?>
-<p:sld xmlns:a="http://schemas.openxmlformats.org/drawingml/2006/main" xmlns:r="http://schemas.openxmlformats.org/officeDocument/2006/relationships" xmlns:p="http://schemas.openxmlformats.org/presentationml/2006/main">
-  <p:cSld>
-    <p:spTree>
-      <p:nvGrpSpPr>
-        <p:cNvPr id="1" name=""/>
-        <p:cNvGrpSpPr/>
-        <p:nvPr/>
-      </p:nvGrpSpPr>
-      <p:grpSpPr>
-        <a:xfrm>
-          <a:off x="0" y="0"/>
-          <a:ext cx="0" cy="0"/>
-          <a:chOff x="0" y="0"/>
-          <a:chExt cx="0" cy="0"/>
-        </a:xfrm>
-      </p:grpSpPr>
-      <p:sp>
-        <p:nvSpPr>
-          <p:cNvPr id="2" name="Title 3">
-            <a:extLst>
-              <a:ext uri="{FF2B5EF4-FFF2-40B4-BE49-F238E27FC236}">
-                <a16:creationId xmlns:a16="http://schemas.microsoft.com/office/drawing/2014/main" id="{F07FC580-E2AB-4C55-8C95-D5E077A1D127}"/>
-              </a:ext>
-            </a:extLst>
-          </p:cNvPr>
-          <p:cNvSpPr txBox="1">
-            <a:spLocks/>
-          </p:cNvSpPr>
-          <p:nvPr/>
-        </p:nvSpPr>
-        <p:spPr>
-          <a:xfrm>
-            <a:off x="261764" y="188640"/>
-            <a:ext cx="11292008" cy="711081"/>
-          </a:xfrm>
-          <a:prstGeom prst="rect">
-            <a:avLst/>
-          </a:prstGeom>
-        </p:spPr>
-        <p:txBody>
-          <a:bodyPr/>
-          <a:lstStyle>
-            <a:lvl1pPr algn="l" defTabSz="914400" rtl="0" eaLnBrk="1" latinLnBrk="0" hangingPunct="1">
-              <a:lnSpc>
-                <a:spcPct val="90000"/>
-              </a:lnSpc>
-              <a:spcBef>
-                <a:spcPct val="0"/>
-              </a:spcBef>
-              <a:buNone/>
-              <a:defRPr sz="4400" kern="1200">
-                <a:solidFill>
-                  <a:schemeClr val="tx1"/>
-                </a:solidFill>
-                <a:latin typeface="+mj-lt"/>
-                <a:ea typeface="+mj-ea"/>
-                <a:cs typeface="+mj-cs"/>
-              </a:defRPr>
-            </a:lvl1pPr>
-          </a:lstStyle>
-          <a:p>
-            <a:r>
-              <a:rPr lang="en-US" b="1" dirty="0"/>
-              <a:t>&lt;Title&gt;</a:t>
-            </a:r>
-          </a:p>
-        </p:txBody>
-      </p:sp>
-      <p:sp>
-        <p:nvSpPr>
-          <p:cNvPr id="4" name="Footer Placeholder 45">
-            <a:extLst>
-              <a:ext uri="{FF2B5EF4-FFF2-40B4-BE49-F238E27FC236}">
-                <a16:creationId xmlns:a16="http://schemas.microsoft.com/office/drawing/2014/main" id="{90E33047-DFF5-4690-8905-31E4C115EFDC}"/>
-              </a:ext>
-            </a:extLst>
-          </p:cNvPr>
-          <p:cNvSpPr>
-            <a:spLocks noGrp="1"/>
-          </p:cNvSpPr>
-          <p:nvPr>
-            <p:ph type="ftr" sz="quarter" idx="11"/>
-          </p:nvPr>
-        </p:nvSpPr>
-        <p:spPr>
-          <a:xfrm>
-            <a:off x="10123055" y="6548582"/>
-            <a:ext cx="2225295" cy="203620"/>
-          </a:xfrm>
-        </p:spPr>
-        <p:txBody>
-          <a:bodyPr/>
-          <a:lstStyle/>
-          <a:p>
-            <a:r>
-              <a:rPr lang="en-US" b="1" dirty="0">
-                <a:solidFill>
-                  <a:schemeClr val="tx1"/>
-                </a:solidFill>
-              </a:rPr>
-              <a:t>Trainer: Anubhav Oberoy</a:t>
-            </a:r>
-          </a:p>
-        </p:txBody>
-      </p:sp>
-      <p:sp>
-        <p:nvSpPr>
-          <p:cNvPr id="5" name="TextBox 4">
-            <a:extLst>
-              <a:ext uri="{FF2B5EF4-FFF2-40B4-BE49-F238E27FC236}">
-                <a16:creationId xmlns:a16="http://schemas.microsoft.com/office/drawing/2014/main" id="{27E5B41D-1DDF-48C9-A5AF-075F84492B68}"/>
-              </a:ext>
-            </a:extLst>
-          </p:cNvPr>
-          <p:cNvSpPr txBox="1"/>
-          <p:nvPr/>
-        </p:nvSpPr>
-        <p:spPr>
-          <a:xfrm>
-            <a:off x="401216" y="982353"/>
-            <a:ext cx="11542905" cy="461665"/>
-          </a:xfrm>
-          <a:prstGeom prst="rect">
-            <a:avLst/>
-          </a:prstGeom>
-          <a:noFill/>
-        </p:spPr>
-        <p:txBody>
-          <a:bodyPr wrap="square" rtlCol="0">
-            <a:spAutoFit/>
-          </a:bodyPr>
-          <a:lstStyle/>
-          <a:p>
-            <a:r>
-              <a:rPr lang="en-US" sz="2400"/>
-              <a:t>&lt;content&gt;</a:t>
-            </a:r>
-            <a:endParaRPr lang="en-US" sz="2400" dirty="0"/>
-          </a:p>
-        </p:txBody>
-      </p:sp>
-      <p:pic>
-        <p:nvPicPr>
-          <p:cNvPr id="2050" name="Picture 2" descr="NetCom Logo">
-            <a:hlinkClick r:id="rId2"/>
-            <a:extLst>
-              <a:ext uri="{FF2B5EF4-FFF2-40B4-BE49-F238E27FC236}">
-                <a16:creationId xmlns:a16="http://schemas.microsoft.com/office/drawing/2014/main" id="{2B8D59D5-A57D-4846-863C-31591ACCF193}"/>
-              </a:ext>
-            </a:extLst>
-          </p:cNvPr>
-          <p:cNvPicPr>
-            <a:picLocks noChangeAspect="1" noChangeArrowheads="1"/>
-          </p:cNvPicPr>
-          <p:nvPr/>
-        </p:nvPicPr>
-        <p:blipFill>
-          <a:blip r:embed="rId3" cstate="print">
-            <a:extLst>
-              <a:ext uri="{28A0092B-C50C-407E-A947-70E740481C1C}">
-                <a14:useLocalDpi xmlns:a14="http://schemas.microsoft.com/office/drawing/2010/main" val="0"/>
-              </a:ext>
-            </a:extLst>
-          </a:blip>
-          <a:srcRect/>
-          <a:stretch>
-            <a:fillRect/>
-          </a:stretch>
-        </p:blipFill>
-        <p:spPr bwMode="auto">
-          <a:xfrm>
-            <a:off x="9485308" y="105798"/>
-            <a:ext cx="2444928" cy="656107"/>
-          </a:xfrm>
-          <a:prstGeom prst="rect">
-            <a:avLst/>
-          </a:prstGeom>
-          <a:noFill/>
-          <a:extLst>
-            <a:ext uri="{909E8E84-426E-40DD-AFC4-6F175D3DCCD1}">
-              <a14:hiddenFill xmlns:a14="http://schemas.microsoft.com/office/drawing/2010/main">
-                <a:solidFill>
-                  <a:srgbClr val="FFFFFF"/>
-                </a:solidFill>
-              </a14:hiddenFill>
-            </a:ext>
-          </a:extLst>
-        </p:spPr>
-      </p:pic>
-    </p:spTree>
-    <p:extLst>
-      <p:ext uri="{BB962C8B-B14F-4D97-AF65-F5344CB8AC3E}">
-        <p14:creationId xmlns:p14="http://schemas.microsoft.com/office/powerpoint/2010/main" val="455594886"/>
-      </p:ext>
-    </p:extLst>
-  </p:cSld>
-  <p:clrMapOvr>
-    <a:masterClrMapping/>
-  </p:clrMapOvr>
-</p:sld>
-</file>
-
-<file path=ppt/slides/slide38.xml><?xml version="1.0" encoding="utf-8"?>
-<p:sld xmlns:a="http://schemas.openxmlformats.org/drawingml/2006/main" xmlns:r="http://schemas.openxmlformats.org/officeDocument/2006/relationships" xmlns:p="http://schemas.openxmlformats.org/presentationml/2006/main">
-  <p:cSld>
-    <p:spTree>
-      <p:nvGrpSpPr>
-        <p:cNvPr id="1" name=""/>
-        <p:cNvGrpSpPr/>
-        <p:nvPr/>
-      </p:nvGrpSpPr>
-      <p:grpSpPr>
-        <a:xfrm>
-          <a:off x="0" y="0"/>
-          <a:ext cx="0" cy="0"/>
-          <a:chOff x="0" y="0"/>
-          <a:chExt cx="0" cy="0"/>
-        </a:xfrm>
-      </p:grpSpPr>
-      <p:sp>
-        <p:nvSpPr>
-          <p:cNvPr id="2" name="Title 3">
-            <a:extLst>
-              <a:ext uri="{FF2B5EF4-FFF2-40B4-BE49-F238E27FC236}">
-                <a16:creationId xmlns:a16="http://schemas.microsoft.com/office/drawing/2014/main" id="{F07FC580-E2AB-4C55-8C95-D5E077A1D127}"/>
-              </a:ext>
-            </a:extLst>
-          </p:cNvPr>
-          <p:cNvSpPr txBox="1">
-            <a:spLocks/>
-          </p:cNvSpPr>
-          <p:nvPr/>
-        </p:nvSpPr>
-        <p:spPr>
-          <a:xfrm>
-            <a:off x="261764" y="188640"/>
-            <a:ext cx="11292008" cy="711081"/>
-          </a:xfrm>
-          <a:prstGeom prst="rect">
-            <a:avLst/>
-          </a:prstGeom>
-        </p:spPr>
-        <p:txBody>
-          <a:bodyPr/>
-          <a:lstStyle>
-            <a:lvl1pPr algn="l" defTabSz="914400" rtl="0" eaLnBrk="1" latinLnBrk="0" hangingPunct="1">
-              <a:lnSpc>
-                <a:spcPct val="90000"/>
-              </a:lnSpc>
-              <a:spcBef>
-                <a:spcPct val="0"/>
-              </a:spcBef>
-              <a:buNone/>
-              <a:defRPr sz="4400" kern="1200">
-                <a:solidFill>
-                  <a:schemeClr val="tx1"/>
-                </a:solidFill>
-                <a:latin typeface="+mj-lt"/>
-                <a:ea typeface="+mj-ea"/>
-                <a:cs typeface="+mj-cs"/>
-              </a:defRPr>
-            </a:lvl1pPr>
-          </a:lstStyle>
-          <a:p>
-            <a:r>
-              <a:rPr lang="en-US" b="1" dirty="0"/>
-              <a:t>&lt;Title&gt;</a:t>
-            </a:r>
-          </a:p>
-        </p:txBody>
-      </p:sp>
-      <p:sp>
-        <p:nvSpPr>
-          <p:cNvPr id="4" name="Footer Placeholder 45">
-            <a:extLst>
-              <a:ext uri="{FF2B5EF4-FFF2-40B4-BE49-F238E27FC236}">
-                <a16:creationId xmlns:a16="http://schemas.microsoft.com/office/drawing/2014/main" id="{90E33047-DFF5-4690-8905-31E4C115EFDC}"/>
-              </a:ext>
-            </a:extLst>
-          </p:cNvPr>
-          <p:cNvSpPr>
-            <a:spLocks noGrp="1"/>
-          </p:cNvSpPr>
-          <p:nvPr>
-            <p:ph type="ftr" sz="quarter" idx="11"/>
-          </p:nvPr>
-        </p:nvSpPr>
-        <p:spPr>
-          <a:xfrm>
-            <a:off x="10123055" y="6548582"/>
-            <a:ext cx="2225295" cy="203620"/>
-          </a:xfrm>
-        </p:spPr>
-        <p:txBody>
-          <a:bodyPr/>
-          <a:lstStyle/>
-          <a:p>
-            <a:r>
-              <a:rPr lang="en-US" b="1" dirty="0">
-                <a:solidFill>
-                  <a:schemeClr val="tx1"/>
-                </a:solidFill>
-              </a:rPr>
-              <a:t>Trainer: Anubhav Oberoy</a:t>
-            </a:r>
-          </a:p>
-        </p:txBody>
-      </p:sp>
-      <p:sp>
-        <p:nvSpPr>
-          <p:cNvPr id="5" name="TextBox 4">
-            <a:extLst>
-              <a:ext uri="{FF2B5EF4-FFF2-40B4-BE49-F238E27FC236}">
-                <a16:creationId xmlns:a16="http://schemas.microsoft.com/office/drawing/2014/main" id="{27E5B41D-1DDF-48C9-A5AF-075F84492B68}"/>
-              </a:ext>
-            </a:extLst>
-          </p:cNvPr>
-          <p:cNvSpPr txBox="1"/>
-          <p:nvPr/>
-        </p:nvSpPr>
-        <p:spPr>
-          <a:xfrm>
-            <a:off x="401216" y="982353"/>
-            <a:ext cx="11542905" cy="461665"/>
-          </a:xfrm>
-          <a:prstGeom prst="rect">
-            <a:avLst/>
-          </a:prstGeom>
-          <a:noFill/>
-        </p:spPr>
-        <p:txBody>
-          <a:bodyPr wrap="square" rtlCol="0">
-            <a:spAutoFit/>
-          </a:bodyPr>
-          <a:lstStyle/>
-          <a:p>
-            <a:r>
-              <a:rPr lang="en-US" sz="2400"/>
-              <a:t>&lt;content&gt;</a:t>
-            </a:r>
-            <a:endParaRPr lang="en-US" sz="2400" dirty="0"/>
-          </a:p>
-        </p:txBody>
-      </p:sp>
-      <p:pic>
-        <p:nvPicPr>
-          <p:cNvPr id="2050" name="Picture 2" descr="NetCom Logo">
-            <a:hlinkClick r:id="rId2"/>
-            <a:extLst>
-              <a:ext uri="{FF2B5EF4-FFF2-40B4-BE49-F238E27FC236}">
-                <a16:creationId xmlns:a16="http://schemas.microsoft.com/office/drawing/2014/main" id="{2B8D59D5-A57D-4846-863C-31591ACCF193}"/>
-              </a:ext>
-            </a:extLst>
-          </p:cNvPr>
-          <p:cNvPicPr>
-            <a:picLocks noChangeAspect="1" noChangeArrowheads="1"/>
-          </p:cNvPicPr>
-          <p:nvPr/>
-        </p:nvPicPr>
-        <p:blipFill>
-          <a:blip r:embed="rId3" cstate="print">
-            <a:extLst>
-              <a:ext uri="{28A0092B-C50C-407E-A947-70E740481C1C}">
-                <a14:useLocalDpi xmlns:a14="http://schemas.microsoft.com/office/drawing/2010/main" val="0"/>
-              </a:ext>
-            </a:extLst>
-          </a:blip>
-          <a:srcRect/>
-          <a:stretch>
-            <a:fillRect/>
-          </a:stretch>
-        </p:blipFill>
-        <p:spPr bwMode="auto">
-          <a:xfrm>
-            <a:off x="9485308" y="105798"/>
-            <a:ext cx="2444928" cy="656107"/>
-          </a:xfrm>
-          <a:prstGeom prst="rect">
-            <a:avLst/>
-          </a:prstGeom>
-          <a:noFill/>
-          <a:extLst>
-            <a:ext uri="{909E8E84-426E-40DD-AFC4-6F175D3DCCD1}">
-              <a14:hiddenFill xmlns:a14="http://schemas.microsoft.com/office/drawing/2010/main">
-                <a:solidFill>
-                  <a:srgbClr val="FFFFFF"/>
-                </a:solidFill>
-              </a14:hiddenFill>
-            </a:ext>
-          </a:extLst>
-        </p:spPr>
-      </p:pic>
-    </p:spTree>
-    <p:extLst>
-      <p:ext uri="{BB962C8B-B14F-4D97-AF65-F5344CB8AC3E}">
-        <p14:creationId xmlns:p14="http://schemas.microsoft.com/office/powerpoint/2010/main" val="1379488703"/>
-      </p:ext>
-    </p:extLst>
-  </p:cSld>
-  <p:clrMapOvr>
-    <a:masterClrMapping/>
-  </p:clrMapOvr>
-</p:sld>
-</file>
-
-<file path=ppt/slides/slide39.xml><?xml version="1.0" encoding="utf-8"?>
-<p:sld xmlns:a="http://schemas.openxmlformats.org/drawingml/2006/main" xmlns:r="http://schemas.openxmlformats.org/officeDocument/2006/relationships" xmlns:p="http://schemas.openxmlformats.org/presentationml/2006/main">
-  <p:cSld>
-    <p:spTree>
-      <p:nvGrpSpPr>
-        <p:cNvPr id="1" name=""/>
-        <p:cNvGrpSpPr/>
-        <p:nvPr/>
-      </p:nvGrpSpPr>
-      <p:grpSpPr>
-        <a:xfrm>
-          <a:off x="0" y="0"/>
-          <a:ext cx="0" cy="0"/>
-          <a:chOff x="0" y="0"/>
-          <a:chExt cx="0" cy="0"/>
-        </a:xfrm>
-      </p:grpSpPr>
-      <p:sp>
-        <p:nvSpPr>
-          <p:cNvPr id="2" name="Title 3">
-            <a:extLst>
-              <a:ext uri="{FF2B5EF4-FFF2-40B4-BE49-F238E27FC236}">
-                <a16:creationId xmlns:a16="http://schemas.microsoft.com/office/drawing/2014/main" id="{F07FC580-E2AB-4C55-8C95-D5E077A1D127}"/>
-              </a:ext>
-            </a:extLst>
-          </p:cNvPr>
-          <p:cNvSpPr txBox="1">
-            <a:spLocks/>
-          </p:cNvSpPr>
-          <p:nvPr/>
-        </p:nvSpPr>
-        <p:spPr>
-          <a:xfrm>
-            <a:off x="261764" y="188640"/>
-            <a:ext cx="11292008" cy="711081"/>
-          </a:xfrm>
-          <a:prstGeom prst="rect">
-            <a:avLst/>
-          </a:prstGeom>
-        </p:spPr>
-        <p:txBody>
-          <a:bodyPr/>
-          <a:lstStyle>
-            <a:lvl1pPr algn="l" defTabSz="914400" rtl="0" eaLnBrk="1" latinLnBrk="0" hangingPunct="1">
-              <a:lnSpc>
-                <a:spcPct val="90000"/>
-              </a:lnSpc>
-              <a:spcBef>
-                <a:spcPct val="0"/>
-              </a:spcBef>
-              <a:buNone/>
-              <a:defRPr sz="4400" kern="1200">
-                <a:solidFill>
-                  <a:schemeClr val="tx1"/>
-                </a:solidFill>
-                <a:latin typeface="+mj-lt"/>
-                <a:ea typeface="+mj-ea"/>
-                <a:cs typeface="+mj-cs"/>
-              </a:defRPr>
-            </a:lvl1pPr>
-          </a:lstStyle>
-          <a:p>
-            <a:r>
-              <a:rPr lang="en-US" b="1" dirty="0"/>
-              <a:t>&lt;Title&gt;</a:t>
-            </a:r>
-          </a:p>
-        </p:txBody>
-      </p:sp>
-      <p:sp>
-        <p:nvSpPr>
-          <p:cNvPr id="4" name="Footer Placeholder 45">
-            <a:extLst>
-              <a:ext uri="{FF2B5EF4-FFF2-40B4-BE49-F238E27FC236}">
-                <a16:creationId xmlns:a16="http://schemas.microsoft.com/office/drawing/2014/main" id="{90E33047-DFF5-4690-8905-31E4C115EFDC}"/>
-              </a:ext>
-            </a:extLst>
-          </p:cNvPr>
-          <p:cNvSpPr>
-            <a:spLocks noGrp="1"/>
-          </p:cNvSpPr>
-          <p:nvPr>
-            <p:ph type="ftr" sz="quarter" idx="11"/>
-          </p:nvPr>
-        </p:nvSpPr>
-        <p:spPr>
-          <a:xfrm>
-            <a:off x="10123055" y="6548582"/>
-            <a:ext cx="2225295" cy="203620"/>
-          </a:xfrm>
-        </p:spPr>
-        <p:txBody>
-          <a:bodyPr/>
-          <a:lstStyle/>
-          <a:p>
-            <a:r>
-              <a:rPr lang="en-US" b="1" dirty="0">
-                <a:solidFill>
-                  <a:schemeClr val="tx1"/>
-                </a:solidFill>
-              </a:rPr>
-              <a:t>Trainer: Anubhav Oberoy</a:t>
-            </a:r>
-          </a:p>
-        </p:txBody>
-      </p:sp>
-      <p:sp>
-        <p:nvSpPr>
-          <p:cNvPr id="5" name="TextBox 4">
-            <a:extLst>
-              <a:ext uri="{FF2B5EF4-FFF2-40B4-BE49-F238E27FC236}">
-                <a16:creationId xmlns:a16="http://schemas.microsoft.com/office/drawing/2014/main" id="{27E5B41D-1DDF-48C9-A5AF-075F84492B68}"/>
-              </a:ext>
-            </a:extLst>
-          </p:cNvPr>
-          <p:cNvSpPr txBox="1"/>
-          <p:nvPr/>
-        </p:nvSpPr>
-        <p:spPr>
-          <a:xfrm>
-            <a:off x="401216" y="982353"/>
-            <a:ext cx="11542905" cy="461665"/>
-          </a:xfrm>
-          <a:prstGeom prst="rect">
-            <a:avLst/>
-          </a:prstGeom>
-          <a:noFill/>
-        </p:spPr>
-        <p:txBody>
-          <a:bodyPr wrap="square" rtlCol="0">
-            <a:spAutoFit/>
-          </a:bodyPr>
-          <a:lstStyle/>
-          <a:p>
-            <a:r>
-              <a:rPr lang="en-US" sz="2400"/>
-              <a:t>&lt;content&gt;</a:t>
-            </a:r>
-            <a:endParaRPr lang="en-US" sz="2400" dirty="0"/>
-          </a:p>
-        </p:txBody>
-      </p:sp>
-      <p:pic>
-        <p:nvPicPr>
-          <p:cNvPr id="2050" name="Picture 2" descr="NetCom Logo">
-            <a:hlinkClick r:id="rId2"/>
-            <a:extLst>
-              <a:ext uri="{FF2B5EF4-FFF2-40B4-BE49-F238E27FC236}">
-                <a16:creationId xmlns:a16="http://schemas.microsoft.com/office/drawing/2014/main" id="{2B8D59D5-A57D-4846-863C-31591ACCF193}"/>
-              </a:ext>
-            </a:extLst>
-          </p:cNvPr>
-          <p:cNvPicPr>
-            <a:picLocks noChangeAspect="1" noChangeArrowheads="1"/>
-          </p:cNvPicPr>
-          <p:nvPr/>
-        </p:nvPicPr>
-        <p:blipFill>
-          <a:blip r:embed="rId3" cstate="print">
-            <a:extLst>
-              <a:ext uri="{28A0092B-C50C-407E-A947-70E740481C1C}">
-                <a14:useLocalDpi xmlns:a14="http://schemas.microsoft.com/office/drawing/2010/main" val="0"/>
-              </a:ext>
-            </a:extLst>
-          </a:blip>
-          <a:srcRect/>
-          <a:stretch>
-            <a:fillRect/>
-          </a:stretch>
-        </p:blipFill>
-        <p:spPr bwMode="auto">
-          <a:xfrm>
-            <a:off x="9485308" y="105798"/>
-            <a:ext cx="2444928" cy="656107"/>
-          </a:xfrm>
-          <a:prstGeom prst="rect">
-            <a:avLst/>
-          </a:prstGeom>
-          <a:noFill/>
-          <a:extLst>
-            <a:ext uri="{909E8E84-426E-40DD-AFC4-6F175D3DCCD1}">
-              <a14:hiddenFill xmlns:a14="http://schemas.microsoft.com/office/drawing/2010/main">
-                <a:solidFill>
-                  <a:srgbClr val="FFFFFF"/>
-                </a:solidFill>
-              </a14:hiddenFill>
-            </a:ext>
-          </a:extLst>
-        </p:spPr>
-      </p:pic>
-    </p:spTree>
-    <p:extLst>
-      <p:ext uri="{BB962C8B-B14F-4D97-AF65-F5344CB8AC3E}">
-        <p14:creationId xmlns:p14="http://schemas.microsoft.com/office/powerpoint/2010/main" val="546009325"/>
-      </p:ext>
-    </p:extLst>
-  </p:cSld>
-  <p:clrMapOvr>
-    <a:masterClrMapping/>
-  </p:clrMapOvr>
-</p:sld>
-</file>
-
-<file path=ppt/slides/slide4.xml><?xml version="1.0" encoding="utf-8"?>
-<p:sld xmlns:a="http://schemas.openxmlformats.org/drawingml/2006/main" xmlns:r="http://schemas.openxmlformats.org/officeDocument/2006/relationships" xmlns:p="http://schemas.openxmlformats.org/presentationml/2006/main">
-  <p:cSld>
-    <p:spTree>
-      <p:nvGrpSpPr>
-        <p:cNvPr id="1" name=""/>
-        <p:cNvGrpSpPr/>
-        <p:nvPr/>
-      </p:nvGrpSpPr>
-      <p:grpSpPr>
-        <a:xfrm>
-          <a:off x="0" y="0"/>
-          <a:ext cx="0" cy="0"/>
-          <a:chOff x="0" y="0"/>
-          <a:chExt cx="0" cy="0"/>
-        </a:xfrm>
-      </p:grpSpPr>
-      <p:sp>
-        <p:nvSpPr>
-          <p:cNvPr id="2" name="Title 3">
-            <a:extLst>
-              <a:ext uri="{FF2B5EF4-FFF2-40B4-BE49-F238E27FC236}">
-                <a16:creationId xmlns:a16="http://schemas.microsoft.com/office/drawing/2014/main" id="{F07FC580-E2AB-4C55-8C95-D5E077A1D127}"/>
-              </a:ext>
-            </a:extLst>
-          </p:cNvPr>
-          <p:cNvSpPr txBox="1">
-            <a:spLocks/>
-          </p:cNvSpPr>
-          <p:nvPr/>
-        </p:nvSpPr>
-        <p:spPr>
-          <a:xfrm>
-            <a:off x="261764" y="188640"/>
-            <a:ext cx="11292008" cy="711081"/>
-          </a:xfrm>
-          <a:prstGeom prst="rect">
-            <a:avLst/>
-          </a:prstGeom>
-        </p:spPr>
-        <p:txBody>
-          <a:bodyPr/>
-          <a:lstStyle>
-            <a:lvl1pPr algn="l" defTabSz="914400" rtl="0" eaLnBrk="1" latinLnBrk="0" hangingPunct="1">
-              <a:lnSpc>
-                <a:spcPct val="90000"/>
-              </a:lnSpc>
-              <a:spcBef>
-                <a:spcPct val="0"/>
-              </a:spcBef>
-              <a:buNone/>
-              <a:defRPr sz="4400" kern="1200">
-                <a:solidFill>
-                  <a:schemeClr val="tx1"/>
-                </a:solidFill>
-                <a:latin typeface="+mj-lt"/>
-                <a:ea typeface="+mj-ea"/>
-                <a:cs typeface="+mj-cs"/>
-              </a:defRPr>
-            </a:lvl1pPr>
-          </a:lstStyle>
-          <a:p>
-            <a:r>
-              <a:rPr lang="en-US" b="1" dirty="0"/>
-              <a:t>Select FOR ALL ENTRIES</a:t>
-            </a:r>
-          </a:p>
-        </p:txBody>
-      </p:sp>
-      <p:sp>
-        <p:nvSpPr>
-          <p:cNvPr id="4" name="Footer Placeholder 45">
-            <a:extLst>
-              <a:ext uri="{FF2B5EF4-FFF2-40B4-BE49-F238E27FC236}">
-                <a16:creationId xmlns:a16="http://schemas.microsoft.com/office/drawing/2014/main" id="{90E33047-DFF5-4690-8905-31E4C115EFDC}"/>
-              </a:ext>
-            </a:extLst>
-          </p:cNvPr>
-          <p:cNvSpPr>
-            <a:spLocks noGrp="1"/>
-          </p:cNvSpPr>
-          <p:nvPr>
-            <p:ph type="ftr" sz="quarter" idx="11"/>
-          </p:nvPr>
-        </p:nvSpPr>
-        <p:spPr>
-          <a:xfrm>
-            <a:off x="10123055" y="6548582"/>
-            <a:ext cx="2225295" cy="203620"/>
-          </a:xfrm>
-        </p:spPr>
-        <p:txBody>
-          <a:bodyPr/>
-          <a:lstStyle/>
-          <a:p>
-            <a:r>
-              <a:rPr lang="en-US" b="1" dirty="0">
-                <a:solidFill>
-                  <a:schemeClr val="tx1"/>
-                </a:solidFill>
-              </a:rPr>
-              <a:t>Trainer: Anubhav Oberoy</a:t>
-            </a:r>
-          </a:p>
-        </p:txBody>
-      </p:sp>
-      <p:sp>
-        <p:nvSpPr>
-          <p:cNvPr id="5" name="TextBox 4">
-            <a:extLst>
-              <a:ext uri="{FF2B5EF4-FFF2-40B4-BE49-F238E27FC236}">
-                <a16:creationId xmlns:a16="http://schemas.microsoft.com/office/drawing/2014/main" id="{27E5B41D-1DDF-48C9-A5AF-075F84492B68}"/>
-              </a:ext>
-            </a:extLst>
-          </p:cNvPr>
-          <p:cNvSpPr txBox="1"/>
-          <p:nvPr/>
-        </p:nvSpPr>
-        <p:spPr>
-          <a:xfrm>
-            <a:off x="324547" y="1005890"/>
-            <a:ext cx="11542905" cy="4524315"/>
-          </a:xfrm>
-          <a:prstGeom prst="rect">
-            <a:avLst/>
-          </a:prstGeom>
-          <a:noFill/>
-        </p:spPr>
-        <p:txBody>
-          <a:bodyPr wrap="square" rtlCol="0">
-            <a:spAutoFit/>
-          </a:bodyPr>
-          <a:lstStyle/>
-          <a:p>
-            <a:pPr algn="l"/>
-            <a:r>
-              <a:rPr lang="en-US" b="0" i="0" dirty="0">
-                <a:effectLst/>
-                <a:latin typeface="SAPRegular"/>
-              </a:rPr>
-              <a:t>The WHERE clause of the SELECT statement has a special variant that allows you to derive conditions from the lines and columns of an internal table:</a:t>
-            </a:r>
-          </a:p>
-          <a:p>
-            <a:pPr algn="l"/>
-            <a:endParaRPr lang="en-US" b="0" i="0" dirty="0">
-              <a:effectLst/>
-              <a:latin typeface="SAPRegular"/>
-            </a:endParaRPr>
-          </a:p>
-          <a:p>
-            <a:pPr algn="l"/>
-            <a:r>
-              <a:rPr lang="en-US" b="1" i="0" dirty="0">
-                <a:solidFill>
-                  <a:srgbClr val="0000FF"/>
-                </a:solidFill>
-                <a:effectLst/>
-                <a:latin typeface="SAPRegular"/>
-              </a:rPr>
-              <a:t>SELECT ... FOR ALL ENTRIES IN &lt;</a:t>
-            </a:r>
-            <a:r>
-              <a:rPr lang="en-US" b="1" i="0" dirty="0" err="1">
-                <a:solidFill>
-                  <a:srgbClr val="0000FF"/>
-                </a:solidFill>
-                <a:effectLst/>
-                <a:latin typeface="SAPRegular"/>
-              </a:rPr>
-              <a:t>itab</a:t>
-            </a:r>
-            <a:r>
-              <a:rPr lang="en-US" b="1" i="0" dirty="0">
-                <a:solidFill>
-                  <a:srgbClr val="0000FF"/>
-                </a:solidFill>
-                <a:effectLst/>
-                <a:latin typeface="SAPRegular"/>
-              </a:rPr>
-              <a:t>&gt; WHERE &lt;</a:t>
-            </a:r>
-            <a:r>
-              <a:rPr lang="en-US" b="1" i="0" dirty="0" err="1">
-                <a:solidFill>
-                  <a:srgbClr val="0000FF"/>
-                </a:solidFill>
-                <a:effectLst/>
-                <a:latin typeface="SAPRegular"/>
-              </a:rPr>
-              <a:t>cond</a:t>
-            </a:r>
-            <a:r>
-              <a:rPr lang="en-US" b="1" i="0" dirty="0">
-                <a:solidFill>
-                  <a:srgbClr val="0000FF"/>
-                </a:solidFill>
-                <a:effectLst/>
-                <a:latin typeface="SAPRegular"/>
-              </a:rPr>
-              <a:t>&gt; ...</a:t>
-            </a:r>
-          </a:p>
-          <a:p>
-            <a:pPr algn="l"/>
-            <a:endParaRPr lang="en-US" b="0" i="0" dirty="0">
-              <a:effectLst/>
-              <a:latin typeface="SAPRegular"/>
-            </a:endParaRPr>
-          </a:p>
-          <a:p>
-            <a:pPr algn="l"/>
-            <a:r>
-              <a:rPr lang="en-US" b="0" i="0" dirty="0">
-                <a:effectLst/>
-                <a:latin typeface="SAPRegular"/>
-              </a:rPr>
-              <a:t>&lt;</a:t>
-            </a:r>
-            <a:r>
-              <a:rPr lang="en-US" b="0" i="0" dirty="0" err="1">
-                <a:effectLst/>
-                <a:latin typeface="SAPRegular"/>
-              </a:rPr>
-              <a:t>cond</a:t>
-            </a:r>
-            <a:r>
-              <a:rPr lang="en-US" b="0" i="0" dirty="0">
-                <a:effectLst/>
-                <a:latin typeface="SAPRegular"/>
-              </a:rPr>
-              <a:t>&gt; may be formulated as described above. If you specify a field of the internal table &lt;</a:t>
-            </a:r>
-            <a:r>
-              <a:rPr lang="en-US" b="0" i="0" dirty="0" err="1">
-                <a:effectLst/>
-                <a:latin typeface="SAPRegular"/>
-              </a:rPr>
-              <a:t>itab</a:t>
-            </a:r>
-            <a:r>
-              <a:rPr lang="en-US" b="0" i="0" dirty="0">
-                <a:effectLst/>
-                <a:latin typeface="SAPRegular"/>
-              </a:rPr>
-              <a:t>&gt; as an operand in a condition, you address all lines of the internal table. The comparison is then performed for each line of the internal table. For each line, the system selects the lines from the database table that satisfy the condition. </a:t>
-            </a:r>
-          </a:p>
-          <a:p>
-            <a:pPr algn="l"/>
-            <a:endParaRPr lang="en-US" dirty="0">
-              <a:latin typeface="SAPRegular"/>
-            </a:endParaRPr>
-          </a:p>
-          <a:p>
-            <a:pPr algn="l"/>
-            <a:r>
-              <a:rPr lang="en-US" b="0" i="0" dirty="0">
-                <a:effectLst/>
-                <a:latin typeface="SAPRegular"/>
-              </a:rPr>
-              <a:t>The result set of the SELECT statement is the union of the individual selections for each line of the internal table. Duplicate lines are automatically eliminated from the result set. If &lt;</a:t>
-            </a:r>
-            <a:r>
-              <a:rPr lang="en-US" b="0" i="0" dirty="0" err="1">
-                <a:effectLst/>
-                <a:latin typeface="SAPRegular"/>
-              </a:rPr>
-              <a:t>itab</a:t>
-            </a:r>
-            <a:r>
-              <a:rPr lang="en-US" b="0" i="0" dirty="0">
-                <a:effectLst/>
-                <a:latin typeface="SAPRegular"/>
-              </a:rPr>
-              <a:t>&gt; is empty, the addition FOR ALL ENTRIES is disregarded, and all entries are read.</a:t>
-            </a:r>
-          </a:p>
-          <a:p>
-            <a:pPr algn="l"/>
-            <a:endParaRPr lang="en-US" b="0" i="0" dirty="0">
-              <a:effectLst/>
-              <a:latin typeface="SAPRegular"/>
-            </a:endParaRPr>
-          </a:p>
-          <a:p>
-            <a:pPr algn="l"/>
-            <a:r>
-              <a:rPr lang="en-US" b="0" i="0" dirty="0">
-                <a:effectLst/>
-                <a:latin typeface="SAPRegular"/>
-              </a:rPr>
-              <a:t>The internal table &lt;</a:t>
-            </a:r>
-            <a:r>
-              <a:rPr lang="en-US" b="0" i="0" dirty="0" err="1">
-                <a:effectLst/>
-                <a:latin typeface="SAPRegular"/>
-              </a:rPr>
-              <a:t>itab</a:t>
-            </a:r>
-            <a:r>
-              <a:rPr lang="en-US" b="0" i="0" dirty="0">
-                <a:effectLst/>
-                <a:latin typeface="SAPRegular"/>
-              </a:rPr>
-              <a:t>&gt; must have a structured line type, and each field that occurs in the condition &lt;</a:t>
-            </a:r>
-            <a:r>
-              <a:rPr lang="en-US" b="0" i="0" dirty="0" err="1">
-                <a:effectLst/>
-                <a:latin typeface="SAPRegular"/>
-              </a:rPr>
-              <a:t>cond</a:t>
-            </a:r>
-            <a:r>
-              <a:rPr lang="en-US" b="0" i="0" dirty="0">
-                <a:effectLst/>
-                <a:latin typeface="SAPRegular"/>
-              </a:rPr>
-              <a:t>&gt; must be compatible with the column of the database with which it is compared. Do not use the operators LIKE, BETWEEN, and IN in comparisons using internal table fields. You may not use the ORDER BY clause in the same SELECT statement.</a:t>
-            </a:r>
-          </a:p>
-        </p:txBody>
-      </p:sp>
-      <p:pic>
-        <p:nvPicPr>
-          <p:cNvPr id="2050" name="Picture 2" descr="NetCom Logo">
-            <a:hlinkClick r:id="rId2"/>
-            <a:extLst>
-              <a:ext uri="{FF2B5EF4-FFF2-40B4-BE49-F238E27FC236}">
-                <a16:creationId xmlns:a16="http://schemas.microsoft.com/office/drawing/2014/main" id="{2B8D59D5-A57D-4846-863C-31591ACCF193}"/>
-              </a:ext>
-            </a:extLst>
-          </p:cNvPr>
-          <p:cNvPicPr>
-            <a:picLocks noChangeAspect="1" noChangeArrowheads="1"/>
-          </p:cNvPicPr>
-          <p:nvPr/>
-        </p:nvPicPr>
-        <p:blipFill>
-          <a:blip r:embed="rId3" cstate="print">
-            <a:extLst>
-              <a:ext uri="{28A0092B-C50C-407E-A947-70E740481C1C}">
-                <a14:useLocalDpi xmlns:a14="http://schemas.microsoft.com/office/drawing/2010/main" val="0"/>
-              </a:ext>
-            </a:extLst>
-          </a:blip>
-          <a:srcRect/>
-          <a:stretch>
-            <a:fillRect/>
-          </a:stretch>
-        </p:blipFill>
-        <p:spPr bwMode="auto">
-          <a:xfrm>
-            <a:off x="9485308" y="105798"/>
-            <a:ext cx="2444928" cy="656107"/>
-          </a:xfrm>
-          <a:prstGeom prst="rect">
-            <a:avLst/>
-          </a:prstGeom>
-          <a:noFill/>
-          <a:extLst>
-            <a:ext uri="{909E8E84-426E-40DD-AFC4-6F175D3DCCD1}">
-              <a14:hiddenFill xmlns:a14="http://schemas.microsoft.com/office/drawing/2010/main">
-                <a:solidFill>
-                  <a:srgbClr val="FFFFFF"/>
-                </a:solidFill>
-              </a14:hiddenFill>
-            </a:ext>
-          </a:extLst>
-        </p:spPr>
-      </p:pic>
-    </p:spTree>
-    <p:extLst>
-      <p:ext uri="{BB962C8B-B14F-4D97-AF65-F5344CB8AC3E}">
-        <p14:creationId xmlns:p14="http://schemas.microsoft.com/office/powerpoint/2010/main" val="320752133"/>
-      </p:ext>
-    </p:extLst>
-  </p:cSld>
-  <p:clrMapOvr>
-    <a:masterClrMapping/>
-  </p:clrMapOvr>
-</p:sld>
-</file>
-
-<file path=ppt/slides/slide40.xml><?xml version="1.0" encoding="utf-8"?>
-<p:sld xmlns:a="http://schemas.openxmlformats.org/drawingml/2006/main" xmlns:r="http://schemas.openxmlformats.org/officeDocument/2006/relationships" xmlns:p="http://schemas.openxmlformats.org/presentationml/2006/main">
-  <p:cSld>
-    <p:spTree>
-      <p:nvGrpSpPr>
-        <p:cNvPr id="1" name=""/>
-        <p:cNvGrpSpPr/>
-        <p:nvPr/>
-      </p:nvGrpSpPr>
-      <p:grpSpPr>
-        <a:xfrm>
-          <a:off x="0" y="0"/>
-          <a:ext cx="0" cy="0"/>
-          <a:chOff x="0" y="0"/>
-          <a:chExt cx="0" cy="0"/>
-        </a:xfrm>
-      </p:grpSpPr>
-      <p:sp>
-        <p:nvSpPr>
-          <p:cNvPr id="2" name="Title 3">
-            <a:extLst>
-              <a:ext uri="{FF2B5EF4-FFF2-40B4-BE49-F238E27FC236}">
-                <a16:creationId xmlns:a16="http://schemas.microsoft.com/office/drawing/2014/main" id="{F07FC580-E2AB-4C55-8C95-D5E077A1D127}"/>
-              </a:ext>
-            </a:extLst>
-          </p:cNvPr>
-          <p:cNvSpPr txBox="1">
-            <a:spLocks/>
-          </p:cNvSpPr>
-          <p:nvPr/>
-        </p:nvSpPr>
-        <p:spPr>
-          <a:xfrm>
-            <a:off x="261764" y="188640"/>
-            <a:ext cx="11292008" cy="711081"/>
-          </a:xfrm>
-          <a:prstGeom prst="rect">
-            <a:avLst/>
-          </a:prstGeom>
-        </p:spPr>
-        <p:txBody>
-          <a:bodyPr/>
-          <a:lstStyle>
-            <a:lvl1pPr algn="l" defTabSz="914400" rtl="0" eaLnBrk="1" latinLnBrk="0" hangingPunct="1">
-              <a:lnSpc>
-                <a:spcPct val="90000"/>
-              </a:lnSpc>
-              <a:spcBef>
-                <a:spcPct val="0"/>
-              </a:spcBef>
-              <a:buNone/>
-              <a:defRPr sz="4400" kern="1200">
-                <a:solidFill>
-                  <a:schemeClr val="tx1"/>
-                </a:solidFill>
-                <a:latin typeface="+mj-lt"/>
-                <a:ea typeface="+mj-ea"/>
-                <a:cs typeface="+mj-cs"/>
-              </a:defRPr>
-            </a:lvl1pPr>
-          </a:lstStyle>
-          <a:p>
-            <a:r>
-              <a:rPr lang="en-US" b="1" dirty="0"/>
-              <a:t>&lt;Title&gt;</a:t>
-            </a:r>
-          </a:p>
-        </p:txBody>
-      </p:sp>
-      <p:sp>
-        <p:nvSpPr>
-          <p:cNvPr id="4" name="Footer Placeholder 45">
-            <a:extLst>
-              <a:ext uri="{FF2B5EF4-FFF2-40B4-BE49-F238E27FC236}">
-                <a16:creationId xmlns:a16="http://schemas.microsoft.com/office/drawing/2014/main" id="{90E33047-DFF5-4690-8905-31E4C115EFDC}"/>
-              </a:ext>
-            </a:extLst>
-          </p:cNvPr>
-          <p:cNvSpPr>
-            <a:spLocks noGrp="1"/>
-          </p:cNvSpPr>
-          <p:nvPr>
-            <p:ph type="ftr" sz="quarter" idx="11"/>
-          </p:nvPr>
-        </p:nvSpPr>
-        <p:spPr>
-          <a:xfrm>
-            <a:off x="10123055" y="6548582"/>
-            <a:ext cx="2225295" cy="203620"/>
-          </a:xfrm>
-        </p:spPr>
-        <p:txBody>
-          <a:bodyPr/>
-          <a:lstStyle/>
-          <a:p>
-            <a:r>
-              <a:rPr lang="en-US" b="1" dirty="0">
-                <a:solidFill>
-                  <a:schemeClr val="tx1"/>
-                </a:solidFill>
-              </a:rPr>
-              <a:t>Trainer: Anubhav Oberoy</a:t>
-            </a:r>
-          </a:p>
-        </p:txBody>
-      </p:sp>
-      <p:sp>
-        <p:nvSpPr>
-          <p:cNvPr id="5" name="TextBox 4">
-            <a:extLst>
-              <a:ext uri="{FF2B5EF4-FFF2-40B4-BE49-F238E27FC236}">
-                <a16:creationId xmlns:a16="http://schemas.microsoft.com/office/drawing/2014/main" id="{27E5B41D-1DDF-48C9-A5AF-075F84492B68}"/>
-              </a:ext>
-            </a:extLst>
-          </p:cNvPr>
-          <p:cNvSpPr txBox="1"/>
-          <p:nvPr/>
-        </p:nvSpPr>
-        <p:spPr>
-          <a:xfrm>
-            <a:off x="401216" y="982353"/>
-            <a:ext cx="11542905" cy="461665"/>
-          </a:xfrm>
-          <a:prstGeom prst="rect">
-            <a:avLst/>
-          </a:prstGeom>
-          <a:noFill/>
-        </p:spPr>
-        <p:txBody>
-          <a:bodyPr wrap="square" rtlCol="0">
-            <a:spAutoFit/>
-          </a:bodyPr>
-          <a:lstStyle/>
-          <a:p>
-            <a:r>
-              <a:rPr lang="en-US" sz="2400"/>
-              <a:t>&lt;content&gt;</a:t>
-            </a:r>
-            <a:endParaRPr lang="en-US" sz="2400" dirty="0"/>
-          </a:p>
-        </p:txBody>
-      </p:sp>
-      <p:pic>
-        <p:nvPicPr>
-          <p:cNvPr id="2050" name="Picture 2" descr="NetCom Logo">
-            <a:hlinkClick r:id="rId2"/>
-            <a:extLst>
-              <a:ext uri="{FF2B5EF4-FFF2-40B4-BE49-F238E27FC236}">
-                <a16:creationId xmlns:a16="http://schemas.microsoft.com/office/drawing/2014/main" id="{2B8D59D5-A57D-4846-863C-31591ACCF193}"/>
-              </a:ext>
-            </a:extLst>
-          </p:cNvPr>
-          <p:cNvPicPr>
-            <a:picLocks noChangeAspect="1" noChangeArrowheads="1"/>
-          </p:cNvPicPr>
-          <p:nvPr/>
-        </p:nvPicPr>
-        <p:blipFill>
-          <a:blip r:embed="rId3" cstate="print">
-            <a:extLst>
-              <a:ext uri="{28A0092B-C50C-407E-A947-70E740481C1C}">
-                <a14:useLocalDpi xmlns:a14="http://schemas.microsoft.com/office/drawing/2010/main" val="0"/>
-              </a:ext>
-            </a:extLst>
-          </a:blip>
-          <a:srcRect/>
-          <a:stretch>
-            <a:fillRect/>
-          </a:stretch>
-        </p:blipFill>
-        <p:spPr bwMode="auto">
-          <a:xfrm>
-            <a:off x="9485308" y="105798"/>
-            <a:ext cx="2444928" cy="656107"/>
-          </a:xfrm>
-          <a:prstGeom prst="rect">
-            <a:avLst/>
-          </a:prstGeom>
-          <a:noFill/>
-          <a:extLst>
-            <a:ext uri="{909E8E84-426E-40DD-AFC4-6F175D3DCCD1}">
-              <a14:hiddenFill xmlns:a14="http://schemas.microsoft.com/office/drawing/2010/main">
-                <a:solidFill>
-                  <a:srgbClr val="FFFFFF"/>
-                </a:solidFill>
-              </a14:hiddenFill>
-            </a:ext>
-          </a:extLst>
-        </p:spPr>
-      </p:pic>
-    </p:spTree>
-    <p:extLst>
-      <p:ext uri="{BB962C8B-B14F-4D97-AF65-F5344CB8AC3E}">
-        <p14:creationId xmlns:p14="http://schemas.microsoft.com/office/powerpoint/2010/main" val="2148624975"/>
-      </p:ext>
-    </p:extLst>
-  </p:cSld>
-  <p:clrMapOvr>
-    <a:masterClrMapping/>
-  </p:clrMapOvr>
-</p:sld>
-</file>
-
-<file path=ppt/slides/slide41.xml><?xml version="1.0" encoding="utf-8"?>
-<p:sld xmlns:a="http://schemas.openxmlformats.org/drawingml/2006/main" xmlns:r="http://schemas.openxmlformats.org/officeDocument/2006/relationships" xmlns:p="http://schemas.openxmlformats.org/presentationml/2006/main">
-  <p:cSld>
-    <p:spTree>
-      <p:nvGrpSpPr>
-        <p:cNvPr id="1" name=""/>
-        <p:cNvGrpSpPr/>
-        <p:nvPr/>
-      </p:nvGrpSpPr>
-      <p:grpSpPr>
-        <a:xfrm>
-          <a:off x="0" y="0"/>
-          <a:ext cx="0" cy="0"/>
-          <a:chOff x="0" y="0"/>
-          <a:chExt cx="0" cy="0"/>
-        </a:xfrm>
-      </p:grpSpPr>
-      <p:sp>
-        <p:nvSpPr>
-          <p:cNvPr id="2" name="Title 3">
-            <a:extLst>
-              <a:ext uri="{FF2B5EF4-FFF2-40B4-BE49-F238E27FC236}">
-                <a16:creationId xmlns:a16="http://schemas.microsoft.com/office/drawing/2014/main" id="{F07FC580-E2AB-4C55-8C95-D5E077A1D127}"/>
-              </a:ext>
-            </a:extLst>
-          </p:cNvPr>
-          <p:cNvSpPr txBox="1">
-            <a:spLocks/>
-          </p:cNvSpPr>
-          <p:nvPr/>
-        </p:nvSpPr>
-        <p:spPr>
-          <a:xfrm>
-            <a:off x="261764" y="188640"/>
-            <a:ext cx="11292008" cy="711081"/>
-          </a:xfrm>
-          <a:prstGeom prst="rect">
-            <a:avLst/>
-          </a:prstGeom>
-        </p:spPr>
-        <p:txBody>
-          <a:bodyPr/>
-          <a:lstStyle>
-            <a:lvl1pPr algn="l" defTabSz="914400" rtl="0" eaLnBrk="1" latinLnBrk="0" hangingPunct="1">
-              <a:lnSpc>
-                <a:spcPct val="90000"/>
-              </a:lnSpc>
-              <a:spcBef>
-                <a:spcPct val="0"/>
-              </a:spcBef>
-              <a:buNone/>
-              <a:defRPr sz="4400" kern="1200">
-                <a:solidFill>
-                  <a:schemeClr val="tx1"/>
-                </a:solidFill>
-                <a:latin typeface="+mj-lt"/>
-                <a:ea typeface="+mj-ea"/>
-                <a:cs typeface="+mj-cs"/>
-              </a:defRPr>
-            </a:lvl1pPr>
-          </a:lstStyle>
-          <a:p>
-            <a:endParaRPr lang="en-US" b="1" dirty="0"/>
-          </a:p>
-        </p:txBody>
-      </p:sp>
-      <p:sp>
-        <p:nvSpPr>
-          <p:cNvPr id="4" name="Footer Placeholder 45">
-            <a:extLst>
-              <a:ext uri="{FF2B5EF4-FFF2-40B4-BE49-F238E27FC236}">
-                <a16:creationId xmlns:a16="http://schemas.microsoft.com/office/drawing/2014/main" id="{90E33047-DFF5-4690-8905-31E4C115EFDC}"/>
-              </a:ext>
-            </a:extLst>
-          </p:cNvPr>
-          <p:cNvSpPr>
-            <a:spLocks noGrp="1"/>
-          </p:cNvSpPr>
-          <p:nvPr>
-            <p:ph type="ftr" sz="quarter" idx="11"/>
-          </p:nvPr>
-        </p:nvSpPr>
-        <p:spPr>
-          <a:xfrm>
-            <a:off x="10123055" y="6548582"/>
-            <a:ext cx="2225295" cy="203620"/>
-          </a:xfrm>
-        </p:spPr>
-        <p:txBody>
-          <a:bodyPr/>
-          <a:lstStyle/>
-          <a:p>
-            <a:r>
-              <a:rPr lang="en-US" b="1" dirty="0">
-                <a:solidFill>
-                  <a:schemeClr val="tx1"/>
-                </a:solidFill>
-              </a:rPr>
-              <a:t>Trainer: Anubhav Oberoy</a:t>
-            </a:r>
-          </a:p>
-        </p:txBody>
-      </p:sp>
-      <p:pic>
-        <p:nvPicPr>
-          <p:cNvPr id="2050" name="Picture 2" descr="NetCom Logo">
-            <a:hlinkClick r:id="rId2"/>
-            <a:extLst>
-              <a:ext uri="{FF2B5EF4-FFF2-40B4-BE49-F238E27FC236}">
-                <a16:creationId xmlns:a16="http://schemas.microsoft.com/office/drawing/2014/main" id="{2B8D59D5-A57D-4846-863C-31591ACCF193}"/>
-              </a:ext>
-            </a:extLst>
-          </p:cNvPr>
-          <p:cNvPicPr>
-            <a:picLocks noChangeAspect="1" noChangeArrowheads="1"/>
-          </p:cNvPicPr>
-          <p:nvPr/>
-        </p:nvPicPr>
-        <p:blipFill>
-          <a:blip r:embed="rId3" cstate="print">
-            <a:extLst>
-              <a:ext uri="{28A0092B-C50C-407E-A947-70E740481C1C}">
-                <a14:useLocalDpi xmlns:a14="http://schemas.microsoft.com/office/drawing/2010/main" val="0"/>
-              </a:ext>
-            </a:extLst>
-          </a:blip>
-          <a:srcRect/>
-          <a:stretch>
-            <a:fillRect/>
-          </a:stretch>
-        </p:blipFill>
-        <p:spPr bwMode="auto">
-          <a:xfrm>
-            <a:off x="9485308" y="105798"/>
-            <a:ext cx="2444928" cy="656107"/>
-          </a:xfrm>
-          <a:prstGeom prst="rect">
-            <a:avLst/>
-          </a:prstGeom>
-          <a:noFill/>
-          <a:extLst>
-            <a:ext uri="{909E8E84-426E-40DD-AFC4-6F175D3DCCD1}">
-              <a14:hiddenFill xmlns:a14="http://schemas.microsoft.com/office/drawing/2010/main">
-                <a:solidFill>
-                  <a:srgbClr val="FFFFFF"/>
-                </a:solidFill>
-              </a14:hiddenFill>
-            </a:ext>
-          </a:extLst>
-        </p:spPr>
-      </p:pic>
-      <p:sp>
-        <p:nvSpPr>
-          <p:cNvPr id="7" name="TextBox 6">
-            <a:extLst>
-              <a:ext uri="{FF2B5EF4-FFF2-40B4-BE49-F238E27FC236}">
-                <a16:creationId xmlns:a16="http://schemas.microsoft.com/office/drawing/2014/main" id="{17EB74BE-8011-4153-8F37-3BEF9C1F4CC0}"/>
-              </a:ext>
-            </a:extLst>
-          </p:cNvPr>
-          <p:cNvSpPr txBox="1"/>
-          <p:nvPr/>
-        </p:nvSpPr>
-        <p:spPr>
-          <a:xfrm>
-            <a:off x="3512128" y="2507734"/>
-            <a:ext cx="6174508" cy="1323439"/>
-          </a:xfrm>
-          <a:prstGeom prst="rect">
-            <a:avLst/>
-          </a:prstGeom>
-          <a:noFill/>
-        </p:spPr>
-        <p:txBody>
-          <a:bodyPr wrap="square">
-            <a:spAutoFit/>
-          </a:bodyPr>
-          <a:lstStyle/>
-          <a:p>
-            <a:r>
-              <a:rPr lang="en-US" sz="8000" b="1" dirty="0"/>
-              <a:t>End of Day 3</a:t>
-            </a:r>
-          </a:p>
-        </p:txBody>
-      </p:sp>
-    </p:spTree>
-    <p:extLst>
-      <p:ext uri="{BB962C8B-B14F-4D97-AF65-F5344CB8AC3E}">
-        <p14:creationId xmlns:p14="http://schemas.microsoft.com/office/powerpoint/2010/main" val="3867772902"/>
-      </p:ext>
-    </p:extLst>
-  </p:cSld>
-  <p:clrMapOvr>
-    <a:masterClrMapping/>
-  </p:clrMapOvr>
-</p:sld>
-</file>
-
-<file path=ppt/slides/slide42.xml><?xml version="1.0" encoding="utf-8"?>
-<p:sld xmlns:a="http://schemas.openxmlformats.org/drawingml/2006/main" xmlns:r="http://schemas.openxmlformats.org/officeDocument/2006/relationships" xmlns:p="http://schemas.openxmlformats.org/presentationml/2006/main">
-  <p:cSld>
-    <p:spTree>
-      <p:nvGrpSpPr>
-        <p:cNvPr id="1" name=""/>
-        <p:cNvGrpSpPr/>
-        <p:nvPr/>
-      </p:nvGrpSpPr>
-      <p:grpSpPr>
-        <a:xfrm>
-          <a:off x="0" y="0"/>
-          <a:ext cx="0" cy="0"/>
-          <a:chOff x="0" y="0"/>
-          <a:chExt cx="0" cy="0"/>
-        </a:xfrm>
-      </p:grpSpPr>
-      <p:sp>
-        <p:nvSpPr>
           <p:cNvPr id="4" name="Footer Placeholder 45">
             <a:extLst>
               <a:ext uri="{FF2B5EF4-FFF2-40B4-BE49-F238E27FC236}">
@@ -13042,7 +11163,7 @@
 </p:sld>
 </file>
 
-<file path=ppt/slides/slide43.xml><?xml version="1.0" encoding="utf-8"?>
+<file path=ppt/slides/slide33.xml><?xml version="1.0" encoding="utf-8"?>
 <p:sld xmlns:a="http://schemas.openxmlformats.org/drawingml/2006/main" xmlns:r="http://schemas.openxmlformats.org/officeDocument/2006/relationships" xmlns:p="http://schemas.openxmlformats.org/presentationml/2006/main">
   <p:cSld>
     <p:bg>
@@ -13243,6 +11364,392 @@
       </p:transition>
     </mc:Fallback>
   </mc:AlternateContent>
+</p:sld>
+</file>
+
+<file path=ppt/slides/slide4.xml><?xml version="1.0" encoding="utf-8"?>
+<p:sld xmlns:a="http://schemas.openxmlformats.org/drawingml/2006/main" xmlns:r="http://schemas.openxmlformats.org/officeDocument/2006/relationships" xmlns:p="http://schemas.openxmlformats.org/presentationml/2006/main">
+  <p:cSld>
+    <p:spTree>
+      <p:nvGrpSpPr>
+        <p:cNvPr id="1" name=""/>
+        <p:cNvGrpSpPr/>
+        <p:nvPr/>
+      </p:nvGrpSpPr>
+      <p:grpSpPr>
+        <a:xfrm>
+          <a:off x="0" y="0"/>
+          <a:ext cx="0" cy="0"/>
+          <a:chOff x="0" y="0"/>
+          <a:chExt cx="0" cy="0"/>
+        </a:xfrm>
+      </p:grpSpPr>
+      <p:sp>
+        <p:nvSpPr>
+          <p:cNvPr id="2" name="Title 3">
+            <a:extLst>
+              <a:ext uri="{FF2B5EF4-FFF2-40B4-BE49-F238E27FC236}">
+                <a16:creationId xmlns:a16="http://schemas.microsoft.com/office/drawing/2014/main" id="{F07FC580-E2AB-4C55-8C95-D5E077A1D127}"/>
+              </a:ext>
+            </a:extLst>
+          </p:cNvPr>
+          <p:cNvSpPr txBox="1">
+            <a:spLocks/>
+          </p:cNvSpPr>
+          <p:nvPr/>
+        </p:nvSpPr>
+        <p:spPr>
+          <a:xfrm>
+            <a:off x="261764" y="188640"/>
+            <a:ext cx="11292008" cy="711081"/>
+          </a:xfrm>
+          <a:prstGeom prst="rect">
+            <a:avLst/>
+          </a:prstGeom>
+        </p:spPr>
+        <p:txBody>
+          <a:bodyPr/>
+          <a:lstStyle>
+            <a:lvl1pPr algn="l" defTabSz="914400" rtl="0" eaLnBrk="1" latinLnBrk="0" hangingPunct="1">
+              <a:lnSpc>
+                <a:spcPct val="90000"/>
+              </a:lnSpc>
+              <a:spcBef>
+                <a:spcPct val="0"/>
+              </a:spcBef>
+              <a:buNone/>
+              <a:defRPr sz="4400" kern="1200">
+                <a:solidFill>
+                  <a:schemeClr val="tx1"/>
+                </a:solidFill>
+                <a:latin typeface="+mj-lt"/>
+                <a:ea typeface="+mj-ea"/>
+                <a:cs typeface="+mj-cs"/>
+              </a:defRPr>
+            </a:lvl1pPr>
+          </a:lstStyle>
+          <a:p>
+            <a:r>
+              <a:rPr lang="en-US" b="1" dirty="0"/>
+              <a:t>Select FOR ALL ENTRIES</a:t>
+            </a:r>
+          </a:p>
+        </p:txBody>
+      </p:sp>
+      <p:sp>
+        <p:nvSpPr>
+          <p:cNvPr id="4" name="Footer Placeholder 45">
+            <a:extLst>
+              <a:ext uri="{FF2B5EF4-FFF2-40B4-BE49-F238E27FC236}">
+                <a16:creationId xmlns:a16="http://schemas.microsoft.com/office/drawing/2014/main" id="{90E33047-DFF5-4690-8905-31E4C115EFDC}"/>
+              </a:ext>
+            </a:extLst>
+          </p:cNvPr>
+          <p:cNvSpPr>
+            <a:spLocks noGrp="1"/>
+          </p:cNvSpPr>
+          <p:nvPr>
+            <p:ph type="ftr" sz="quarter" idx="11"/>
+          </p:nvPr>
+        </p:nvSpPr>
+        <p:spPr>
+          <a:xfrm>
+            <a:off x="10123055" y="6548582"/>
+            <a:ext cx="2225295" cy="203620"/>
+          </a:xfrm>
+        </p:spPr>
+        <p:txBody>
+          <a:bodyPr/>
+          <a:lstStyle/>
+          <a:p>
+            <a:r>
+              <a:rPr lang="en-US" b="1" dirty="0">
+                <a:solidFill>
+                  <a:schemeClr val="tx1"/>
+                </a:solidFill>
+              </a:rPr>
+              <a:t>Trainer: Anubhav Oberoy</a:t>
+            </a:r>
+          </a:p>
+        </p:txBody>
+      </p:sp>
+      <p:sp>
+        <p:nvSpPr>
+          <p:cNvPr id="5" name="TextBox 4">
+            <a:extLst>
+              <a:ext uri="{FF2B5EF4-FFF2-40B4-BE49-F238E27FC236}">
+                <a16:creationId xmlns:a16="http://schemas.microsoft.com/office/drawing/2014/main" id="{27E5B41D-1DDF-48C9-A5AF-075F84492B68}"/>
+              </a:ext>
+            </a:extLst>
+          </p:cNvPr>
+          <p:cNvSpPr txBox="1"/>
+          <p:nvPr/>
+        </p:nvSpPr>
+        <p:spPr>
+          <a:xfrm>
+            <a:off x="324547" y="1005890"/>
+            <a:ext cx="11542905" cy="4524315"/>
+          </a:xfrm>
+          <a:prstGeom prst="rect">
+            <a:avLst/>
+          </a:prstGeom>
+          <a:noFill/>
+        </p:spPr>
+        <p:txBody>
+          <a:bodyPr wrap="square" rtlCol="0">
+            <a:spAutoFit/>
+          </a:bodyPr>
+          <a:lstStyle/>
+          <a:p>
+            <a:pPr algn="l"/>
+            <a:r>
+              <a:rPr lang="en-US" b="0" i="0" dirty="0">
+                <a:effectLst/>
+                <a:latin typeface="SAPRegular"/>
+              </a:rPr>
+              <a:t>The WHERE clause of the SELECT statement has a special variant that allows you to derive conditions from the lines and columns of an internal table:</a:t>
+            </a:r>
+          </a:p>
+          <a:p>
+            <a:pPr algn="l"/>
+            <a:endParaRPr lang="en-US" b="0" i="0" dirty="0">
+              <a:effectLst/>
+              <a:latin typeface="SAPRegular"/>
+            </a:endParaRPr>
+          </a:p>
+          <a:p>
+            <a:pPr algn="l"/>
+            <a:r>
+              <a:rPr lang="en-US" b="1" i="0" dirty="0">
+                <a:solidFill>
+                  <a:srgbClr val="0000FF"/>
+                </a:solidFill>
+                <a:effectLst/>
+                <a:latin typeface="SAPRegular"/>
+              </a:rPr>
+              <a:t>SELECT ... FOR ALL ENTRIES IN &lt;</a:t>
+            </a:r>
+            <a:r>
+              <a:rPr lang="en-US" b="1" i="0" dirty="0" err="1">
+                <a:solidFill>
+                  <a:srgbClr val="0000FF"/>
+                </a:solidFill>
+                <a:effectLst/>
+                <a:latin typeface="SAPRegular"/>
+              </a:rPr>
+              <a:t>itab</a:t>
+            </a:r>
+            <a:r>
+              <a:rPr lang="en-US" b="1" i="0" dirty="0">
+                <a:solidFill>
+                  <a:srgbClr val="0000FF"/>
+                </a:solidFill>
+                <a:effectLst/>
+                <a:latin typeface="SAPRegular"/>
+              </a:rPr>
+              <a:t>&gt; WHERE &lt;</a:t>
+            </a:r>
+            <a:r>
+              <a:rPr lang="en-US" b="1" i="0" dirty="0" err="1">
+                <a:solidFill>
+                  <a:srgbClr val="0000FF"/>
+                </a:solidFill>
+                <a:effectLst/>
+                <a:latin typeface="SAPRegular"/>
+              </a:rPr>
+              <a:t>cond</a:t>
+            </a:r>
+            <a:r>
+              <a:rPr lang="en-US" b="1" i="0" dirty="0">
+                <a:solidFill>
+                  <a:srgbClr val="0000FF"/>
+                </a:solidFill>
+                <a:effectLst/>
+                <a:latin typeface="SAPRegular"/>
+              </a:rPr>
+              <a:t>&gt; ...</a:t>
+            </a:r>
+          </a:p>
+          <a:p>
+            <a:pPr algn="l"/>
+            <a:endParaRPr lang="en-US" b="0" i="0" dirty="0">
+              <a:effectLst/>
+              <a:latin typeface="SAPRegular"/>
+            </a:endParaRPr>
+          </a:p>
+          <a:p>
+            <a:pPr algn="l"/>
+            <a:r>
+              <a:rPr lang="en-US" b="0" i="0" dirty="0">
+                <a:effectLst/>
+                <a:latin typeface="SAPRegular"/>
+              </a:rPr>
+              <a:t>&lt;</a:t>
+            </a:r>
+            <a:r>
+              <a:rPr lang="en-US" b="0" i="0" dirty="0" err="1">
+                <a:effectLst/>
+                <a:latin typeface="SAPRegular"/>
+              </a:rPr>
+              <a:t>cond</a:t>
+            </a:r>
+            <a:r>
+              <a:rPr lang="en-US" b="0" i="0" dirty="0">
+                <a:effectLst/>
+                <a:latin typeface="SAPRegular"/>
+              </a:rPr>
+              <a:t>&gt; may be formulated as described above. If you specify a field of the internal table &lt;</a:t>
+            </a:r>
+            <a:r>
+              <a:rPr lang="en-US" b="0" i="0" dirty="0" err="1">
+                <a:effectLst/>
+                <a:latin typeface="SAPRegular"/>
+              </a:rPr>
+              <a:t>itab</a:t>
+            </a:r>
+            <a:r>
+              <a:rPr lang="en-US" b="0" i="0" dirty="0">
+                <a:effectLst/>
+                <a:latin typeface="SAPRegular"/>
+              </a:rPr>
+              <a:t>&gt; as an operand in a condition, you address all lines of the internal table. The comparison is then performed for each line of the internal table. For each line, the system selects the lines from the database table that satisfy the condition. </a:t>
+            </a:r>
+          </a:p>
+          <a:p>
+            <a:pPr algn="l"/>
+            <a:endParaRPr lang="en-US" dirty="0">
+              <a:latin typeface="SAPRegular"/>
+            </a:endParaRPr>
+          </a:p>
+          <a:p>
+            <a:pPr algn="l"/>
+            <a:r>
+              <a:rPr lang="en-US" b="0" i="0" dirty="0">
+                <a:effectLst/>
+                <a:latin typeface="SAPRegular"/>
+              </a:rPr>
+              <a:t>The result set of the SELECT statement is the union of the individual selections for each line of the internal table. Duplicate lines are automatically eliminated from the result set. If &lt;</a:t>
+            </a:r>
+            <a:r>
+              <a:rPr lang="en-US" b="0" i="0" dirty="0" err="1">
+                <a:effectLst/>
+                <a:latin typeface="SAPRegular"/>
+              </a:rPr>
+              <a:t>itab</a:t>
+            </a:r>
+            <a:r>
+              <a:rPr lang="en-US" b="0" i="0" dirty="0">
+                <a:effectLst/>
+                <a:latin typeface="SAPRegular"/>
+              </a:rPr>
+              <a:t>&gt; is empty, the addition FOR ALL ENTRIES is disregarded, and all entries are read.</a:t>
+            </a:r>
+          </a:p>
+          <a:p>
+            <a:pPr algn="l"/>
+            <a:endParaRPr lang="en-US" b="0" i="0" dirty="0">
+              <a:effectLst/>
+              <a:latin typeface="SAPRegular"/>
+            </a:endParaRPr>
+          </a:p>
+          <a:p>
+            <a:pPr algn="l"/>
+            <a:r>
+              <a:rPr lang="en-US" b="0" i="0" dirty="0">
+                <a:effectLst/>
+                <a:latin typeface="SAPRegular"/>
+              </a:rPr>
+              <a:t>The internal table &lt;</a:t>
+            </a:r>
+            <a:r>
+              <a:rPr lang="en-US" b="0" i="0" dirty="0" err="1">
+                <a:effectLst/>
+                <a:latin typeface="SAPRegular"/>
+              </a:rPr>
+              <a:t>itab</a:t>
+            </a:r>
+            <a:r>
+              <a:rPr lang="en-US" b="0" i="0" dirty="0">
+                <a:effectLst/>
+                <a:latin typeface="SAPRegular"/>
+              </a:rPr>
+              <a:t>&gt; must have a structured line type, and each field that occurs in the condition &lt;</a:t>
+            </a:r>
+            <a:r>
+              <a:rPr lang="en-US" b="0" i="0" dirty="0" err="1">
+                <a:effectLst/>
+                <a:latin typeface="SAPRegular"/>
+              </a:rPr>
+              <a:t>cond</a:t>
+            </a:r>
+            <a:r>
+              <a:rPr lang="en-US" b="0" i="0" dirty="0">
+                <a:effectLst/>
+                <a:latin typeface="SAPRegular"/>
+              </a:rPr>
+              <a:t>&gt; must be compatible with the column of the database with which it is compared. Do not use the operators LIKE, BETWEEN, and IN in comparisons using internal table fields. You may not use the ORDER BY clause in the same SELECT statement.</a:t>
+            </a:r>
+          </a:p>
+        </p:txBody>
+      </p:sp>
+      <p:pic>
+        <p:nvPicPr>
+          <p:cNvPr id="2050" name="Picture 2" descr="NetCom Logo">
+            <a:hlinkClick r:id="rId2"/>
+            <a:extLst>
+              <a:ext uri="{FF2B5EF4-FFF2-40B4-BE49-F238E27FC236}">
+                <a16:creationId xmlns:a16="http://schemas.microsoft.com/office/drawing/2014/main" id="{2B8D59D5-A57D-4846-863C-31591ACCF193}"/>
+              </a:ext>
+            </a:extLst>
+          </p:cNvPr>
+          <p:cNvPicPr>
+            <a:picLocks noChangeAspect="1" noChangeArrowheads="1"/>
+          </p:cNvPicPr>
+          <p:nvPr/>
+        </p:nvPicPr>
+        <p:blipFill>
+          <a:blip r:embed="rId3" cstate="print">
+            <a:extLst>
+              <a:ext uri="{28A0092B-C50C-407E-A947-70E740481C1C}">
+                <a14:useLocalDpi xmlns:a14="http://schemas.microsoft.com/office/drawing/2010/main" val="0"/>
+              </a:ext>
+            </a:extLst>
+          </a:blip>
+          <a:srcRect/>
+          <a:stretch>
+            <a:fillRect/>
+          </a:stretch>
+        </p:blipFill>
+        <p:spPr bwMode="auto">
+          <a:xfrm>
+            <a:off x="9485308" y="105798"/>
+            <a:ext cx="2444928" cy="656107"/>
+          </a:xfrm>
+          <a:prstGeom prst="rect">
+            <a:avLst/>
+          </a:prstGeom>
+          <a:noFill/>
+          <a:extLst>
+            <a:ext uri="{909E8E84-426E-40DD-AFC4-6F175D3DCCD1}">
+              <a14:hiddenFill xmlns:a14="http://schemas.microsoft.com/office/drawing/2010/main">
+                <a:solidFill>
+                  <a:srgbClr val="FFFFFF"/>
+                </a:solidFill>
+              </a14:hiddenFill>
+            </a:ext>
+          </a:extLst>
+        </p:spPr>
+      </p:pic>
+    </p:spTree>
+    <p:extLst>
+      <p:ext uri="{BB962C8B-B14F-4D97-AF65-F5344CB8AC3E}">
+        <p14:creationId xmlns:p14="http://schemas.microsoft.com/office/powerpoint/2010/main" val="320752133"/>
+      </p:ext>
+    </p:extLst>
+  </p:cSld>
+  <p:clrMapOvr>
+    <a:masterClrMapping/>
+  </p:clrMapOvr>
 </p:sld>
 </file>
 

--- a/day 4/S4D400 - Day 4.pptx
+++ b/day 4/S4D400 - Day 4.pptx
@@ -4399,15 +4399,22 @@
           <a:p>
             <a:r>
               <a:rPr lang="en-US" sz="2400" dirty="0"/>
-              <a:t>Program Name: ZNC_XX_SUBROUTINE</a:t>
-            </a:r>
+              <a:t>Program Name: </a:t>
+            </a:r>
+            <a:r>
+              <a:rPr lang="en-US" sz="2400" dirty="0">
+                <a:hlinkClick r:id="rId2"/>
+              </a:rPr>
+              <a:t>ZNC_XX_SUBROUTINE</a:t>
+            </a:r>
+            <a:endParaRPr lang="en-US" sz="2400" dirty="0"/>
           </a:p>
         </p:txBody>
       </p:sp>
       <p:pic>
         <p:nvPicPr>
           <p:cNvPr id="2050" name="Picture 2" descr="NetCom Logo">
-            <a:hlinkClick r:id="rId2"/>
+            <a:hlinkClick r:id="rId3"/>
             <a:extLst>
               <a:ext uri="{FF2B5EF4-FFF2-40B4-BE49-F238E27FC236}">
                 <a16:creationId xmlns:a16="http://schemas.microsoft.com/office/drawing/2014/main" id="{2B8D59D5-A57D-4846-863C-31591ACCF193}"/>
@@ -4420,7 +4427,7 @@
           <p:nvPr/>
         </p:nvPicPr>
         <p:blipFill>
-          <a:blip r:embed="rId3" cstate="print">
+          <a:blip r:embed="rId4" cstate="print">
             <a:extLst>
               <a:ext uri="{28A0092B-C50C-407E-A947-70E740481C1C}">
                 <a14:useLocalDpi xmlns:a14="http://schemas.microsoft.com/office/drawing/2010/main" val="0"/>
@@ -4824,15 +4831,32 @@
           <a:p>
             <a:r>
               <a:rPr lang="en-US" sz="2400" dirty="0"/>
-              <a:t>Program Name: ZNC_XX_INCLUDE and ZNC_XX_INC_USE</a:t>
-            </a:r>
+              <a:t>Program Name: </a:t>
+            </a:r>
+            <a:r>
+              <a:rPr lang="en-US" sz="2400" dirty="0">
+                <a:hlinkClick r:id="rId2"/>
+              </a:rPr>
+              <a:t>ZNC_XX_INCLUDE</a:t>
+            </a:r>
+            <a:r>
+              <a:rPr lang="en-US" sz="2400" dirty="0"/>
+              <a:t> and </a:t>
+            </a:r>
+            <a:r>
+              <a:rPr lang="en-US" sz="2400" dirty="0">
+                <a:hlinkClick r:id="rId3"/>
+              </a:rPr>
+              <a:t>ZNC_XX_INC_USE</a:t>
+            </a:r>
+            <a:endParaRPr lang="en-US" sz="2400" dirty="0"/>
           </a:p>
         </p:txBody>
       </p:sp>
       <p:pic>
         <p:nvPicPr>
           <p:cNvPr id="2050" name="Picture 2" descr="NetCom Logo">
-            <a:hlinkClick r:id="rId2"/>
+            <a:hlinkClick r:id="rId4"/>
             <a:extLst>
               <a:ext uri="{FF2B5EF4-FFF2-40B4-BE49-F238E27FC236}">
                 <a16:creationId xmlns:a16="http://schemas.microsoft.com/office/drawing/2014/main" id="{2B8D59D5-A57D-4846-863C-31591ACCF193}"/>
@@ -4845,7 +4869,7 @@
           <p:nvPr/>
         </p:nvPicPr>
         <p:blipFill>
-          <a:blip r:embed="rId3" cstate="print">
+          <a:blip r:embed="rId5" cstate="print">
             <a:extLst>
               <a:ext uri="{28A0092B-C50C-407E-A947-70E740481C1C}">
                 <a14:useLocalDpi xmlns:a14="http://schemas.microsoft.com/office/drawing/2010/main" val="0"/>
@@ -5772,8 +5796,15 @@
             </a:pPr>
             <a:r>
               <a:rPr lang="en-US" sz="2400" dirty="0"/>
-              <a:t>Divide two numbers – ZNC_XX_DIVIDE</a:t>
-            </a:r>
+              <a:t>Divide two numbers – </a:t>
+            </a:r>
+            <a:r>
+              <a:rPr lang="en-US" sz="2400" dirty="0">
+                <a:hlinkClick r:id="rId2"/>
+              </a:rPr>
+              <a:t>ZNC_XX_DIVIDE</a:t>
+            </a:r>
+            <a:endParaRPr lang="en-US" sz="2400" dirty="0"/>
           </a:p>
           <a:p>
             <a:pPr marL="342900" indent="-342900">
@@ -5782,8 +5813,15 @@
             </a:pPr>
             <a:r>
               <a:rPr lang="en-US" sz="2400" dirty="0"/>
-              <a:t>Read business partner data by passing country - ZNC_XX_READ_BP_BY_CTRY</a:t>
-            </a:r>
+              <a:t>Read business partner data by passing country - </a:t>
+            </a:r>
+            <a:r>
+              <a:rPr lang="en-US" sz="2400" dirty="0">
+                <a:hlinkClick r:id="rId3"/>
+              </a:rPr>
+              <a:t>ZNC_XX_READ_BP_BY_CTRY</a:t>
+            </a:r>
+            <a:endParaRPr lang="en-US" sz="2400" dirty="0"/>
           </a:p>
           <a:p>
             <a:pPr marL="342900" indent="-342900">
@@ -5792,8 +5830,15 @@
             </a:pPr>
             <a:r>
               <a:rPr lang="en-US" sz="2400" dirty="0"/>
-              <a:t>Create business partner address record - ZNC_XX_CREATE_BP_ADDR</a:t>
-            </a:r>
+              <a:t>Create business partner address record - </a:t>
+            </a:r>
+            <a:r>
+              <a:rPr lang="en-US" sz="2400" dirty="0">
+                <a:hlinkClick r:id="rId4"/>
+              </a:rPr>
+              <a:t>ZNC_XX_CREATE_BP_ADDR</a:t>
+            </a:r>
+            <a:endParaRPr lang="en-US" sz="2400" dirty="0"/>
           </a:p>
           <a:p>
             <a:pPr marL="342900" indent="-342900">
@@ -5802,8 +5847,15 @@
             </a:pPr>
             <a:r>
               <a:rPr lang="en-US" sz="2400" dirty="0"/>
-              <a:t>Create a business partner - ZNC_XX_CREATE_BP</a:t>
-            </a:r>
+              <a:t>Create a business partner - </a:t>
+            </a:r>
+            <a:r>
+              <a:rPr lang="en-US" sz="2400" dirty="0">
+                <a:hlinkClick r:id="rId5"/>
+              </a:rPr>
+              <a:t>ZNC_XX_CREATE_BP</a:t>
+            </a:r>
+            <a:endParaRPr lang="en-US" sz="2400" dirty="0"/>
           </a:p>
           <a:p>
             <a:pPr marL="342900" indent="-342900">
@@ -5812,15 +5864,22 @@
             </a:pPr>
             <a:r>
               <a:rPr lang="en-US" sz="2400" dirty="0"/>
-              <a:t>Get the list of open invoices per customer in common currency, Use SAP standard function module to convert currency - ZNC_XX_GET_OPEN_INV</a:t>
-            </a:r>
+              <a:t>Get the list of open invoices per customer in common currency, Use SAP standard function module to convert currency - </a:t>
+            </a:r>
+            <a:r>
+              <a:rPr lang="en-US" sz="2400" dirty="0">
+                <a:hlinkClick r:id="rId6"/>
+              </a:rPr>
+              <a:t>ZNC_XX_GET_OPEN_INV</a:t>
+            </a:r>
+            <a:endParaRPr lang="en-US" sz="2400" dirty="0"/>
           </a:p>
         </p:txBody>
       </p:sp>
       <p:pic>
         <p:nvPicPr>
           <p:cNvPr id="2050" name="Picture 2" descr="NetCom Logo">
-            <a:hlinkClick r:id="rId2"/>
+            <a:hlinkClick r:id="rId7"/>
             <a:extLst>
               <a:ext uri="{FF2B5EF4-FFF2-40B4-BE49-F238E27FC236}">
                 <a16:creationId xmlns:a16="http://schemas.microsoft.com/office/drawing/2014/main" id="{2B8D59D5-A57D-4846-863C-31591ACCF193}"/>
@@ -5833,7 +5892,7 @@
           <p:nvPr/>
         </p:nvPicPr>
         <p:blipFill>
-          <a:blip r:embed="rId3" cstate="print">
+          <a:blip r:embed="rId8" cstate="print">
             <a:extLst>
               <a:ext uri="{28A0092B-C50C-407E-A947-70E740481C1C}">
                 <a14:useLocalDpi xmlns:a14="http://schemas.microsoft.com/office/drawing/2010/main" val="0"/>
@@ -8567,21 +8626,35 @@
           <a:p>
             <a:r>
               <a:rPr lang="en-US" sz="2400" dirty="0"/>
-              <a:t>Name: ZCL_XX_PLANE</a:t>
-            </a:r>
+              <a:t>Name: </a:t>
+            </a:r>
+            <a:r>
+              <a:rPr lang="en-US" sz="2400" dirty="0">
+                <a:hlinkClick r:id="rId2"/>
+              </a:rPr>
+              <a:t>ZCL_XX_PLANE</a:t>
+            </a:r>
+            <a:endParaRPr lang="en-US" sz="2400" dirty="0"/>
           </a:p>
           <a:p>
             <a:r>
               <a:rPr lang="en-US" sz="2400" dirty="0"/>
-              <a:t>Test Program: ZNC_XX_CLASS_CONSUME</a:t>
-            </a:r>
+              <a:t>Test Program: </a:t>
+            </a:r>
+            <a:r>
+              <a:rPr lang="en-US" sz="2400" dirty="0">
+                <a:hlinkClick r:id="rId3"/>
+              </a:rPr>
+              <a:t>ZNC_XX_CLASS_CONSUME</a:t>
+            </a:r>
+            <a:endParaRPr lang="en-US" sz="2400" dirty="0"/>
           </a:p>
         </p:txBody>
       </p:sp>
       <p:pic>
         <p:nvPicPr>
           <p:cNvPr id="2050" name="Picture 2" descr="NetCom Logo">
-            <a:hlinkClick r:id="rId2"/>
+            <a:hlinkClick r:id="rId4"/>
             <a:extLst>
               <a:ext uri="{FF2B5EF4-FFF2-40B4-BE49-F238E27FC236}">
                 <a16:creationId xmlns:a16="http://schemas.microsoft.com/office/drawing/2014/main" id="{2B8D59D5-A57D-4846-863C-31591ACCF193}"/>
@@ -8594,7 +8667,7 @@
           <p:nvPr/>
         </p:nvPicPr>
         <p:blipFill>
-          <a:blip r:embed="rId3" cstate="print">
+          <a:blip r:embed="rId5" cstate="print">
             <a:extLst>
               <a:ext uri="{28A0092B-C50C-407E-A947-70E740481C1C}">
                 <a14:useLocalDpi xmlns:a14="http://schemas.microsoft.com/office/drawing/2010/main" val="0"/>
@@ -8641,11 +8714,11 @@
           <p:nvPr/>
         </p:nvPicPr>
         <p:blipFill rotWithShape="1">
-          <a:blip r:embed="rId4">
+          <a:blip r:embed="rId6">
             <a:extLst>
               <a:ext uri="{BEBA8EAE-BF5A-486C-A8C5-ECC9F3942E4B}">
                 <a14:imgProps xmlns:a14="http://schemas.microsoft.com/office/drawing/2010/main">
-                  <a14:imgLayer r:embed="rId5">
+                  <a14:imgLayer r:embed="rId7">
                     <a14:imgEffect>
                       <a14:saturation sat="0"/>
                     </a14:imgEffect>
@@ -9389,14 +9462,28 @@
           <a:p>
             <a:r>
               <a:rPr lang="en-US" sz="2000" dirty="0"/>
-              <a:t>Child Class Names: ZCL_XX_PASS_PLANE</a:t>
-            </a:r>
+              <a:t>Child Class Names: </a:t>
+            </a:r>
+            <a:r>
+              <a:rPr lang="en-US" sz="2000" dirty="0">
+                <a:hlinkClick r:id="rId6"/>
+              </a:rPr>
+              <a:t>ZCL_XX_PASS_PLANE</a:t>
+            </a:r>
+            <a:endParaRPr lang="en-US" sz="2000" dirty="0"/>
           </a:p>
           <a:p>
             <a:r>
               <a:rPr lang="en-US" sz="2000" dirty="0"/>
-              <a:t>		   ZCL_XX_CARGO_PLANE</a:t>
-            </a:r>
+              <a:t>		   </a:t>
+            </a:r>
+            <a:r>
+              <a:rPr lang="en-US" sz="2000" dirty="0">
+                <a:hlinkClick r:id="rId7"/>
+              </a:rPr>
+              <a:t>ZCL_XX_CARGO_PLANE</a:t>
+            </a:r>
+            <a:endParaRPr lang="en-US" sz="2000" dirty="0"/>
           </a:p>
         </p:txBody>
       </p:sp>
@@ -9837,8 +9924,15 @@
             </a:pPr>
             <a:r>
               <a:rPr lang="en-US" dirty="0"/>
-              <a:t>Create a new Passenger class ZCL_XX_PASSENGER</a:t>
-            </a:r>
+              <a:t>Create a new Passenger class </a:t>
+            </a:r>
+            <a:r>
+              <a:rPr lang="en-US" dirty="0">
+                <a:hlinkClick r:id="rId2"/>
+              </a:rPr>
+              <a:t>ZCL_XX_PASSENGER</a:t>
+            </a:r>
+            <a:endParaRPr lang="en-US" dirty="0"/>
           </a:p>
           <a:p>
             <a:pPr marL="342900" indent="-342900">
@@ -9863,8 +9957,15 @@
             </a:pPr>
             <a:r>
               <a:rPr lang="en-US" dirty="0"/>
-              <a:t>Create a new Wings class ZCL_XX_WINGS</a:t>
-            </a:r>
+              <a:t>Create a new Wings class </a:t>
+            </a:r>
+            <a:r>
+              <a:rPr lang="en-US" dirty="0">
+                <a:hlinkClick r:id="rId3"/>
+              </a:rPr>
+              <a:t>ZCL_XX_WINGS</a:t>
+            </a:r>
+            <a:endParaRPr lang="en-US" dirty="0"/>
           </a:p>
           <a:p>
             <a:pPr marL="342900" indent="-342900">
@@ -9884,7 +9985,7 @@
       <p:pic>
         <p:nvPicPr>
           <p:cNvPr id="2050" name="Picture 2" descr="NetCom Logo">
-            <a:hlinkClick r:id="rId2"/>
+            <a:hlinkClick r:id="rId4"/>
             <a:extLst>
               <a:ext uri="{FF2B5EF4-FFF2-40B4-BE49-F238E27FC236}">
                 <a16:creationId xmlns:a16="http://schemas.microsoft.com/office/drawing/2014/main" id="{2B8D59D5-A57D-4846-863C-31591ACCF193}"/>
@@ -9897,7 +9998,7 @@
           <p:nvPr/>
         </p:nvPicPr>
         <p:blipFill>
-          <a:blip r:embed="rId3" cstate="print">
+          <a:blip r:embed="rId5" cstate="print">
             <a:extLst>
               <a:ext uri="{28A0092B-C50C-407E-A947-70E740481C1C}">
                 <a14:useLocalDpi xmlns:a14="http://schemas.microsoft.com/office/drawing/2010/main" val="0"/>
@@ -9944,11 +10045,11 @@
           <p:nvPr/>
         </p:nvPicPr>
         <p:blipFill>
-          <a:blip r:embed="rId4">
+          <a:blip r:embed="rId6">
             <a:extLst>
               <a:ext uri="{BEBA8EAE-BF5A-486C-A8C5-ECC9F3942E4B}">
                 <a14:imgProps xmlns:a14="http://schemas.microsoft.com/office/drawing/2010/main">
-                  <a14:imgLayer r:embed="rId5">
+                  <a14:imgLayer r:embed="rId7">
                     <a14:imgEffect>
                       <a14:saturation sat="0"/>
                     </a14:imgEffect>
@@ -12198,15 +12299,22 @@
           <a:p>
             <a:r>
               <a:rPr lang="en-US" sz="2400" dirty="0"/>
-              <a:t>PROGRAM NAME: ZNC_XX_SELECT_ADV</a:t>
-            </a:r>
+              <a:t>PROGRAM NAME: </a:t>
+            </a:r>
+            <a:r>
+              <a:rPr lang="en-US" sz="2400" dirty="0">
+                <a:hlinkClick r:id="rId2"/>
+              </a:rPr>
+              <a:t>ZNC_XX_SELECT_ADV</a:t>
+            </a:r>
+            <a:endParaRPr lang="en-US" sz="2400" dirty="0"/>
           </a:p>
         </p:txBody>
       </p:sp>
       <p:pic>
         <p:nvPicPr>
           <p:cNvPr id="2050" name="Picture 2" descr="NetCom Logo">
-            <a:hlinkClick r:id="rId2"/>
+            <a:hlinkClick r:id="rId3"/>
             <a:extLst>
               <a:ext uri="{FF2B5EF4-FFF2-40B4-BE49-F238E27FC236}">
                 <a16:creationId xmlns:a16="http://schemas.microsoft.com/office/drawing/2014/main" id="{2B8D59D5-A57D-4846-863C-31591ACCF193}"/>
@@ -12219,7 +12327,7 @@
           <p:nvPr/>
         </p:nvPicPr>
         <p:blipFill>
-          <a:blip r:embed="rId3" cstate="print">
+          <a:blip r:embed="rId4" cstate="print">
             <a:extLst>
               <a:ext uri="{28A0092B-C50C-407E-A947-70E740481C1C}">
                 <a14:useLocalDpi xmlns:a14="http://schemas.microsoft.com/office/drawing/2010/main" val="0"/>

--- a/day 4/S4D400 - Day 4.pptx
+++ b/day 4/S4D400 - Day 4.pptx
@@ -229,7 +229,7 @@
           <a:p>
             <a:fld id="{4AF2A06D-4991-4208-8C88-4E8BAD69A8B8}" type="datetimeFigureOut">
               <a:rPr lang="en-US" smtClean="0"/>
-              <a:t>11/15/2020</a:t>
+              <a:t>11/19/2020</a:t>
             </a:fld>
             <a:endParaRPr lang="en-US"/>
           </a:p>
@@ -853,7 +853,7 @@
           <a:p>
             <a:fld id="{E26E0DA5-0C76-4851-AA82-0B75261F9EB4}" type="datetimeFigureOut">
               <a:rPr lang="en-US" smtClean="0"/>
-              <a:t>11/15/2020</a:t>
+              <a:t>11/19/2020</a:t>
             </a:fld>
             <a:endParaRPr lang="en-US"/>
           </a:p>
@@ -1021,7 +1021,7 @@
           <a:p>
             <a:fld id="{E26E0DA5-0C76-4851-AA82-0B75261F9EB4}" type="datetimeFigureOut">
               <a:rPr lang="en-US" smtClean="0"/>
-              <a:t>11/15/2020</a:t>
+              <a:t>11/19/2020</a:t>
             </a:fld>
             <a:endParaRPr lang="en-US"/>
           </a:p>
@@ -1199,7 +1199,7 @@
           <a:p>
             <a:fld id="{E26E0DA5-0C76-4851-AA82-0B75261F9EB4}" type="datetimeFigureOut">
               <a:rPr lang="en-US" smtClean="0"/>
-              <a:t>11/15/2020</a:t>
+              <a:t>11/19/2020</a:t>
             </a:fld>
             <a:endParaRPr lang="en-US"/>
           </a:p>
@@ -1367,7 +1367,7 @@
           <a:p>
             <a:fld id="{E26E0DA5-0C76-4851-AA82-0B75261F9EB4}" type="datetimeFigureOut">
               <a:rPr lang="en-US" smtClean="0"/>
-              <a:t>11/15/2020</a:t>
+              <a:t>11/19/2020</a:t>
             </a:fld>
             <a:endParaRPr lang="en-US"/>
           </a:p>
@@ -1612,7 +1612,7 @@
           <a:p>
             <a:fld id="{E26E0DA5-0C76-4851-AA82-0B75261F9EB4}" type="datetimeFigureOut">
               <a:rPr lang="en-US" smtClean="0"/>
-              <a:t>11/15/2020</a:t>
+              <a:t>11/19/2020</a:t>
             </a:fld>
             <a:endParaRPr lang="en-US"/>
           </a:p>
@@ -1841,7 +1841,7 @@
           <a:p>
             <a:fld id="{E26E0DA5-0C76-4851-AA82-0B75261F9EB4}" type="datetimeFigureOut">
               <a:rPr lang="en-US" smtClean="0"/>
-              <a:t>11/15/2020</a:t>
+              <a:t>11/19/2020</a:t>
             </a:fld>
             <a:endParaRPr lang="en-US"/>
           </a:p>
@@ -2205,7 +2205,7 @@
           <a:p>
             <a:fld id="{E26E0DA5-0C76-4851-AA82-0B75261F9EB4}" type="datetimeFigureOut">
               <a:rPr lang="en-US" smtClean="0"/>
-              <a:t>11/15/2020</a:t>
+              <a:t>11/19/2020</a:t>
             </a:fld>
             <a:endParaRPr lang="en-US"/>
           </a:p>
@@ -2322,7 +2322,7 @@
           <a:p>
             <a:fld id="{E26E0DA5-0C76-4851-AA82-0B75261F9EB4}" type="datetimeFigureOut">
               <a:rPr lang="en-US" smtClean="0"/>
-              <a:t>11/15/2020</a:t>
+              <a:t>11/19/2020</a:t>
             </a:fld>
             <a:endParaRPr lang="en-US"/>
           </a:p>
@@ -2417,7 +2417,7 @@
           <a:p>
             <a:fld id="{E26E0DA5-0C76-4851-AA82-0B75261F9EB4}" type="datetimeFigureOut">
               <a:rPr lang="en-US" smtClean="0"/>
-              <a:t>11/15/2020</a:t>
+              <a:t>11/19/2020</a:t>
             </a:fld>
             <a:endParaRPr lang="en-US"/>
           </a:p>
@@ -2692,7 +2692,7 @@
           <a:p>
             <a:fld id="{E26E0DA5-0C76-4851-AA82-0B75261F9EB4}" type="datetimeFigureOut">
               <a:rPr lang="en-US" smtClean="0"/>
-              <a:t>11/15/2020</a:t>
+              <a:t>11/19/2020</a:t>
             </a:fld>
             <a:endParaRPr lang="en-US"/>
           </a:p>
@@ -2944,7 +2944,7 @@
           <a:p>
             <a:fld id="{E26E0DA5-0C76-4851-AA82-0B75261F9EB4}" type="datetimeFigureOut">
               <a:rPr lang="en-US" smtClean="0"/>
-              <a:t>11/15/2020</a:t>
+              <a:t>11/19/2020</a:t>
             </a:fld>
             <a:endParaRPr lang="en-US"/>
           </a:p>
@@ -3155,7 +3155,7 @@
           <a:p>
             <a:fld id="{E26E0DA5-0C76-4851-AA82-0B75261F9EB4}" type="datetimeFigureOut">
               <a:rPr lang="en-US" smtClean="0"/>
-              <a:t>11/15/2020</a:t>
+              <a:t>11/19/2020</a:t>
             </a:fld>
             <a:endParaRPr lang="en-US"/>
           </a:p>
@@ -5771,7 +5771,7 @@
         <p:spPr>
           <a:xfrm>
             <a:off x="401216" y="982353"/>
-            <a:ext cx="11542905" cy="2677656"/>
+            <a:ext cx="11542905" cy="3046988"/>
           </a:xfrm>
           <a:prstGeom prst="rect">
             <a:avLst/>
@@ -5862,15 +5862,20 @@
               <a:buFontTx/>
               <a:buChar char="-"/>
             </a:pPr>
+            <a:endParaRPr lang="en-US" sz="2400" dirty="0"/>
+          </a:p>
+          <a:p>
             <a:r>
               <a:rPr lang="en-US" sz="2400" dirty="0"/>
-              <a:t>Get the list of open invoices per customer in common currency, Use SAP standard function module to convert currency - </a:t>
-            </a:r>
+              <a:t>Program to consume the FMs</a:t>
+            </a:r>
+          </a:p>
+          <a:p>
             <a:r>
               <a:rPr lang="en-US" sz="2400" dirty="0">
                 <a:hlinkClick r:id="rId6"/>
               </a:rPr>
-              <a:t>ZNC_XX_GET_OPEN_INV</a:t>
+              <a:t>ZNC_XX_CALL_FM</a:t>
             </a:r>
             <a:endParaRPr lang="en-US" sz="2400" dirty="0"/>
           </a:p>

--- a/day 4/S4D400 - Day 4.pptx
+++ b/day 4/S4D400 - Day 4.pptx
@@ -5,7 +5,7 @@
     <p:sldMasterId id="2147483648" r:id="rId1"/>
   </p:sldMasterIdLst>
   <p:notesMasterIdLst>
-    <p:notesMasterId r:id="rId35"/>
+    <p:notesMasterId r:id="rId36"/>
   </p:notesMasterIdLst>
   <p:sldIdLst>
     <p:sldId id="256" r:id="rId2"/>
@@ -27,20 +27,21 @@
     <p:sldId id="419" r:id="rId18"/>
     <p:sldId id="572" r:id="rId19"/>
     <p:sldId id="573" r:id="rId20"/>
-    <p:sldId id="574" r:id="rId21"/>
-    <p:sldId id="575" r:id="rId22"/>
-    <p:sldId id="576" r:id="rId23"/>
-    <p:sldId id="577" r:id="rId24"/>
-    <p:sldId id="578" r:id="rId25"/>
-    <p:sldId id="579" r:id="rId26"/>
-    <p:sldId id="580" r:id="rId27"/>
-    <p:sldId id="581" r:id="rId28"/>
-    <p:sldId id="593" r:id="rId29"/>
-    <p:sldId id="594" r:id="rId30"/>
-    <p:sldId id="557" r:id="rId31"/>
-    <p:sldId id="462" r:id="rId32"/>
-    <p:sldId id="399" r:id="rId33"/>
-    <p:sldId id="409" r:id="rId34"/>
+    <p:sldId id="595" r:id="rId21"/>
+    <p:sldId id="574" r:id="rId22"/>
+    <p:sldId id="575" r:id="rId23"/>
+    <p:sldId id="576" r:id="rId24"/>
+    <p:sldId id="577" r:id="rId25"/>
+    <p:sldId id="578" r:id="rId26"/>
+    <p:sldId id="579" r:id="rId27"/>
+    <p:sldId id="580" r:id="rId28"/>
+    <p:sldId id="581" r:id="rId29"/>
+    <p:sldId id="593" r:id="rId30"/>
+    <p:sldId id="594" r:id="rId31"/>
+    <p:sldId id="557" r:id="rId32"/>
+    <p:sldId id="462" r:id="rId33"/>
+    <p:sldId id="399" r:id="rId34"/>
+    <p:sldId id="409" r:id="rId35"/>
   </p:sldIdLst>
   <p:sldSz cx="12192000" cy="6858000"/>
   <p:notesSz cx="6858000" cy="9144000"/>
@@ -692,7 +693,7 @@
                 <a:tabLst/>
                 <a:defRPr/>
               </a:pPr>
-              <a:t>33</a:t>
+              <a:t>34</a:t>
             </a:fld>
             <a:endParaRPr kumimoji="0" lang="en-US" sz="1200" b="0" i="0" u="none" strike="noStrike" kern="1200" cap="none" spc="0" normalizeH="0" baseline="0" noProof="0">
               <a:ln>
@@ -7878,100 +7879,59 @@
       </p:grpSpPr>
       <p:sp>
         <p:nvSpPr>
-          <p:cNvPr id="2" name="Title 3">
-            <a:extLst>
-              <a:ext uri="{FF2B5EF4-FFF2-40B4-BE49-F238E27FC236}">
-                <a16:creationId xmlns:a16="http://schemas.microsoft.com/office/drawing/2014/main" id="{F07FC580-E2AB-4C55-8C95-D5E077A1D127}"/>
-              </a:ext>
-            </a:extLst>
-          </p:cNvPr>
-          <p:cNvSpPr txBox="1">
-            <a:spLocks/>
-          </p:cNvSpPr>
+          <p:cNvPr id="2" name="Rectangle: Rounded Corners 1">
+            <a:extLst>
+              <a:ext uri="{FF2B5EF4-FFF2-40B4-BE49-F238E27FC236}">
+                <a16:creationId xmlns:a16="http://schemas.microsoft.com/office/drawing/2014/main" id="{0744CC69-40C6-46D6-87F9-36E6BFF544A4}"/>
+              </a:ext>
+            </a:extLst>
+          </p:cNvPr>
+          <p:cNvSpPr/>
           <p:nvPr/>
         </p:nvSpPr>
         <p:spPr>
           <a:xfrm>
-            <a:off x="261764" y="188640"/>
-            <a:ext cx="11292008" cy="711081"/>
-          </a:xfrm>
-          <a:prstGeom prst="rect">
+            <a:off x="4943856" y="1371600"/>
+            <a:ext cx="2816352" cy="719328"/>
+          </a:xfrm>
+          <a:prstGeom prst="roundRect">
             <a:avLst/>
           </a:prstGeom>
         </p:spPr>
-        <p:txBody>
-          <a:bodyPr/>
-          <a:lstStyle>
-            <a:lvl1pPr algn="l" defTabSz="914400" rtl="0" eaLnBrk="1" latinLnBrk="0" hangingPunct="1">
-              <a:lnSpc>
-                <a:spcPct val="90000"/>
-              </a:lnSpc>
-              <a:spcBef>
-                <a:spcPct val="0"/>
-              </a:spcBef>
-              <a:buNone/>
-              <a:defRPr sz="4400" kern="1200">
-                <a:solidFill>
-                  <a:schemeClr val="tx1"/>
-                </a:solidFill>
-                <a:latin typeface="+mj-lt"/>
-                <a:ea typeface="+mj-ea"/>
-                <a:cs typeface="+mj-cs"/>
-              </a:defRPr>
-            </a:lvl1pPr>
-          </a:lstStyle>
-          <a:p>
-            <a:r>
-              <a:rPr lang="en-US" b="1" dirty="0"/>
-              <a:t>Working with class objects</a:t>
-            </a:r>
-          </a:p>
-        </p:txBody>
-      </p:sp>
-      <p:sp>
-        <p:nvSpPr>
-          <p:cNvPr id="4" name="Footer Placeholder 45">
-            <a:extLst>
-              <a:ext uri="{FF2B5EF4-FFF2-40B4-BE49-F238E27FC236}">
-                <a16:creationId xmlns:a16="http://schemas.microsoft.com/office/drawing/2014/main" id="{90E33047-DFF5-4690-8905-31E4C115EFDC}"/>
-              </a:ext>
-            </a:extLst>
-          </p:cNvPr>
-          <p:cNvSpPr>
-            <a:spLocks noGrp="1"/>
-          </p:cNvSpPr>
-          <p:nvPr>
-            <p:ph type="ftr" sz="quarter" idx="11"/>
-          </p:nvPr>
-        </p:nvSpPr>
-        <p:spPr>
-          <a:xfrm>
-            <a:off x="10123055" y="6548582"/>
-            <a:ext cx="2225295" cy="203620"/>
-          </a:xfrm>
-        </p:spPr>
-        <p:txBody>
-          <a:bodyPr/>
+        <p:style>
+          <a:lnRef idx="2">
+            <a:schemeClr val="accent1">
+              <a:shade val="50000"/>
+            </a:schemeClr>
+          </a:lnRef>
+          <a:fillRef idx="1">
+            <a:schemeClr val="accent1"/>
+          </a:fillRef>
+          <a:effectRef idx="0">
+            <a:schemeClr val="accent1"/>
+          </a:effectRef>
+          <a:fontRef idx="minor">
+            <a:schemeClr val="lt1"/>
+          </a:fontRef>
+        </p:style>
+        <p:txBody>
+          <a:bodyPr rtlCol="0" anchor="ctr"/>
           <a:lstStyle/>
           <a:p>
-            <a:r>
-              <a:rPr lang="en-US" b="1" dirty="0">
-                <a:solidFill>
-                  <a:schemeClr val="tx1"/>
-                </a:solidFill>
-              </a:rPr>
-              <a:t>Trainer: Anubhav Oberoy</a:t>
+            <a:pPr algn="ctr"/>
+            <a:r>
+              <a:rPr lang="en-US" dirty="0"/>
+              <a:t>Plane</a:t>
             </a:r>
           </a:p>
         </p:txBody>
       </p:sp>
       <p:pic>
         <p:nvPicPr>
-          <p:cNvPr id="2050" name="Picture 2" descr="NetCom Logo">
-            <a:hlinkClick r:id="rId2"/>
-            <a:extLst>
-              <a:ext uri="{FF2B5EF4-FFF2-40B4-BE49-F238E27FC236}">
-                <a16:creationId xmlns:a16="http://schemas.microsoft.com/office/drawing/2014/main" id="{2B8D59D5-A57D-4846-863C-31591ACCF193}"/>
+          <p:cNvPr id="2052" name="Picture 4" descr="Pin on Cool Wallpapers">
+            <a:extLst>
+              <a:ext uri="{FF2B5EF4-FFF2-40B4-BE49-F238E27FC236}">
+                <a16:creationId xmlns:a16="http://schemas.microsoft.com/office/drawing/2014/main" id="{0AB63256-3A29-4CC5-8E83-6223F9037673}"/>
               </a:ext>
             </a:extLst>
           </p:cNvPr>
@@ -7981,7 +7941,7 @@
           <p:nvPr/>
         </p:nvPicPr>
         <p:blipFill>
-          <a:blip r:embed="rId3" cstate="print">
+          <a:blip r:embed="rId2">
             <a:extLst>
               <a:ext uri="{28A0092B-C50C-407E-A947-70E740481C1C}">
                 <a14:useLocalDpi xmlns:a14="http://schemas.microsoft.com/office/drawing/2010/main" val="0"/>
@@ -7995,8 +7955,8 @@
         </p:blipFill>
         <p:spPr bwMode="auto">
           <a:xfrm>
-            <a:off x="9485308" y="105798"/>
-            <a:ext cx="2444928" cy="656107"/>
+            <a:off x="231899" y="2465696"/>
+            <a:ext cx="4236999" cy="2574252"/>
           </a:xfrm>
           <a:prstGeom prst="rect">
             <a:avLst/>
@@ -8015,50 +7975,102 @@
       </p:pic>
       <p:pic>
         <p:nvPicPr>
-          <p:cNvPr id="6" name="Picture 5">
-            <a:extLst>
-              <a:ext uri="{FF2B5EF4-FFF2-40B4-BE49-F238E27FC236}">
-                <a16:creationId xmlns:a16="http://schemas.microsoft.com/office/drawing/2014/main" id="{AD85A751-9658-4A1B-A91A-6A7AAB5E68FB}"/>
+          <p:cNvPr id="2054" name="Picture 6" descr="Sea Duck (from the old cartoon, TaleSpin) - WattFlyer RC Electric Flight  Forums - Discuss radio control eflight">
+            <a:extLst>
+              <a:ext uri="{FF2B5EF4-FFF2-40B4-BE49-F238E27FC236}">
+                <a16:creationId xmlns:a16="http://schemas.microsoft.com/office/drawing/2014/main" id="{322A426A-4A75-428D-82EF-E7411E64EBC2}"/>
               </a:ext>
             </a:extLst>
           </p:cNvPr>
           <p:cNvPicPr>
-            <a:picLocks noChangeAspect="1"/>
+            <a:picLocks noChangeAspect="1" noChangeArrowheads="1"/>
+          </p:cNvPicPr>
+          <p:nvPr/>
+        </p:nvPicPr>
+        <p:blipFill>
+          <a:blip r:embed="rId3">
+            <a:extLst>
+              <a:ext uri="{28A0092B-C50C-407E-A947-70E740481C1C}">
+                <a14:useLocalDpi xmlns:a14="http://schemas.microsoft.com/office/drawing/2010/main" val="0"/>
+              </a:ext>
+            </a:extLst>
+          </a:blip>
+          <a:srcRect/>
+          <a:stretch>
+            <a:fillRect/>
+          </a:stretch>
+        </p:blipFill>
+        <p:spPr bwMode="auto">
+          <a:xfrm>
+            <a:off x="4831794" y="2465696"/>
+            <a:ext cx="3069246" cy="2574253"/>
+          </a:xfrm>
+          <a:prstGeom prst="rect">
+            <a:avLst/>
+          </a:prstGeom>
+          <a:noFill/>
+          <a:extLst>
+            <a:ext uri="{909E8E84-426E-40DD-AFC4-6F175D3DCCD1}">
+              <a14:hiddenFill xmlns:a14="http://schemas.microsoft.com/office/drawing/2010/main">
+                <a:solidFill>
+                  <a:srgbClr val="FFFFFF"/>
+                </a:solidFill>
+              </a14:hiddenFill>
+            </a:ext>
+          </a:extLst>
+        </p:spPr>
+      </p:pic>
+      <p:pic>
+        <p:nvPicPr>
+          <p:cNvPr id="2056" name="Picture 8" descr="Cartoon Airplanes - X-Jet, Magic School Bus, Batwing, 80s and 90s cartoons  - Thrillist">
+            <a:extLst>
+              <a:ext uri="{FF2B5EF4-FFF2-40B4-BE49-F238E27FC236}">
+                <a16:creationId xmlns:a16="http://schemas.microsoft.com/office/drawing/2014/main" id="{446CCAB5-F30D-43A4-9C97-460F5E9DBC6F}"/>
+              </a:ext>
+            </a:extLst>
+          </p:cNvPr>
+          <p:cNvPicPr>
+            <a:picLocks noChangeAspect="1" noChangeArrowheads="1"/>
           </p:cNvPicPr>
           <p:nvPr/>
         </p:nvPicPr>
         <p:blipFill>
           <a:blip r:embed="rId4">
             <a:extLst>
-              <a:ext uri="{BEBA8EAE-BF5A-486C-A8C5-ECC9F3942E4B}">
-                <a14:imgProps xmlns:a14="http://schemas.microsoft.com/office/drawing/2010/main">
-                  <a14:imgLayer r:embed="rId5">
-                    <a14:imgEffect>
-                      <a14:saturation sat="0"/>
-                    </a14:imgEffect>
-                  </a14:imgLayer>
-                </a14:imgProps>
+              <a:ext uri="{28A0092B-C50C-407E-A947-70E740481C1C}">
+                <a14:useLocalDpi xmlns:a14="http://schemas.microsoft.com/office/drawing/2010/main" val="0"/>
               </a:ext>
             </a:extLst>
           </a:blip>
+          <a:srcRect/>
           <a:stretch>
             <a:fillRect/>
           </a:stretch>
         </p:blipFill>
-        <p:spPr>
-          <a:xfrm>
-            <a:off x="2374069" y="1385489"/>
-            <a:ext cx="7443861" cy="4401693"/>
+        <p:spPr bwMode="auto">
+          <a:xfrm>
+            <a:off x="8392577" y="2465697"/>
+            <a:ext cx="3494233" cy="2574254"/>
           </a:xfrm>
           <a:prstGeom prst="rect">
             <a:avLst/>
           </a:prstGeom>
+          <a:noFill/>
+          <a:extLst>
+            <a:ext uri="{909E8E84-426E-40DD-AFC4-6F175D3DCCD1}">
+              <a14:hiddenFill xmlns:a14="http://schemas.microsoft.com/office/drawing/2010/main">
+                <a:solidFill>
+                  <a:srgbClr val="FFFFFF"/>
+                </a:solidFill>
+              </a14:hiddenFill>
+            </a:ext>
+          </a:extLst>
         </p:spPr>
       </p:pic>
     </p:spTree>
     <p:extLst>
       <p:ext uri="{BB962C8B-B14F-4D97-AF65-F5344CB8AC3E}">
-        <p14:creationId xmlns:p14="http://schemas.microsoft.com/office/powerpoint/2010/main" val="2991357508"/>
+        <p14:creationId xmlns:p14="http://schemas.microsoft.com/office/powerpoint/2010/main" val="2663246474"/>
       </p:ext>
     </p:extLst>
   </p:cSld>
@@ -8132,7 +8144,7 @@
           <a:p>
             <a:r>
               <a:rPr lang="en-US" b="1" dirty="0"/>
-              <a:t>Each object is different</a:t>
+              <a:t>Working with class objects</a:t>
             </a:r>
           </a:p>
         </p:txBody>
@@ -8227,7 +8239,7 @@
           <p:cNvPr id="6" name="Picture 5">
             <a:extLst>
               <a:ext uri="{FF2B5EF4-FFF2-40B4-BE49-F238E27FC236}">
-                <a16:creationId xmlns:a16="http://schemas.microsoft.com/office/drawing/2014/main" id="{845EEB35-959E-426C-9B58-4B9918BA4E70}"/>
+                <a16:creationId xmlns:a16="http://schemas.microsoft.com/office/drawing/2014/main" id="{AD85A751-9658-4A1B-A91A-6A7AAB5E68FB}"/>
               </a:ext>
             </a:extLst>
           </p:cNvPr>
@@ -8256,8 +8268,8 @@
         </p:blipFill>
         <p:spPr>
           <a:xfrm>
-            <a:off x="1812370" y="1133034"/>
-            <a:ext cx="8791194" cy="5517358"/>
+            <a:off x="2374069" y="1385489"/>
+            <a:ext cx="7443861" cy="4401693"/>
           </a:xfrm>
           <a:prstGeom prst="rect">
             <a:avLst/>
@@ -8267,7 +8279,7 @@
     </p:spTree>
     <p:extLst>
       <p:ext uri="{BB962C8B-B14F-4D97-AF65-F5344CB8AC3E}">
-        <p14:creationId xmlns:p14="http://schemas.microsoft.com/office/powerpoint/2010/main" val="3752231416"/>
+        <p14:creationId xmlns:p14="http://schemas.microsoft.com/office/powerpoint/2010/main" val="2991357508"/>
       </p:ext>
     </p:extLst>
   </p:cSld>
@@ -8341,7 +8353,7 @@
           <a:p>
             <a:r>
               <a:rPr lang="en-US" b="1" dirty="0"/>
-              <a:t>A Class method</a:t>
+              <a:t>Each object is different</a:t>
             </a:r>
           </a:p>
         </p:txBody>
@@ -8436,7 +8448,7 @@
           <p:cNvPr id="6" name="Picture 5">
             <a:extLst>
               <a:ext uri="{FF2B5EF4-FFF2-40B4-BE49-F238E27FC236}">
-                <a16:creationId xmlns:a16="http://schemas.microsoft.com/office/drawing/2014/main" id="{B306E982-DF6C-486B-9883-425DDE6AB37B}"/>
+                <a16:creationId xmlns:a16="http://schemas.microsoft.com/office/drawing/2014/main" id="{845EEB35-959E-426C-9B58-4B9918BA4E70}"/>
               </a:ext>
             </a:extLst>
           </p:cNvPr>
@@ -8465,8 +8477,8 @@
         </p:blipFill>
         <p:spPr>
           <a:xfrm>
-            <a:off x="2666703" y="1822565"/>
-            <a:ext cx="6858594" cy="3212870"/>
+            <a:off x="1812370" y="1133034"/>
+            <a:ext cx="8791194" cy="5517358"/>
           </a:xfrm>
           <a:prstGeom prst="rect">
             <a:avLst/>
@@ -8476,7 +8488,7 @@
     </p:spTree>
     <p:extLst>
       <p:ext uri="{BB962C8B-B14F-4D97-AF65-F5344CB8AC3E}">
-        <p14:creationId xmlns:p14="http://schemas.microsoft.com/office/powerpoint/2010/main" val="2314806276"/>
+        <p14:creationId xmlns:p14="http://schemas.microsoft.com/office/powerpoint/2010/main" val="3752231416"/>
       </p:ext>
     </p:extLst>
   </p:cSld>
@@ -8550,7 +8562,7 @@
           <a:p>
             <a:r>
               <a:rPr lang="en-US" b="1" dirty="0"/>
-              <a:t>Exercise – Create Class</a:t>
+              <a:t>A Class method</a:t>
             </a:r>
           </a:p>
         </p:txBody>
@@ -8592,74 +8604,10 @@
           </a:p>
         </p:txBody>
       </p:sp>
-      <p:sp>
-        <p:nvSpPr>
-          <p:cNvPr id="5" name="TextBox 4">
-            <a:extLst>
-              <a:ext uri="{FF2B5EF4-FFF2-40B4-BE49-F238E27FC236}">
-                <a16:creationId xmlns:a16="http://schemas.microsoft.com/office/drawing/2014/main" id="{27E5B41D-1DDF-48C9-A5AF-075F84492B68}"/>
-              </a:ext>
-            </a:extLst>
-          </p:cNvPr>
-          <p:cNvSpPr txBox="1"/>
-          <p:nvPr/>
-        </p:nvSpPr>
-        <p:spPr>
-          <a:xfrm>
-            <a:off x="401216" y="982353"/>
-            <a:ext cx="11542905" cy="1569660"/>
-          </a:xfrm>
-          <a:prstGeom prst="rect">
-            <a:avLst/>
-          </a:prstGeom>
-          <a:noFill/>
-        </p:spPr>
-        <p:txBody>
-          <a:bodyPr wrap="square" rtlCol="0">
-            <a:spAutoFit/>
-          </a:bodyPr>
-          <a:lstStyle/>
-          <a:p>
-            <a:r>
-              <a:rPr lang="en-US" sz="2400" dirty="0"/>
-              <a:t>Create a simple plane class</a:t>
-            </a:r>
-          </a:p>
-          <a:p>
-            <a:endParaRPr lang="en-US" sz="2400" dirty="0"/>
-          </a:p>
-          <a:p>
-            <a:r>
-              <a:rPr lang="en-US" sz="2400" dirty="0"/>
-              <a:t>Name: </a:t>
-            </a:r>
-            <a:r>
-              <a:rPr lang="en-US" sz="2400" dirty="0">
-                <a:hlinkClick r:id="rId2"/>
-              </a:rPr>
-              <a:t>ZCL_XX_PLANE</a:t>
-            </a:r>
-            <a:endParaRPr lang="en-US" sz="2400" dirty="0"/>
-          </a:p>
-          <a:p>
-            <a:r>
-              <a:rPr lang="en-US" sz="2400" dirty="0"/>
-              <a:t>Test Program: </a:t>
-            </a:r>
-            <a:r>
-              <a:rPr lang="en-US" sz="2400" dirty="0">
-                <a:hlinkClick r:id="rId3"/>
-              </a:rPr>
-              <a:t>ZNC_XX_CLASS_CONSUME</a:t>
-            </a:r>
-            <a:endParaRPr lang="en-US" sz="2400" dirty="0"/>
-          </a:p>
-        </p:txBody>
-      </p:sp>
       <p:pic>
         <p:nvPicPr>
           <p:cNvPr id="2050" name="Picture 2" descr="NetCom Logo">
-            <a:hlinkClick r:id="rId4"/>
+            <a:hlinkClick r:id="rId2"/>
             <a:extLst>
               <a:ext uri="{FF2B5EF4-FFF2-40B4-BE49-F238E27FC236}">
                 <a16:creationId xmlns:a16="http://schemas.microsoft.com/office/drawing/2014/main" id="{2B8D59D5-A57D-4846-863C-31591ACCF193}"/>
@@ -8672,7 +8620,7 @@
           <p:nvPr/>
         </p:nvPicPr>
         <p:blipFill>
-          <a:blip r:embed="rId5" cstate="print">
+          <a:blip r:embed="rId3" cstate="print">
             <a:extLst>
               <a:ext uri="{28A0092B-C50C-407E-A947-70E740481C1C}">
                 <a14:useLocalDpi xmlns:a14="http://schemas.microsoft.com/office/drawing/2010/main" val="0"/>
@@ -8706,10 +8654,10 @@
       </p:pic>
       <p:pic>
         <p:nvPicPr>
-          <p:cNvPr id="3" name="Picture 2">
-            <a:extLst>
-              <a:ext uri="{FF2B5EF4-FFF2-40B4-BE49-F238E27FC236}">
-                <a16:creationId xmlns:a16="http://schemas.microsoft.com/office/drawing/2014/main" id="{F726D7A2-6525-4D48-8C7B-BDD6AAECF135}"/>
+          <p:cNvPr id="6" name="Picture 5">
+            <a:extLst>
+              <a:ext uri="{FF2B5EF4-FFF2-40B4-BE49-F238E27FC236}">
+                <a16:creationId xmlns:a16="http://schemas.microsoft.com/office/drawing/2014/main" id="{B306E982-DF6C-486B-9883-425DDE6AB37B}"/>
               </a:ext>
             </a:extLst>
           </p:cNvPr>
@@ -8718,12 +8666,12 @@
           </p:cNvPicPr>
           <p:nvPr/>
         </p:nvPicPr>
-        <p:blipFill rotWithShape="1">
-          <a:blip r:embed="rId6">
+        <p:blipFill>
+          <a:blip r:embed="rId4">
             <a:extLst>
               <a:ext uri="{BEBA8EAE-BF5A-486C-A8C5-ECC9F3942E4B}">
                 <a14:imgProps xmlns:a14="http://schemas.microsoft.com/office/drawing/2010/main">
-                  <a14:imgLayer r:embed="rId7">
+                  <a14:imgLayer r:embed="rId5">
                     <a14:imgEffect>
                       <a14:saturation sat="0"/>
                     </a14:imgEffect>
@@ -8732,13 +8680,14 @@
               </a:ext>
             </a:extLst>
           </a:blip>
-          <a:srcRect l="33331" r="40422" b="56039"/>
-          <a:stretch/>
+          <a:stretch>
+            <a:fillRect/>
+          </a:stretch>
         </p:blipFill>
         <p:spPr>
           <a:xfrm>
-            <a:off x="7865705" y="1444018"/>
-            <a:ext cx="3620278" cy="4245156"/>
+            <a:off x="2666703" y="1822565"/>
+            <a:ext cx="6858594" cy="3212870"/>
           </a:xfrm>
           <a:prstGeom prst="rect">
             <a:avLst/>
@@ -8748,7 +8697,7 @@
     </p:spTree>
     <p:extLst>
       <p:ext uri="{BB962C8B-B14F-4D97-AF65-F5344CB8AC3E}">
-        <p14:creationId xmlns:p14="http://schemas.microsoft.com/office/powerpoint/2010/main" val="2769814872"/>
+        <p14:creationId xmlns:p14="http://schemas.microsoft.com/office/powerpoint/2010/main" val="2314806276"/>
       </p:ext>
     </p:extLst>
   </p:cSld>
@@ -8822,7 +8771,7 @@
           <a:p>
             <a:r>
               <a:rPr lang="en-US" b="1" dirty="0"/>
-              <a:t>Inheritance</a:t>
+              <a:t>Exercise – Create Class</a:t>
             </a:r>
           </a:p>
         </p:txBody>
@@ -8864,10 +8813,74 @@
           </a:p>
         </p:txBody>
       </p:sp>
+      <p:sp>
+        <p:nvSpPr>
+          <p:cNvPr id="5" name="TextBox 4">
+            <a:extLst>
+              <a:ext uri="{FF2B5EF4-FFF2-40B4-BE49-F238E27FC236}">
+                <a16:creationId xmlns:a16="http://schemas.microsoft.com/office/drawing/2014/main" id="{27E5B41D-1DDF-48C9-A5AF-075F84492B68}"/>
+              </a:ext>
+            </a:extLst>
+          </p:cNvPr>
+          <p:cNvSpPr txBox="1"/>
+          <p:nvPr/>
+        </p:nvSpPr>
+        <p:spPr>
+          <a:xfrm>
+            <a:off x="401216" y="982353"/>
+            <a:ext cx="11542905" cy="1569660"/>
+          </a:xfrm>
+          <a:prstGeom prst="rect">
+            <a:avLst/>
+          </a:prstGeom>
+          <a:noFill/>
+        </p:spPr>
+        <p:txBody>
+          <a:bodyPr wrap="square" rtlCol="0">
+            <a:spAutoFit/>
+          </a:bodyPr>
+          <a:lstStyle/>
+          <a:p>
+            <a:r>
+              <a:rPr lang="en-US" sz="2400" dirty="0"/>
+              <a:t>Create a simple plane class</a:t>
+            </a:r>
+          </a:p>
+          <a:p>
+            <a:endParaRPr lang="en-US" sz="2400" dirty="0"/>
+          </a:p>
+          <a:p>
+            <a:r>
+              <a:rPr lang="en-US" sz="2400" dirty="0"/>
+              <a:t>Name: </a:t>
+            </a:r>
+            <a:r>
+              <a:rPr lang="en-US" sz="2400" dirty="0">
+                <a:hlinkClick r:id="rId2"/>
+              </a:rPr>
+              <a:t>ZCL_XX_PLANE</a:t>
+            </a:r>
+            <a:endParaRPr lang="en-US" sz="2400" dirty="0"/>
+          </a:p>
+          <a:p>
+            <a:r>
+              <a:rPr lang="en-US" sz="2400" dirty="0"/>
+              <a:t>Test Program: </a:t>
+            </a:r>
+            <a:r>
+              <a:rPr lang="en-US" sz="2400" dirty="0">
+                <a:hlinkClick r:id="rId3"/>
+              </a:rPr>
+              <a:t>ZNC_XX_CLASS_CONSUME</a:t>
+            </a:r>
+            <a:endParaRPr lang="en-US" sz="2400" dirty="0"/>
+          </a:p>
+        </p:txBody>
+      </p:sp>
       <p:pic>
         <p:nvPicPr>
           <p:cNvPr id="2050" name="Picture 2" descr="NetCom Logo">
-            <a:hlinkClick r:id="rId2"/>
+            <a:hlinkClick r:id="rId4"/>
             <a:extLst>
               <a:ext uri="{FF2B5EF4-FFF2-40B4-BE49-F238E27FC236}">
                 <a16:creationId xmlns:a16="http://schemas.microsoft.com/office/drawing/2014/main" id="{2B8D59D5-A57D-4846-863C-31591ACCF193}"/>
@@ -8880,7 +8893,7 @@
           <p:nvPr/>
         </p:nvPicPr>
         <p:blipFill>
-          <a:blip r:embed="rId3" cstate="print">
+          <a:blip r:embed="rId5" cstate="print">
             <a:extLst>
               <a:ext uri="{28A0092B-C50C-407E-A947-70E740481C1C}">
                 <a14:useLocalDpi xmlns:a14="http://schemas.microsoft.com/office/drawing/2010/main" val="0"/>
@@ -8914,64 +8927,49 @@
       </p:pic>
       <p:pic>
         <p:nvPicPr>
-          <p:cNvPr id="5122" name="Picture 2" descr="Inheritance in JAVA – CODE STALL">
-            <a:extLst>
-              <a:ext uri="{FF2B5EF4-FFF2-40B4-BE49-F238E27FC236}">
-                <a16:creationId xmlns:a16="http://schemas.microsoft.com/office/drawing/2014/main" id="{6E62CAC2-0777-47E1-AB68-87BAE4A93112}"/>
+          <p:cNvPr id="3" name="Picture 2">
+            <a:extLst>
+              <a:ext uri="{FF2B5EF4-FFF2-40B4-BE49-F238E27FC236}">
+                <a16:creationId xmlns:a16="http://schemas.microsoft.com/office/drawing/2014/main" id="{F726D7A2-6525-4D48-8C7B-BDD6AAECF135}"/>
               </a:ext>
             </a:extLst>
           </p:cNvPr>
           <p:cNvPicPr>
-            <a:picLocks noChangeAspect="1" noChangeArrowheads="1"/>
+            <a:picLocks noChangeAspect="1"/>
           </p:cNvPicPr>
           <p:nvPr/>
         </p:nvPicPr>
-        <p:blipFill>
-          <a:blip r:embed="rId4">
+        <p:blipFill rotWithShape="1">
+          <a:blip r:embed="rId6">
             <a:extLst>
               <a:ext uri="{BEBA8EAE-BF5A-486C-A8C5-ECC9F3942E4B}">
                 <a14:imgProps xmlns:a14="http://schemas.microsoft.com/office/drawing/2010/main">
-                  <a14:imgLayer r:embed="rId5">
+                  <a14:imgLayer r:embed="rId7">
                     <a14:imgEffect>
                       <a14:saturation sat="0"/>
                     </a14:imgEffect>
                   </a14:imgLayer>
                 </a14:imgProps>
               </a:ext>
-              <a:ext uri="{28A0092B-C50C-407E-A947-70E740481C1C}">
-                <a14:useLocalDpi xmlns:a14="http://schemas.microsoft.com/office/drawing/2010/main" val="0"/>
-              </a:ext>
             </a:extLst>
           </a:blip>
-          <a:srcRect/>
-          <a:stretch>
-            <a:fillRect/>
-          </a:stretch>
+          <a:srcRect l="33331" r="40422" b="56039"/>
+          <a:stretch/>
         </p:blipFill>
-        <p:spPr bwMode="auto">
-          <a:xfrm>
-            <a:off x="1902278" y="1140861"/>
-            <a:ext cx="8641313" cy="5342290"/>
+        <p:spPr>
+          <a:xfrm>
+            <a:off x="7865705" y="1444018"/>
+            <a:ext cx="3620278" cy="4245156"/>
           </a:xfrm>
           <a:prstGeom prst="rect">
             <a:avLst/>
           </a:prstGeom>
-          <a:noFill/>
-          <a:extLst>
-            <a:ext uri="{909E8E84-426E-40DD-AFC4-6F175D3DCCD1}">
-              <a14:hiddenFill xmlns:a14="http://schemas.microsoft.com/office/drawing/2010/main">
-                <a:solidFill>
-                  <a:srgbClr val="FFFFFF"/>
-                </a:solidFill>
-              </a14:hiddenFill>
-            </a:ext>
-          </a:extLst>
         </p:spPr>
       </p:pic>
     </p:spTree>
     <p:extLst>
       <p:ext uri="{BB962C8B-B14F-4D97-AF65-F5344CB8AC3E}">
-        <p14:creationId xmlns:p14="http://schemas.microsoft.com/office/powerpoint/2010/main" val="2538617460"/>
+        <p14:creationId xmlns:p14="http://schemas.microsoft.com/office/powerpoint/2010/main" val="2769814872"/>
       </p:ext>
     </p:extLst>
   </p:cSld>
@@ -9044,12 +9042,8 @@
           </a:lstStyle>
           <a:p>
             <a:r>
-              <a:rPr lang="en-US" sz="3600" b="1" dirty="0"/>
-              <a:t>Class Relations – Inheritance and Associations</a:t>
-            </a:r>
-            <a:r>
               <a:rPr lang="en-US" b="1" dirty="0"/>
-              <a:t> </a:t>
+              <a:t>Inheritance</a:t>
             </a:r>
           </a:p>
         </p:txBody>
@@ -9141,15 +9135,15 @@
       </p:pic>
       <p:pic>
         <p:nvPicPr>
-          <p:cNvPr id="6" name="Picture 5">
-            <a:extLst>
-              <a:ext uri="{FF2B5EF4-FFF2-40B4-BE49-F238E27FC236}">
-                <a16:creationId xmlns:a16="http://schemas.microsoft.com/office/drawing/2014/main" id="{3F4C5F7C-CF76-4961-8ED4-8CC6495A7DF9}"/>
+          <p:cNvPr id="5122" name="Picture 2" descr="Inheritance in JAVA – CODE STALL">
+            <a:extLst>
+              <a:ext uri="{FF2B5EF4-FFF2-40B4-BE49-F238E27FC236}">
+                <a16:creationId xmlns:a16="http://schemas.microsoft.com/office/drawing/2014/main" id="{6E62CAC2-0777-47E1-AB68-87BAE4A93112}"/>
               </a:ext>
             </a:extLst>
           </p:cNvPr>
           <p:cNvPicPr>
-            <a:picLocks noChangeAspect="1"/>
+            <a:picLocks noChangeAspect="1" noChangeArrowheads="1"/>
           </p:cNvPicPr>
           <p:nvPr/>
         </p:nvPicPr>
@@ -9165,26 +9159,40 @@
                   </a14:imgLayer>
                 </a14:imgProps>
               </a:ext>
+              <a:ext uri="{28A0092B-C50C-407E-A947-70E740481C1C}">
+                <a14:useLocalDpi xmlns:a14="http://schemas.microsoft.com/office/drawing/2010/main" val="0"/>
+              </a:ext>
             </a:extLst>
           </a:blip>
+          <a:srcRect/>
           <a:stretch>
             <a:fillRect/>
           </a:stretch>
         </p:blipFill>
-        <p:spPr>
-          <a:xfrm>
-            <a:off x="2327041" y="899721"/>
-            <a:ext cx="7796014" cy="6055727"/>
+        <p:spPr bwMode="auto">
+          <a:xfrm>
+            <a:off x="1902278" y="1140861"/>
+            <a:ext cx="8641313" cy="5342290"/>
           </a:xfrm>
           <a:prstGeom prst="rect">
             <a:avLst/>
           </a:prstGeom>
+          <a:noFill/>
+          <a:extLst>
+            <a:ext uri="{909E8E84-426E-40DD-AFC4-6F175D3DCCD1}">
+              <a14:hiddenFill xmlns:a14="http://schemas.microsoft.com/office/drawing/2010/main">
+                <a:solidFill>
+                  <a:srgbClr val="FFFFFF"/>
+                </a:solidFill>
+              </a14:hiddenFill>
+            </a:ext>
+          </a:extLst>
         </p:spPr>
       </p:pic>
     </p:spTree>
     <p:extLst>
       <p:ext uri="{BB962C8B-B14F-4D97-AF65-F5344CB8AC3E}">
-        <p14:creationId xmlns:p14="http://schemas.microsoft.com/office/powerpoint/2010/main" val="3944592195"/>
+        <p14:creationId xmlns:p14="http://schemas.microsoft.com/office/powerpoint/2010/main" val="2538617460"/>
       </p:ext>
     </p:extLst>
   </p:cSld>
@@ -9257,8 +9265,12 @@
           </a:lstStyle>
           <a:p>
             <a:r>
+              <a:rPr lang="en-US" sz="3600" b="1" dirty="0"/>
+              <a:t>Class Relations – Inheritance and Associations</a:t>
+            </a:r>
+            <a:r>
               <a:rPr lang="en-US" b="1" dirty="0"/>
-              <a:t>Exercise – Inheritance</a:t>
+              <a:t> </a:t>
             </a:r>
           </a:p>
         </p:txBody>
@@ -9353,7 +9365,7 @@
           <p:cNvPr id="6" name="Picture 5">
             <a:extLst>
               <a:ext uri="{FF2B5EF4-FFF2-40B4-BE49-F238E27FC236}">
-                <a16:creationId xmlns:a16="http://schemas.microsoft.com/office/drawing/2014/main" id="{3F0D250A-82E4-468B-B5C6-39433FD174F7}"/>
+                <a16:creationId xmlns:a16="http://schemas.microsoft.com/office/drawing/2014/main" id="{3F4C5F7C-CF76-4961-8ED4-8CC6495A7DF9}"/>
               </a:ext>
             </a:extLst>
           </p:cNvPr>
@@ -9382,120 +9394,18 @@
         </p:blipFill>
         <p:spPr>
           <a:xfrm>
-            <a:off x="5175935" y="1504141"/>
-            <a:ext cx="6754301" cy="4728709"/>
+            <a:off x="2327041" y="899721"/>
+            <a:ext cx="7796014" cy="6055727"/>
           </a:xfrm>
           <a:prstGeom prst="rect">
             <a:avLst/>
           </a:prstGeom>
         </p:spPr>
       </p:pic>
-      <p:sp>
-        <p:nvSpPr>
-          <p:cNvPr id="7" name="TextBox 6">
-            <a:extLst>
-              <a:ext uri="{FF2B5EF4-FFF2-40B4-BE49-F238E27FC236}">
-                <a16:creationId xmlns:a16="http://schemas.microsoft.com/office/drawing/2014/main" id="{C5F0A9AE-FE77-452D-9B47-E7AEBD8E74AE}"/>
-              </a:ext>
-            </a:extLst>
-          </p:cNvPr>
-          <p:cNvSpPr txBox="1"/>
-          <p:nvPr/>
-        </p:nvSpPr>
-        <p:spPr>
-          <a:xfrm>
-            <a:off x="382555" y="1063690"/>
-            <a:ext cx="6754301" cy="2246769"/>
-          </a:xfrm>
-          <a:prstGeom prst="rect">
-            <a:avLst/>
-          </a:prstGeom>
-          <a:noFill/>
-        </p:spPr>
-        <p:txBody>
-          <a:bodyPr wrap="square" rtlCol="0">
-            <a:spAutoFit/>
-          </a:bodyPr>
-          <a:lstStyle/>
-          <a:p>
-            <a:pPr marL="285750" indent="-285750">
-              <a:buFont typeface="Arial" panose="020B0604020202020204" pitchFamily="34" charset="0"/>
-              <a:buChar char="•"/>
-            </a:pPr>
-            <a:r>
-              <a:rPr lang="en-US" sz="2000" dirty="0"/>
-              <a:t>Extend the last example of plane class with inheritance</a:t>
-            </a:r>
-          </a:p>
-          <a:p>
-            <a:pPr marL="285750" indent="-285750">
-              <a:buFont typeface="Arial" panose="020B0604020202020204" pitchFamily="34" charset="0"/>
-              <a:buChar char="•"/>
-            </a:pPr>
-            <a:r>
-              <a:rPr lang="en-US" sz="2000" dirty="0"/>
-              <a:t>Add 2 child classes (sub-classes) passenger and cargo plane</a:t>
-            </a:r>
-          </a:p>
-          <a:p>
-            <a:pPr marL="285750" indent="-285750">
-              <a:buFont typeface="Arial" panose="020B0604020202020204" pitchFamily="34" charset="0"/>
-              <a:buChar char="•"/>
-            </a:pPr>
-            <a:r>
-              <a:rPr lang="en-US" sz="2000" dirty="0"/>
-              <a:t>Add attributes and functions to the child classes</a:t>
-            </a:r>
-          </a:p>
-          <a:p>
-            <a:pPr marL="285750" indent="-285750">
-              <a:buFont typeface="Arial" panose="020B0604020202020204" pitchFamily="34" charset="0"/>
-              <a:buChar char="•"/>
-            </a:pPr>
-            <a:r>
-              <a:rPr lang="en-US" sz="2000" dirty="0"/>
-              <a:t>Create program to consume these classes</a:t>
-            </a:r>
-          </a:p>
-          <a:p>
-            <a:pPr marL="285750" indent="-285750">
-              <a:buFont typeface="Arial" panose="020B0604020202020204" pitchFamily="34" charset="0"/>
-              <a:buChar char="•"/>
-            </a:pPr>
-            <a:endParaRPr lang="en-US" sz="2000" dirty="0"/>
-          </a:p>
-          <a:p>
-            <a:r>
-              <a:rPr lang="en-US" sz="2000" dirty="0"/>
-              <a:t>Child Class Names: </a:t>
-            </a:r>
-            <a:r>
-              <a:rPr lang="en-US" sz="2000" dirty="0">
-                <a:hlinkClick r:id="rId6"/>
-              </a:rPr>
-              <a:t>ZCL_XX_PASS_PLANE</a:t>
-            </a:r>
-            <a:endParaRPr lang="en-US" sz="2000" dirty="0"/>
-          </a:p>
-          <a:p>
-            <a:r>
-              <a:rPr lang="en-US" sz="2000" dirty="0"/>
-              <a:t>		   </a:t>
-            </a:r>
-            <a:r>
-              <a:rPr lang="en-US" sz="2000" dirty="0">
-                <a:hlinkClick r:id="rId7"/>
-              </a:rPr>
-              <a:t>ZCL_XX_CARGO_PLANE</a:t>
-            </a:r>
-            <a:endParaRPr lang="en-US" sz="2000" dirty="0"/>
-          </a:p>
-        </p:txBody>
-      </p:sp>
     </p:spTree>
     <p:extLst>
       <p:ext uri="{BB962C8B-B14F-4D97-AF65-F5344CB8AC3E}">
-        <p14:creationId xmlns:p14="http://schemas.microsoft.com/office/powerpoint/2010/main" val="2345172087"/>
+        <p14:creationId xmlns:p14="http://schemas.microsoft.com/office/powerpoint/2010/main" val="3944592195"/>
       </p:ext>
     </p:extLst>
   </p:cSld>
@@ -9569,7 +9479,7 @@
           <a:p>
             <a:r>
               <a:rPr lang="en-US" b="1" dirty="0"/>
-              <a:t>Aggregation and Composition</a:t>
+              <a:t>Exercise – Inheritance</a:t>
             </a:r>
           </a:p>
         </p:txBody>
@@ -9608,117 +9518,6 @@
               </a:rPr>
               <a:t>Trainer: Anubhav Oberoy</a:t>
             </a:r>
-          </a:p>
-        </p:txBody>
-      </p:sp>
-      <p:sp>
-        <p:nvSpPr>
-          <p:cNvPr id="5" name="TextBox 4">
-            <a:extLst>
-              <a:ext uri="{FF2B5EF4-FFF2-40B4-BE49-F238E27FC236}">
-                <a16:creationId xmlns:a16="http://schemas.microsoft.com/office/drawing/2014/main" id="{27E5B41D-1DDF-48C9-A5AF-075F84492B68}"/>
-              </a:ext>
-            </a:extLst>
-          </p:cNvPr>
-          <p:cNvSpPr txBox="1"/>
-          <p:nvPr/>
-        </p:nvSpPr>
-        <p:spPr>
-          <a:xfrm>
-            <a:off x="401216" y="982353"/>
-            <a:ext cx="11542905" cy="1754326"/>
-          </a:xfrm>
-          <a:prstGeom prst="rect">
-            <a:avLst/>
-          </a:prstGeom>
-          <a:noFill/>
-        </p:spPr>
-        <p:txBody>
-          <a:bodyPr wrap="square" rtlCol="0">
-            <a:spAutoFit/>
-          </a:bodyPr>
-          <a:lstStyle/>
-          <a:p>
-            <a:r>
-              <a:rPr lang="en-US" dirty="0"/>
-              <a:t>Associations are of 2 types</a:t>
-            </a:r>
-          </a:p>
-          <a:p>
-            <a:endParaRPr lang="en-US" dirty="0"/>
-          </a:p>
-          <a:p>
-            <a:pPr marL="342900" indent="-342900">
-              <a:buFont typeface="Wingdings" panose="05000000000000000000" pitchFamily="2" charset="2"/>
-              <a:buChar char="à"/>
-            </a:pPr>
-            <a:r>
-              <a:rPr lang="en-US" dirty="0">
-                <a:sym typeface="Wingdings" panose="05000000000000000000" pitchFamily="2" charset="2"/>
-              </a:rPr>
-              <a:t>Aggregation – is a lose coupling / both objects </a:t>
-            </a:r>
-            <a:r>
-              <a:rPr lang="en-US" b="1" dirty="0">
-                <a:sym typeface="Wingdings" panose="05000000000000000000" pitchFamily="2" charset="2"/>
-              </a:rPr>
-              <a:t>can</a:t>
-            </a:r>
-            <a:r>
-              <a:rPr lang="en-US" dirty="0">
-                <a:sym typeface="Wingdings" panose="05000000000000000000" pitchFamily="2" charset="2"/>
-              </a:rPr>
-              <a:t> operate independently / </a:t>
-            </a:r>
-            <a:r>
-              <a:rPr lang="en-US" b="1" dirty="0">
-                <a:sym typeface="Wingdings" panose="05000000000000000000" pitchFamily="2" charset="2"/>
-              </a:rPr>
-              <a:t>good</a:t>
-            </a:r>
-            <a:r>
-              <a:rPr lang="en-US" dirty="0">
-                <a:sym typeface="Wingdings" panose="05000000000000000000" pitchFamily="2" charset="2"/>
-              </a:rPr>
-              <a:t> to have relationship / represent using empty rhombus</a:t>
-            </a:r>
-          </a:p>
-          <a:p>
-            <a:pPr marL="342900" indent="-342900">
-              <a:buFont typeface="Wingdings" panose="05000000000000000000" pitchFamily="2" charset="2"/>
-              <a:buChar char="à"/>
-            </a:pPr>
-            <a:r>
-              <a:rPr lang="en-US" dirty="0">
-                <a:sym typeface="Wingdings" panose="05000000000000000000" pitchFamily="2" charset="2"/>
-              </a:rPr>
-              <a:t>Composition - is a tight coupling / both objects </a:t>
-            </a:r>
-            <a:r>
-              <a:rPr lang="en-US" b="1" dirty="0">
-                <a:sym typeface="Wingdings" panose="05000000000000000000" pitchFamily="2" charset="2"/>
-              </a:rPr>
-              <a:t>cannot</a:t>
-            </a:r>
-            <a:r>
-              <a:rPr lang="en-US" dirty="0">
-                <a:sym typeface="Wingdings" panose="05000000000000000000" pitchFamily="2" charset="2"/>
-              </a:rPr>
-              <a:t> operate independently / </a:t>
-            </a:r>
-            <a:r>
-              <a:rPr lang="en-US" b="1" dirty="0">
-                <a:sym typeface="Wingdings" panose="05000000000000000000" pitchFamily="2" charset="2"/>
-              </a:rPr>
-              <a:t>must</a:t>
-            </a:r>
-            <a:r>
-              <a:rPr lang="en-US" dirty="0">
-                <a:sym typeface="Wingdings" panose="05000000000000000000" pitchFamily="2" charset="2"/>
-              </a:rPr>
-              <a:t> to have relationship / represent using empty rhombus</a:t>
-            </a:r>
-            <a:endParaRPr lang="en-US" dirty="0"/>
           </a:p>
         </p:txBody>
       </p:sp>
@@ -9770,10 +9569,154 @@
           </a:extLst>
         </p:spPr>
       </p:pic>
+      <p:pic>
+        <p:nvPicPr>
+          <p:cNvPr id="6" name="Picture 5">
+            <a:extLst>
+              <a:ext uri="{FF2B5EF4-FFF2-40B4-BE49-F238E27FC236}">
+                <a16:creationId xmlns:a16="http://schemas.microsoft.com/office/drawing/2014/main" id="{3F0D250A-82E4-468B-B5C6-39433FD174F7}"/>
+              </a:ext>
+            </a:extLst>
+          </p:cNvPr>
+          <p:cNvPicPr>
+            <a:picLocks noChangeAspect="1"/>
+          </p:cNvPicPr>
+          <p:nvPr/>
+        </p:nvPicPr>
+        <p:blipFill>
+          <a:blip r:embed="rId4">
+            <a:extLst>
+              <a:ext uri="{BEBA8EAE-BF5A-486C-A8C5-ECC9F3942E4B}">
+                <a14:imgProps xmlns:a14="http://schemas.microsoft.com/office/drawing/2010/main">
+                  <a14:imgLayer r:embed="rId5">
+                    <a14:imgEffect>
+                      <a14:saturation sat="0"/>
+                    </a14:imgEffect>
+                  </a14:imgLayer>
+                </a14:imgProps>
+              </a:ext>
+            </a:extLst>
+          </a:blip>
+          <a:stretch>
+            <a:fillRect/>
+          </a:stretch>
+        </p:blipFill>
+        <p:spPr>
+          <a:xfrm>
+            <a:off x="5175935" y="1504141"/>
+            <a:ext cx="6754301" cy="4728709"/>
+          </a:xfrm>
+          <a:prstGeom prst="rect">
+            <a:avLst/>
+          </a:prstGeom>
+        </p:spPr>
+      </p:pic>
+      <p:sp>
+        <p:nvSpPr>
+          <p:cNvPr id="7" name="TextBox 6">
+            <a:extLst>
+              <a:ext uri="{FF2B5EF4-FFF2-40B4-BE49-F238E27FC236}">
+                <a16:creationId xmlns:a16="http://schemas.microsoft.com/office/drawing/2014/main" id="{C5F0A9AE-FE77-452D-9B47-E7AEBD8E74AE}"/>
+              </a:ext>
+            </a:extLst>
+          </p:cNvPr>
+          <p:cNvSpPr txBox="1"/>
+          <p:nvPr/>
+        </p:nvSpPr>
+        <p:spPr>
+          <a:xfrm>
+            <a:off x="382555" y="1063690"/>
+            <a:ext cx="6754301" cy="2246769"/>
+          </a:xfrm>
+          <a:prstGeom prst="rect">
+            <a:avLst/>
+          </a:prstGeom>
+          <a:noFill/>
+        </p:spPr>
+        <p:txBody>
+          <a:bodyPr wrap="square" rtlCol="0">
+            <a:spAutoFit/>
+          </a:bodyPr>
+          <a:lstStyle/>
+          <a:p>
+            <a:pPr marL="285750" indent="-285750">
+              <a:buFont typeface="Arial" panose="020B0604020202020204" pitchFamily="34" charset="0"/>
+              <a:buChar char="•"/>
+            </a:pPr>
+            <a:r>
+              <a:rPr lang="en-US" sz="2000" dirty="0"/>
+              <a:t>Extend the last example of plane class with inheritance</a:t>
+            </a:r>
+          </a:p>
+          <a:p>
+            <a:pPr marL="285750" indent="-285750">
+              <a:buFont typeface="Arial" panose="020B0604020202020204" pitchFamily="34" charset="0"/>
+              <a:buChar char="•"/>
+            </a:pPr>
+            <a:r>
+              <a:rPr lang="en-US" sz="2000" dirty="0"/>
+              <a:t>Add 2 child classes (sub-classes) passenger and cargo plane</a:t>
+            </a:r>
+          </a:p>
+          <a:p>
+            <a:pPr marL="285750" indent="-285750">
+              <a:buFont typeface="Arial" panose="020B0604020202020204" pitchFamily="34" charset="0"/>
+              <a:buChar char="•"/>
+            </a:pPr>
+            <a:r>
+              <a:rPr lang="en-US" sz="2000" dirty="0"/>
+              <a:t>Add attributes and functions to the child classes</a:t>
+            </a:r>
+          </a:p>
+          <a:p>
+            <a:pPr marL="285750" indent="-285750">
+              <a:buFont typeface="Arial" panose="020B0604020202020204" pitchFamily="34" charset="0"/>
+              <a:buChar char="•"/>
+            </a:pPr>
+            <a:r>
+              <a:rPr lang="en-US" sz="2000" dirty="0"/>
+              <a:t>Create program to consume these classes</a:t>
+            </a:r>
+          </a:p>
+          <a:p>
+            <a:pPr marL="285750" indent="-285750">
+              <a:buFont typeface="Arial" panose="020B0604020202020204" pitchFamily="34" charset="0"/>
+              <a:buChar char="•"/>
+            </a:pPr>
+            <a:endParaRPr lang="en-US" sz="2000" dirty="0"/>
+          </a:p>
+          <a:p>
+            <a:r>
+              <a:rPr lang="en-US" sz="2000" dirty="0"/>
+              <a:t>Child Class Names: </a:t>
+            </a:r>
+            <a:r>
+              <a:rPr lang="en-US" sz="2000" dirty="0">
+                <a:hlinkClick r:id="rId6"/>
+              </a:rPr>
+              <a:t>ZCL_XX_PASS_PLANE</a:t>
+            </a:r>
+            <a:endParaRPr lang="en-US" sz="2000" dirty="0"/>
+          </a:p>
+          <a:p>
+            <a:r>
+              <a:rPr lang="en-US" sz="2000" dirty="0"/>
+              <a:t>		   </a:t>
+            </a:r>
+            <a:r>
+              <a:rPr lang="en-US" sz="2000" dirty="0">
+                <a:hlinkClick r:id="rId7"/>
+              </a:rPr>
+              <a:t>ZCL_XX_CARGO_PLANE</a:t>
+            </a:r>
+            <a:endParaRPr lang="en-US" sz="2000" dirty="0"/>
+          </a:p>
+        </p:txBody>
+      </p:sp>
     </p:spTree>
     <p:extLst>
       <p:ext uri="{BB962C8B-B14F-4D97-AF65-F5344CB8AC3E}">
-        <p14:creationId xmlns:p14="http://schemas.microsoft.com/office/powerpoint/2010/main" val="4111885319"/>
+        <p14:creationId xmlns:p14="http://schemas.microsoft.com/office/powerpoint/2010/main" val="2345172087"/>
       </p:ext>
     </p:extLst>
   </p:cSld>
@@ -9847,7 +9790,7 @@
           <a:p>
             <a:r>
               <a:rPr lang="en-US" b="1" dirty="0"/>
-              <a:t>Exercise – Aggregation &amp; Composition</a:t>
+              <a:t>Aggregation and Composition</a:t>
             </a:r>
           </a:p>
         </p:txBody>
@@ -9904,7 +9847,7 @@
         <p:spPr>
           <a:xfrm>
             <a:off x="401216" y="982353"/>
-            <a:ext cx="11542905" cy="2031325"/>
+            <a:ext cx="11542905" cy="1754326"/>
           </a:xfrm>
           <a:prstGeom prst="rect">
             <a:avLst/>
@@ -9919,70 +9862,83 @@
           <a:p>
             <a:r>
               <a:rPr lang="en-US" dirty="0"/>
-              <a:t>Implement the Aggregation</a:t>
-            </a:r>
+              <a:t>Associations are of 2 types</a:t>
+            </a:r>
+          </a:p>
+          <a:p>
+            <a:endParaRPr lang="en-US" dirty="0"/>
           </a:p>
           <a:p>
             <a:pPr marL="342900" indent="-342900">
-              <a:buFontTx/>
-              <a:buChar char="-"/>
+              <a:buFont typeface="Wingdings" panose="05000000000000000000" pitchFamily="2" charset="2"/>
+              <a:buChar char="à"/>
             </a:pPr>
             <a:r>
-              <a:rPr lang="en-US" dirty="0"/>
-              <a:t>Create a new Passenger class </a:t>
-            </a:r>
-            <a:r>
               <a:rPr lang="en-US" dirty="0">
-                <a:hlinkClick r:id="rId2"/>
-              </a:rPr>
-              <a:t>ZCL_XX_PASSENGER</a:t>
-            </a:r>
-            <a:endParaRPr lang="en-US" dirty="0"/>
+                <a:sym typeface="Wingdings" panose="05000000000000000000" pitchFamily="2" charset="2"/>
+              </a:rPr>
+              <a:t>Aggregation – is a lose coupling / both objects </a:t>
+            </a:r>
+            <a:r>
+              <a:rPr lang="en-US" b="1" dirty="0">
+                <a:sym typeface="Wingdings" panose="05000000000000000000" pitchFamily="2" charset="2"/>
+              </a:rPr>
+              <a:t>can</a:t>
+            </a:r>
+            <a:r>
+              <a:rPr lang="en-US" dirty="0">
+                <a:sym typeface="Wingdings" panose="05000000000000000000" pitchFamily="2" charset="2"/>
+              </a:rPr>
+              <a:t> operate independently / </a:t>
+            </a:r>
+            <a:r>
+              <a:rPr lang="en-US" b="1" dirty="0">
+                <a:sym typeface="Wingdings" panose="05000000000000000000" pitchFamily="2" charset="2"/>
+              </a:rPr>
+              <a:t>good</a:t>
+            </a:r>
+            <a:r>
+              <a:rPr lang="en-US" dirty="0">
+                <a:sym typeface="Wingdings" panose="05000000000000000000" pitchFamily="2" charset="2"/>
+              </a:rPr>
+              <a:t> to have relationship / represent using empty rhombus</a:t>
+            </a:r>
           </a:p>
           <a:p>
             <a:pPr marL="342900" indent="-342900">
-              <a:buFontTx/>
-              <a:buChar char="-"/>
+              <a:buFont typeface="Wingdings" panose="05000000000000000000" pitchFamily="2" charset="2"/>
+              <a:buChar char="à"/>
             </a:pPr>
             <a:r>
-              <a:rPr lang="en-US" dirty="0"/>
-              <a:t>Add object of passengers to Passenger to PASS_PLANE</a:t>
-            </a:r>
-          </a:p>
-          <a:p>
-            <a:r>
-              <a:rPr lang="en-US" dirty="0"/>
-              <a:t>Implement the Composition</a:t>
-            </a:r>
-          </a:p>
-          <a:p>
-            <a:pPr marL="342900" indent="-342900">
-              <a:buFontTx/>
-              <a:buChar char="-"/>
-            </a:pPr>
-            <a:r>
-              <a:rPr lang="en-US" dirty="0"/>
-              <a:t>Create a new Wings class </a:t>
-            </a:r>
-            <a:r>
               <a:rPr lang="en-US" dirty="0">
-                <a:hlinkClick r:id="rId3"/>
-              </a:rPr>
-              <a:t>ZCL_XX_WINGS</a:t>
-            </a:r>
-            <a:endParaRPr lang="en-US" dirty="0"/>
-          </a:p>
-          <a:p>
-            <a:pPr marL="342900" indent="-342900">
-              <a:buFontTx/>
-              <a:buChar char="-"/>
-            </a:pPr>
-            <a:r>
-              <a:rPr lang="en-US" dirty="0"/>
-              <a:t>Add object of Cargo to Plane as composition</a:t>
-            </a:r>
-          </a:p>
-          <a:p>
+                <a:sym typeface="Wingdings" panose="05000000000000000000" pitchFamily="2" charset="2"/>
+              </a:rPr>
+              <a:t>Composition - is a tight coupling / both objects </a:t>
+            </a:r>
+            <a:r>
+              <a:rPr lang="en-US" b="1" dirty="0">
+                <a:sym typeface="Wingdings" panose="05000000000000000000" pitchFamily="2" charset="2"/>
+              </a:rPr>
+              <a:t>cannot</a:t>
+            </a:r>
+            <a:r>
+              <a:rPr lang="en-US" dirty="0">
+                <a:sym typeface="Wingdings" panose="05000000000000000000" pitchFamily="2" charset="2"/>
+              </a:rPr>
+              <a:t> operate independently / </a:t>
+            </a:r>
+            <a:r>
+              <a:rPr lang="en-US" b="1" dirty="0">
+                <a:sym typeface="Wingdings" panose="05000000000000000000" pitchFamily="2" charset="2"/>
+              </a:rPr>
+              <a:t>must</a:t>
+            </a:r>
+            <a:r>
+              <a:rPr lang="en-US" dirty="0">
+                <a:sym typeface="Wingdings" panose="05000000000000000000" pitchFamily="2" charset="2"/>
+              </a:rPr>
+              <a:t> to have relationship / represent using empty rhombus</a:t>
+            </a:r>
             <a:endParaRPr lang="en-US" dirty="0"/>
           </a:p>
         </p:txBody>
@@ -9990,7 +9946,7 @@
       <p:pic>
         <p:nvPicPr>
           <p:cNvPr id="2050" name="Picture 2" descr="NetCom Logo">
-            <a:hlinkClick r:id="rId4"/>
+            <a:hlinkClick r:id="rId2"/>
             <a:extLst>
               <a:ext uri="{FF2B5EF4-FFF2-40B4-BE49-F238E27FC236}">
                 <a16:creationId xmlns:a16="http://schemas.microsoft.com/office/drawing/2014/main" id="{2B8D59D5-A57D-4846-863C-31591ACCF193}"/>
@@ -10003,7 +9959,7 @@
           <p:nvPr/>
         </p:nvPicPr>
         <p:blipFill>
-          <a:blip r:embed="rId5" cstate="print">
+          <a:blip r:embed="rId3" cstate="print">
             <a:extLst>
               <a:ext uri="{28A0092B-C50C-407E-A947-70E740481C1C}">
                 <a14:useLocalDpi xmlns:a14="http://schemas.microsoft.com/office/drawing/2010/main" val="0"/>
@@ -10035,52 +9991,10 @@
           </a:extLst>
         </p:spPr>
       </p:pic>
-      <p:pic>
-        <p:nvPicPr>
-          <p:cNvPr id="3" name="Picture 2">
-            <a:extLst>
-              <a:ext uri="{FF2B5EF4-FFF2-40B4-BE49-F238E27FC236}">
-                <a16:creationId xmlns:a16="http://schemas.microsoft.com/office/drawing/2014/main" id="{9302D361-4773-414F-A54F-D4C7311BCD98}"/>
-              </a:ext>
-            </a:extLst>
-          </p:cNvPr>
-          <p:cNvPicPr>
-            <a:picLocks noChangeAspect="1"/>
-          </p:cNvPicPr>
-          <p:nvPr/>
-        </p:nvPicPr>
-        <p:blipFill>
-          <a:blip r:embed="rId6">
-            <a:extLst>
-              <a:ext uri="{BEBA8EAE-BF5A-486C-A8C5-ECC9F3942E4B}">
-                <a14:imgProps xmlns:a14="http://schemas.microsoft.com/office/drawing/2010/main">
-                  <a14:imgLayer r:embed="rId7">
-                    <a14:imgEffect>
-                      <a14:saturation sat="0"/>
-                    </a14:imgEffect>
-                  </a14:imgLayer>
-                </a14:imgProps>
-              </a:ext>
-            </a:extLst>
-          </a:blip>
-          <a:stretch>
-            <a:fillRect/>
-          </a:stretch>
-        </p:blipFill>
-        <p:spPr>
-          <a:xfrm>
-            <a:off x="4018816" y="1526650"/>
-            <a:ext cx="8081905" cy="4541425"/>
-          </a:xfrm>
-          <a:prstGeom prst="rect">
-            <a:avLst/>
-          </a:prstGeom>
-        </p:spPr>
-      </p:pic>
     </p:spTree>
     <p:extLst>
       <p:ext uri="{BB962C8B-B14F-4D97-AF65-F5344CB8AC3E}">
-        <p14:creationId xmlns:p14="http://schemas.microsoft.com/office/powerpoint/2010/main" val="546009325"/>
+        <p14:creationId xmlns:p14="http://schemas.microsoft.com/office/powerpoint/2010/main" val="4111885319"/>
       </p:ext>
     </p:extLst>
   </p:cSld>
@@ -10154,7 +10068,7 @@
           <a:p>
             <a:r>
               <a:rPr lang="en-US" b="1" dirty="0"/>
-              <a:t>&lt;Title&gt;</a:t>
+              <a:t>Exercise – Aggregation &amp; Composition</a:t>
             </a:r>
           </a:p>
         </p:txBody>
@@ -10211,7 +10125,7 @@
         <p:spPr>
           <a:xfrm>
             <a:off x="401216" y="982353"/>
-            <a:ext cx="11542905" cy="461665"/>
+            <a:ext cx="11542905" cy="2031325"/>
           </a:xfrm>
           <a:prstGeom prst="rect">
             <a:avLst/>
@@ -10225,17 +10139,79 @@
           <a:lstStyle/>
           <a:p>
             <a:r>
-              <a:rPr lang="en-US" sz="2400"/>
-              <a:t>&lt;content&gt;</a:t>
-            </a:r>
-            <a:endParaRPr lang="en-US" sz="2400" dirty="0"/>
+              <a:rPr lang="en-US" dirty="0"/>
+              <a:t>Implement the Aggregation</a:t>
+            </a:r>
+          </a:p>
+          <a:p>
+            <a:pPr marL="342900" indent="-342900">
+              <a:buFontTx/>
+              <a:buChar char="-"/>
+            </a:pPr>
+            <a:r>
+              <a:rPr lang="en-US" dirty="0"/>
+              <a:t>Create a new Passenger class </a:t>
+            </a:r>
+            <a:r>
+              <a:rPr lang="en-US" dirty="0">
+                <a:hlinkClick r:id="rId2"/>
+              </a:rPr>
+              <a:t>ZCL_XX_PASSENGER</a:t>
+            </a:r>
+            <a:endParaRPr lang="en-US" dirty="0"/>
+          </a:p>
+          <a:p>
+            <a:pPr marL="342900" indent="-342900">
+              <a:buFontTx/>
+              <a:buChar char="-"/>
+            </a:pPr>
+            <a:r>
+              <a:rPr lang="en-US" dirty="0"/>
+              <a:t>Add object of passengers to Passenger to PASS_PLANE</a:t>
+            </a:r>
+          </a:p>
+          <a:p>
+            <a:r>
+              <a:rPr lang="en-US" dirty="0"/>
+              <a:t>Implement the Composition</a:t>
+            </a:r>
+          </a:p>
+          <a:p>
+            <a:pPr marL="342900" indent="-342900">
+              <a:buFontTx/>
+              <a:buChar char="-"/>
+            </a:pPr>
+            <a:r>
+              <a:rPr lang="en-US" dirty="0"/>
+              <a:t>Create a new Wings class </a:t>
+            </a:r>
+            <a:r>
+              <a:rPr lang="en-US" dirty="0">
+                <a:hlinkClick r:id="rId3"/>
+              </a:rPr>
+              <a:t>ZCL_XX_WINGS</a:t>
+            </a:r>
+            <a:endParaRPr lang="en-US" dirty="0"/>
+          </a:p>
+          <a:p>
+            <a:pPr marL="342900" indent="-342900">
+              <a:buFontTx/>
+              <a:buChar char="-"/>
+            </a:pPr>
+            <a:r>
+              <a:rPr lang="en-US" dirty="0"/>
+              <a:t>Add object of Cargo to Plane as composition</a:t>
+            </a:r>
+          </a:p>
+          <a:p>
+            <a:endParaRPr lang="en-US" dirty="0"/>
           </a:p>
         </p:txBody>
       </p:sp>
       <p:pic>
         <p:nvPicPr>
           <p:cNvPr id="2050" name="Picture 2" descr="NetCom Logo">
-            <a:hlinkClick r:id="rId2"/>
+            <a:hlinkClick r:id="rId4"/>
             <a:extLst>
               <a:ext uri="{FF2B5EF4-FFF2-40B4-BE49-F238E27FC236}">
                 <a16:creationId xmlns:a16="http://schemas.microsoft.com/office/drawing/2014/main" id="{2B8D59D5-A57D-4846-863C-31591ACCF193}"/>
@@ -10248,7 +10224,7 @@
           <p:nvPr/>
         </p:nvPicPr>
         <p:blipFill>
-          <a:blip r:embed="rId3" cstate="print">
+          <a:blip r:embed="rId5" cstate="print">
             <a:extLst>
               <a:ext uri="{28A0092B-C50C-407E-A947-70E740481C1C}">
                 <a14:useLocalDpi xmlns:a14="http://schemas.microsoft.com/office/drawing/2010/main" val="0"/>
@@ -10280,10 +10256,52 @@
           </a:extLst>
         </p:spPr>
       </p:pic>
+      <p:pic>
+        <p:nvPicPr>
+          <p:cNvPr id="3" name="Picture 2">
+            <a:extLst>
+              <a:ext uri="{FF2B5EF4-FFF2-40B4-BE49-F238E27FC236}">
+                <a16:creationId xmlns:a16="http://schemas.microsoft.com/office/drawing/2014/main" id="{9302D361-4773-414F-A54F-D4C7311BCD98}"/>
+              </a:ext>
+            </a:extLst>
+          </p:cNvPr>
+          <p:cNvPicPr>
+            <a:picLocks noChangeAspect="1"/>
+          </p:cNvPicPr>
+          <p:nvPr/>
+        </p:nvPicPr>
+        <p:blipFill>
+          <a:blip r:embed="rId6">
+            <a:extLst>
+              <a:ext uri="{BEBA8EAE-BF5A-486C-A8C5-ECC9F3942E4B}">
+                <a14:imgProps xmlns:a14="http://schemas.microsoft.com/office/drawing/2010/main">
+                  <a14:imgLayer r:embed="rId7">
+                    <a14:imgEffect>
+                      <a14:saturation sat="0"/>
+                    </a14:imgEffect>
+                  </a14:imgLayer>
+                </a14:imgProps>
+              </a:ext>
+            </a:extLst>
+          </a:blip>
+          <a:stretch>
+            <a:fillRect/>
+          </a:stretch>
+        </p:blipFill>
+        <p:spPr>
+          <a:xfrm>
+            <a:off x="4018816" y="1526650"/>
+            <a:ext cx="8081905" cy="4541425"/>
+          </a:xfrm>
+          <a:prstGeom prst="rect">
+            <a:avLst/>
+          </a:prstGeom>
+        </p:spPr>
+      </p:pic>
     </p:spTree>
     <p:extLst>
       <p:ext uri="{BB962C8B-B14F-4D97-AF65-F5344CB8AC3E}">
-        <p14:creationId xmlns:p14="http://schemas.microsoft.com/office/powerpoint/2010/main" val="602278634"/>
+        <p14:creationId xmlns:p14="http://schemas.microsoft.com/office/powerpoint/2010/main" val="546009325"/>
       </p:ext>
     </p:extLst>
   </p:cSld>
@@ -10860,7 +10878,7 @@
     </p:spTree>
     <p:extLst>
       <p:ext uri="{BB962C8B-B14F-4D97-AF65-F5344CB8AC3E}">
-        <p14:creationId xmlns:p14="http://schemas.microsoft.com/office/powerpoint/2010/main" val="2148624975"/>
+        <p14:creationId xmlns:p14="http://schemas.microsoft.com/office/powerpoint/2010/main" val="602278634"/>
       </p:ext>
     </p:extLst>
   </p:cSld>
@@ -10932,7 +10950,10 @@
             </a:lvl1pPr>
           </a:lstStyle>
           <a:p>
-            <a:endParaRPr lang="en-US" b="1" dirty="0"/>
+            <a:r>
+              <a:rPr lang="en-US" b="1" dirty="0"/>
+              <a:t>&lt;Title&gt;</a:t>
+            </a:r>
           </a:p>
         </p:txBody>
       </p:sp>
@@ -10970,6 +10991,42 @@
               </a:rPr>
               <a:t>Trainer: Anubhav Oberoy</a:t>
             </a:r>
+          </a:p>
+        </p:txBody>
+      </p:sp>
+      <p:sp>
+        <p:nvSpPr>
+          <p:cNvPr id="5" name="TextBox 4">
+            <a:extLst>
+              <a:ext uri="{FF2B5EF4-FFF2-40B4-BE49-F238E27FC236}">
+                <a16:creationId xmlns:a16="http://schemas.microsoft.com/office/drawing/2014/main" id="{27E5B41D-1DDF-48C9-A5AF-075F84492B68}"/>
+              </a:ext>
+            </a:extLst>
+          </p:cNvPr>
+          <p:cNvSpPr txBox="1"/>
+          <p:nvPr/>
+        </p:nvSpPr>
+        <p:spPr>
+          <a:xfrm>
+            <a:off x="401216" y="982353"/>
+            <a:ext cx="11542905" cy="461665"/>
+          </a:xfrm>
+          <a:prstGeom prst="rect">
+            <a:avLst/>
+          </a:prstGeom>
+          <a:noFill/>
+        </p:spPr>
+        <p:txBody>
+          <a:bodyPr wrap="square" rtlCol="0">
+            <a:spAutoFit/>
+          </a:bodyPr>
+          <a:lstStyle/>
+          <a:p>
+            <a:r>
+              <a:rPr lang="en-US" sz="2400"/>
+              <a:t>&lt;content&gt;</a:t>
+            </a:r>
+            <a:endParaRPr lang="en-US" sz="2400" dirty="0"/>
           </a:p>
         </p:txBody>
       </p:sp>
@@ -11021,50 +11078,10 @@
           </a:extLst>
         </p:spPr>
       </p:pic>
-      <p:sp>
-        <p:nvSpPr>
-          <p:cNvPr id="7" name="TextBox 6">
-            <a:extLst>
-              <a:ext uri="{FF2B5EF4-FFF2-40B4-BE49-F238E27FC236}">
-                <a16:creationId xmlns:a16="http://schemas.microsoft.com/office/drawing/2014/main" id="{17EB74BE-8011-4153-8F37-3BEF9C1F4CC0}"/>
-              </a:ext>
-            </a:extLst>
-          </p:cNvPr>
-          <p:cNvSpPr txBox="1"/>
-          <p:nvPr/>
-        </p:nvSpPr>
-        <p:spPr>
-          <a:xfrm>
-            <a:off x="3512128" y="2507734"/>
-            <a:ext cx="6174508" cy="1323439"/>
-          </a:xfrm>
-          <a:prstGeom prst="rect">
-            <a:avLst/>
-          </a:prstGeom>
-          <a:noFill/>
-        </p:spPr>
-        <p:txBody>
-          <a:bodyPr wrap="square">
-            <a:spAutoFit/>
-          </a:bodyPr>
-          <a:lstStyle/>
-          <a:p>
-            <a:r>
-              <a:rPr lang="en-US" sz="8000" b="1" dirty="0"/>
-              <a:t>End of </a:t>
-            </a:r>
-            <a:r>
-              <a:rPr lang="en-US" sz="8000" b="1"/>
-              <a:t>Day 4</a:t>
-            </a:r>
-            <a:endParaRPr lang="en-US" sz="8000" b="1" dirty="0"/>
-          </a:p>
-        </p:txBody>
-      </p:sp>
     </p:spTree>
     <p:extLst>
       <p:ext uri="{BB962C8B-B14F-4D97-AF65-F5344CB8AC3E}">
-        <p14:creationId xmlns:p14="http://schemas.microsoft.com/office/powerpoint/2010/main" val="3867772902"/>
+        <p14:creationId xmlns:p14="http://schemas.microsoft.com/office/powerpoint/2010/main" val="2148624975"/>
       </p:ext>
     </p:extLst>
   </p:cSld>
@@ -11093,6 +11110,210 @@
       </p:grpSpPr>
       <p:sp>
         <p:nvSpPr>
+          <p:cNvPr id="2" name="Title 3">
+            <a:extLst>
+              <a:ext uri="{FF2B5EF4-FFF2-40B4-BE49-F238E27FC236}">
+                <a16:creationId xmlns:a16="http://schemas.microsoft.com/office/drawing/2014/main" id="{F07FC580-E2AB-4C55-8C95-D5E077A1D127}"/>
+              </a:ext>
+            </a:extLst>
+          </p:cNvPr>
+          <p:cNvSpPr txBox="1">
+            <a:spLocks/>
+          </p:cNvSpPr>
+          <p:nvPr/>
+        </p:nvSpPr>
+        <p:spPr>
+          <a:xfrm>
+            <a:off x="261764" y="188640"/>
+            <a:ext cx="11292008" cy="711081"/>
+          </a:xfrm>
+          <a:prstGeom prst="rect">
+            <a:avLst/>
+          </a:prstGeom>
+        </p:spPr>
+        <p:txBody>
+          <a:bodyPr/>
+          <a:lstStyle>
+            <a:lvl1pPr algn="l" defTabSz="914400" rtl="0" eaLnBrk="1" latinLnBrk="0" hangingPunct="1">
+              <a:lnSpc>
+                <a:spcPct val="90000"/>
+              </a:lnSpc>
+              <a:spcBef>
+                <a:spcPct val="0"/>
+              </a:spcBef>
+              <a:buNone/>
+              <a:defRPr sz="4400" kern="1200">
+                <a:solidFill>
+                  <a:schemeClr val="tx1"/>
+                </a:solidFill>
+                <a:latin typeface="+mj-lt"/>
+                <a:ea typeface="+mj-ea"/>
+                <a:cs typeface="+mj-cs"/>
+              </a:defRPr>
+            </a:lvl1pPr>
+          </a:lstStyle>
+          <a:p>
+            <a:endParaRPr lang="en-US" b="1" dirty="0"/>
+          </a:p>
+        </p:txBody>
+      </p:sp>
+      <p:sp>
+        <p:nvSpPr>
+          <p:cNvPr id="4" name="Footer Placeholder 45">
+            <a:extLst>
+              <a:ext uri="{FF2B5EF4-FFF2-40B4-BE49-F238E27FC236}">
+                <a16:creationId xmlns:a16="http://schemas.microsoft.com/office/drawing/2014/main" id="{90E33047-DFF5-4690-8905-31E4C115EFDC}"/>
+              </a:ext>
+            </a:extLst>
+          </p:cNvPr>
+          <p:cNvSpPr>
+            <a:spLocks noGrp="1"/>
+          </p:cNvSpPr>
+          <p:nvPr>
+            <p:ph type="ftr" sz="quarter" idx="11"/>
+          </p:nvPr>
+        </p:nvSpPr>
+        <p:spPr>
+          <a:xfrm>
+            <a:off x="10123055" y="6548582"/>
+            <a:ext cx="2225295" cy="203620"/>
+          </a:xfrm>
+        </p:spPr>
+        <p:txBody>
+          <a:bodyPr/>
+          <a:lstStyle/>
+          <a:p>
+            <a:r>
+              <a:rPr lang="en-US" b="1" dirty="0">
+                <a:solidFill>
+                  <a:schemeClr val="tx1"/>
+                </a:solidFill>
+              </a:rPr>
+              <a:t>Trainer: Anubhav Oberoy</a:t>
+            </a:r>
+          </a:p>
+        </p:txBody>
+      </p:sp>
+      <p:pic>
+        <p:nvPicPr>
+          <p:cNvPr id="2050" name="Picture 2" descr="NetCom Logo">
+            <a:hlinkClick r:id="rId2"/>
+            <a:extLst>
+              <a:ext uri="{FF2B5EF4-FFF2-40B4-BE49-F238E27FC236}">
+                <a16:creationId xmlns:a16="http://schemas.microsoft.com/office/drawing/2014/main" id="{2B8D59D5-A57D-4846-863C-31591ACCF193}"/>
+              </a:ext>
+            </a:extLst>
+          </p:cNvPr>
+          <p:cNvPicPr>
+            <a:picLocks noChangeAspect="1" noChangeArrowheads="1"/>
+          </p:cNvPicPr>
+          <p:nvPr/>
+        </p:nvPicPr>
+        <p:blipFill>
+          <a:blip r:embed="rId3" cstate="print">
+            <a:extLst>
+              <a:ext uri="{28A0092B-C50C-407E-A947-70E740481C1C}">
+                <a14:useLocalDpi xmlns:a14="http://schemas.microsoft.com/office/drawing/2010/main" val="0"/>
+              </a:ext>
+            </a:extLst>
+          </a:blip>
+          <a:srcRect/>
+          <a:stretch>
+            <a:fillRect/>
+          </a:stretch>
+        </p:blipFill>
+        <p:spPr bwMode="auto">
+          <a:xfrm>
+            <a:off x="9485308" y="105798"/>
+            <a:ext cx="2444928" cy="656107"/>
+          </a:xfrm>
+          <a:prstGeom prst="rect">
+            <a:avLst/>
+          </a:prstGeom>
+          <a:noFill/>
+          <a:extLst>
+            <a:ext uri="{909E8E84-426E-40DD-AFC4-6F175D3DCCD1}">
+              <a14:hiddenFill xmlns:a14="http://schemas.microsoft.com/office/drawing/2010/main">
+                <a:solidFill>
+                  <a:srgbClr val="FFFFFF"/>
+                </a:solidFill>
+              </a14:hiddenFill>
+            </a:ext>
+          </a:extLst>
+        </p:spPr>
+      </p:pic>
+      <p:sp>
+        <p:nvSpPr>
+          <p:cNvPr id="7" name="TextBox 6">
+            <a:extLst>
+              <a:ext uri="{FF2B5EF4-FFF2-40B4-BE49-F238E27FC236}">
+                <a16:creationId xmlns:a16="http://schemas.microsoft.com/office/drawing/2014/main" id="{17EB74BE-8011-4153-8F37-3BEF9C1F4CC0}"/>
+              </a:ext>
+            </a:extLst>
+          </p:cNvPr>
+          <p:cNvSpPr txBox="1"/>
+          <p:nvPr/>
+        </p:nvSpPr>
+        <p:spPr>
+          <a:xfrm>
+            <a:off x="3512128" y="2507734"/>
+            <a:ext cx="6174508" cy="1323439"/>
+          </a:xfrm>
+          <a:prstGeom prst="rect">
+            <a:avLst/>
+          </a:prstGeom>
+          <a:noFill/>
+        </p:spPr>
+        <p:txBody>
+          <a:bodyPr wrap="square">
+            <a:spAutoFit/>
+          </a:bodyPr>
+          <a:lstStyle/>
+          <a:p>
+            <a:r>
+              <a:rPr lang="en-US" sz="8000" b="1" dirty="0"/>
+              <a:t>End of </a:t>
+            </a:r>
+            <a:r>
+              <a:rPr lang="en-US" sz="8000" b="1"/>
+              <a:t>Day 4</a:t>
+            </a:r>
+            <a:endParaRPr lang="en-US" sz="8000" b="1" dirty="0"/>
+          </a:p>
+        </p:txBody>
+      </p:sp>
+    </p:spTree>
+    <p:extLst>
+      <p:ext uri="{BB962C8B-B14F-4D97-AF65-F5344CB8AC3E}">
+        <p14:creationId xmlns:p14="http://schemas.microsoft.com/office/powerpoint/2010/main" val="3867772902"/>
+      </p:ext>
+    </p:extLst>
+  </p:cSld>
+  <p:clrMapOvr>
+    <a:masterClrMapping/>
+  </p:clrMapOvr>
+</p:sld>
+</file>
+
+<file path=ppt/slides/slide33.xml><?xml version="1.0" encoding="utf-8"?>
+<p:sld xmlns:a="http://schemas.openxmlformats.org/drawingml/2006/main" xmlns:r="http://schemas.openxmlformats.org/officeDocument/2006/relationships" xmlns:p="http://schemas.openxmlformats.org/presentationml/2006/main">
+  <p:cSld>
+    <p:spTree>
+      <p:nvGrpSpPr>
+        <p:cNvPr id="1" name=""/>
+        <p:cNvGrpSpPr/>
+        <p:nvPr/>
+      </p:nvGrpSpPr>
+      <p:grpSpPr>
+        <a:xfrm>
+          <a:off x="0" y="0"/>
+          <a:ext cx="0" cy="0"/>
+          <a:chOff x="0" y="0"/>
+          <a:chExt cx="0" cy="0"/>
+        </a:xfrm>
+      </p:grpSpPr>
+      <p:sp>
+        <p:nvSpPr>
           <p:cNvPr id="4" name="Footer Placeholder 45">
             <a:extLst>
               <a:ext uri="{FF2B5EF4-FFF2-40B4-BE49-F238E27FC236}">
@@ -11269,7 +11490,7 @@
 </p:sld>
 </file>
 
-<file path=ppt/slides/slide33.xml><?xml version="1.0" encoding="utf-8"?>
+<file path=ppt/slides/slide34.xml><?xml version="1.0" encoding="utf-8"?>
 <p:sld xmlns:a="http://schemas.openxmlformats.org/drawingml/2006/main" xmlns:r="http://schemas.openxmlformats.org/officeDocument/2006/relationships" xmlns:p="http://schemas.openxmlformats.org/presentationml/2006/main">
   <p:cSld>
     <p:bg>

--- a/day 4/S4D400 - Day 4.pptx
+++ b/day 4/S4D400 - Day 4.pptx
@@ -5,7 +5,7 @@
     <p:sldMasterId id="2147483648" r:id="rId1"/>
   </p:sldMasterIdLst>
   <p:notesMasterIdLst>
-    <p:notesMasterId r:id="rId36"/>
+    <p:notesMasterId r:id="rId37"/>
   </p:notesMasterIdLst>
   <p:sldIdLst>
     <p:sldId id="256" r:id="rId2"/>
@@ -35,13 +35,14 @@
     <p:sldId id="578" r:id="rId26"/>
     <p:sldId id="579" r:id="rId27"/>
     <p:sldId id="580" r:id="rId28"/>
-    <p:sldId id="581" r:id="rId29"/>
-    <p:sldId id="593" r:id="rId30"/>
-    <p:sldId id="594" r:id="rId31"/>
-    <p:sldId id="557" r:id="rId32"/>
-    <p:sldId id="462" r:id="rId33"/>
-    <p:sldId id="399" r:id="rId34"/>
-    <p:sldId id="409" r:id="rId35"/>
+    <p:sldId id="596" r:id="rId29"/>
+    <p:sldId id="581" r:id="rId30"/>
+    <p:sldId id="593" r:id="rId31"/>
+    <p:sldId id="594" r:id="rId32"/>
+    <p:sldId id="557" r:id="rId33"/>
+    <p:sldId id="462" r:id="rId34"/>
+    <p:sldId id="399" r:id="rId35"/>
+    <p:sldId id="409" r:id="rId36"/>
   </p:sldIdLst>
   <p:sldSz cx="12192000" cy="6858000"/>
   <p:notesSz cx="6858000" cy="9144000"/>
@@ -230,7 +231,7 @@
           <a:p>
             <a:fld id="{4AF2A06D-4991-4208-8C88-4E8BAD69A8B8}" type="datetimeFigureOut">
               <a:rPr lang="en-US" smtClean="0"/>
-              <a:t>11/19/2020</a:t>
+              <a:t>11/20/2020</a:t>
             </a:fld>
             <a:endParaRPr lang="en-US"/>
           </a:p>
@@ -693,7 +694,7 @@
                 <a:tabLst/>
                 <a:defRPr/>
               </a:pPr>
-              <a:t>34</a:t>
+              <a:t>35</a:t>
             </a:fld>
             <a:endParaRPr kumimoji="0" lang="en-US" sz="1200" b="0" i="0" u="none" strike="noStrike" kern="1200" cap="none" spc="0" normalizeH="0" baseline="0" noProof="0">
               <a:ln>
@@ -854,7 +855,7 @@
           <a:p>
             <a:fld id="{E26E0DA5-0C76-4851-AA82-0B75261F9EB4}" type="datetimeFigureOut">
               <a:rPr lang="en-US" smtClean="0"/>
-              <a:t>11/19/2020</a:t>
+              <a:t>11/20/2020</a:t>
             </a:fld>
             <a:endParaRPr lang="en-US"/>
           </a:p>
@@ -1022,7 +1023,7 @@
           <a:p>
             <a:fld id="{E26E0DA5-0C76-4851-AA82-0B75261F9EB4}" type="datetimeFigureOut">
               <a:rPr lang="en-US" smtClean="0"/>
-              <a:t>11/19/2020</a:t>
+              <a:t>11/20/2020</a:t>
             </a:fld>
             <a:endParaRPr lang="en-US"/>
           </a:p>
@@ -1200,7 +1201,7 @@
           <a:p>
             <a:fld id="{E26E0DA5-0C76-4851-AA82-0B75261F9EB4}" type="datetimeFigureOut">
               <a:rPr lang="en-US" smtClean="0"/>
-              <a:t>11/19/2020</a:t>
+              <a:t>11/20/2020</a:t>
             </a:fld>
             <a:endParaRPr lang="en-US"/>
           </a:p>
@@ -1368,7 +1369,7 @@
           <a:p>
             <a:fld id="{E26E0DA5-0C76-4851-AA82-0B75261F9EB4}" type="datetimeFigureOut">
               <a:rPr lang="en-US" smtClean="0"/>
-              <a:t>11/19/2020</a:t>
+              <a:t>11/20/2020</a:t>
             </a:fld>
             <a:endParaRPr lang="en-US"/>
           </a:p>
@@ -1613,7 +1614,7 @@
           <a:p>
             <a:fld id="{E26E0DA5-0C76-4851-AA82-0B75261F9EB4}" type="datetimeFigureOut">
               <a:rPr lang="en-US" smtClean="0"/>
-              <a:t>11/19/2020</a:t>
+              <a:t>11/20/2020</a:t>
             </a:fld>
             <a:endParaRPr lang="en-US"/>
           </a:p>
@@ -1842,7 +1843,7 @@
           <a:p>
             <a:fld id="{E26E0DA5-0C76-4851-AA82-0B75261F9EB4}" type="datetimeFigureOut">
               <a:rPr lang="en-US" smtClean="0"/>
-              <a:t>11/19/2020</a:t>
+              <a:t>11/20/2020</a:t>
             </a:fld>
             <a:endParaRPr lang="en-US"/>
           </a:p>
@@ -2206,7 +2207,7 @@
           <a:p>
             <a:fld id="{E26E0DA5-0C76-4851-AA82-0B75261F9EB4}" type="datetimeFigureOut">
               <a:rPr lang="en-US" smtClean="0"/>
-              <a:t>11/19/2020</a:t>
+              <a:t>11/20/2020</a:t>
             </a:fld>
             <a:endParaRPr lang="en-US"/>
           </a:p>
@@ -2323,7 +2324,7 @@
           <a:p>
             <a:fld id="{E26E0DA5-0C76-4851-AA82-0B75261F9EB4}" type="datetimeFigureOut">
               <a:rPr lang="en-US" smtClean="0"/>
-              <a:t>11/19/2020</a:t>
+              <a:t>11/20/2020</a:t>
             </a:fld>
             <a:endParaRPr lang="en-US"/>
           </a:p>
@@ -2418,7 +2419,7 @@
           <a:p>
             <a:fld id="{E26E0DA5-0C76-4851-AA82-0B75261F9EB4}" type="datetimeFigureOut">
               <a:rPr lang="en-US" smtClean="0"/>
-              <a:t>11/19/2020</a:t>
+              <a:t>11/20/2020</a:t>
             </a:fld>
             <a:endParaRPr lang="en-US"/>
           </a:p>
@@ -2693,7 +2694,7 @@
           <a:p>
             <a:fld id="{E26E0DA5-0C76-4851-AA82-0B75261F9EB4}" type="datetimeFigureOut">
               <a:rPr lang="en-US" smtClean="0"/>
-              <a:t>11/19/2020</a:t>
+              <a:t>11/20/2020</a:t>
             </a:fld>
             <a:endParaRPr lang="en-US"/>
           </a:p>
@@ -2945,7 +2946,7 @@
           <a:p>
             <a:fld id="{E26E0DA5-0C76-4851-AA82-0B75261F9EB4}" type="datetimeFigureOut">
               <a:rPr lang="en-US" smtClean="0"/>
-              <a:t>11/19/2020</a:t>
+              <a:t>11/20/2020</a:t>
             </a:fld>
             <a:endParaRPr lang="en-US"/>
           </a:p>
@@ -3156,7 +3157,7 @@
           <a:p>
             <a:fld id="{E26E0DA5-0C76-4851-AA82-0B75261F9EB4}" type="datetimeFigureOut">
               <a:rPr lang="en-US" smtClean="0"/>
-              <a:t>11/19/2020</a:t>
+              <a:t>11/20/2020</a:t>
             </a:fld>
             <a:endParaRPr lang="en-US"/>
           </a:p>
@@ -9745,99 +9746,10 @@
       </p:grpSpPr>
       <p:sp>
         <p:nvSpPr>
-          <p:cNvPr id="2" name="Title 3">
+          <p:cNvPr id="2" name="TextBox 1">
             <a:extLst>
               <a:ext uri="{FF2B5EF4-FFF2-40B4-BE49-F238E27FC236}">
-                <a16:creationId xmlns:a16="http://schemas.microsoft.com/office/drawing/2014/main" id="{F07FC580-E2AB-4C55-8C95-D5E077A1D127}"/>
-              </a:ext>
-            </a:extLst>
-          </p:cNvPr>
-          <p:cNvSpPr txBox="1">
-            <a:spLocks/>
-          </p:cNvSpPr>
-          <p:nvPr/>
-        </p:nvSpPr>
-        <p:spPr>
-          <a:xfrm>
-            <a:off x="261764" y="188640"/>
-            <a:ext cx="11292008" cy="711081"/>
-          </a:xfrm>
-          <a:prstGeom prst="rect">
-            <a:avLst/>
-          </a:prstGeom>
-        </p:spPr>
-        <p:txBody>
-          <a:bodyPr/>
-          <a:lstStyle>
-            <a:lvl1pPr algn="l" defTabSz="914400" rtl="0" eaLnBrk="1" latinLnBrk="0" hangingPunct="1">
-              <a:lnSpc>
-                <a:spcPct val="90000"/>
-              </a:lnSpc>
-              <a:spcBef>
-                <a:spcPct val="0"/>
-              </a:spcBef>
-              <a:buNone/>
-              <a:defRPr sz="4400" kern="1200">
-                <a:solidFill>
-                  <a:schemeClr val="tx1"/>
-                </a:solidFill>
-                <a:latin typeface="+mj-lt"/>
-                <a:ea typeface="+mj-ea"/>
-                <a:cs typeface="+mj-cs"/>
-              </a:defRPr>
-            </a:lvl1pPr>
-          </a:lstStyle>
-          <a:p>
-            <a:r>
-              <a:rPr lang="en-US" b="1" dirty="0"/>
-              <a:t>Aggregation and Composition</a:t>
-            </a:r>
-          </a:p>
-        </p:txBody>
-      </p:sp>
-      <p:sp>
-        <p:nvSpPr>
-          <p:cNvPr id="4" name="Footer Placeholder 45">
-            <a:extLst>
-              <a:ext uri="{FF2B5EF4-FFF2-40B4-BE49-F238E27FC236}">
-                <a16:creationId xmlns:a16="http://schemas.microsoft.com/office/drawing/2014/main" id="{90E33047-DFF5-4690-8905-31E4C115EFDC}"/>
-              </a:ext>
-            </a:extLst>
-          </p:cNvPr>
-          <p:cNvSpPr>
-            <a:spLocks noGrp="1"/>
-          </p:cNvSpPr>
-          <p:nvPr>
-            <p:ph type="ftr" sz="quarter" idx="11"/>
-          </p:nvPr>
-        </p:nvSpPr>
-        <p:spPr>
-          <a:xfrm>
-            <a:off x="10123055" y="6548582"/>
-            <a:ext cx="2225295" cy="203620"/>
-          </a:xfrm>
-        </p:spPr>
-        <p:txBody>
-          <a:bodyPr/>
-          <a:lstStyle/>
-          <a:p>
-            <a:r>
-              <a:rPr lang="en-US" b="1" dirty="0">
-                <a:solidFill>
-                  <a:schemeClr val="tx1"/>
-                </a:solidFill>
-              </a:rPr>
-              <a:t>Trainer: Anubhav Oberoy</a:t>
-            </a:r>
-          </a:p>
-        </p:txBody>
-      </p:sp>
-      <p:sp>
-        <p:nvSpPr>
-          <p:cNvPr id="5" name="TextBox 4">
-            <a:extLst>
-              <a:ext uri="{FF2B5EF4-FFF2-40B4-BE49-F238E27FC236}">
-                <a16:creationId xmlns:a16="http://schemas.microsoft.com/office/drawing/2014/main" id="{27E5B41D-1DDF-48C9-A5AF-075F84492B68}"/>
+                <a16:creationId xmlns:a16="http://schemas.microsoft.com/office/drawing/2014/main" id="{63780506-1FAD-4D47-9C73-947C7FD7C24D}"/>
               </a:ext>
             </a:extLst>
           </p:cNvPr>
@@ -9846,8 +9758,8 @@
         </p:nvSpPr>
         <p:spPr>
           <a:xfrm>
-            <a:off x="401216" y="982353"/>
-            <a:ext cx="11542905" cy="1754326"/>
+            <a:off x="167951" y="335902"/>
+            <a:ext cx="11168743" cy="5170646"/>
           </a:xfrm>
           <a:prstGeom prst="rect">
             <a:avLst/>
@@ -9860,141 +9772,482 @@
           </a:bodyPr>
           <a:lstStyle/>
           <a:p>
+            <a:pPr marL="342900" indent="-342900">
+              <a:buAutoNum type="arabicPeriod"/>
+            </a:pPr>
             <a:r>
               <a:rPr lang="en-US" dirty="0"/>
-              <a:t>Associations are of 2 types</a:t>
-            </a:r>
-          </a:p>
-          <a:p>
+              <a:t>Right click on passenger plane and choose Copy</a:t>
+            </a:r>
+          </a:p>
+          <a:p>
+            <a:pPr marL="342900" indent="-342900">
+              <a:buAutoNum type="arabicPeriod"/>
+            </a:pPr>
+            <a:r>
+              <a:rPr lang="en-US" dirty="0"/>
+              <a:t>Enter the name as ZCL_XX_CARGO_PLANE</a:t>
+            </a:r>
+          </a:p>
+          <a:p>
+            <a:pPr marL="342900" indent="-342900">
+              <a:buAutoNum type="arabicPeriod"/>
+            </a:pPr>
+            <a:r>
+              <a:rPr lang="en-US" dirty="0"/>
+              <a:t>Go to attributes and rename seats to </a:t>
+            </a:r>
+            <a:r>
+              <a:rPr lang="en-US" sz="2400" b="1" dirty="0" err="1"/>
+              <a:t>cargo_space</a:t>
+            </a:r>
+            <a:endParaRPr lang="en-US" b="1" dirty="0"/>
+          </a:p>
+          <a:p>
+            <a:pPr marL="342900" indent="-342900">
+              <a:buAutoNum type="arabicPeriod"/>
+            </a:pPr>
+            <a:r>
+              <a:rPr lang="en-US" dirty="0"/>
+              <a:t>Go to method parameters and rename </a:t>
+            </a:r>
+            <a:r>
+              <a:rPr lang="en-US" dirty="0" err="1"/>
+              <a:t>i_seats</a:t>
+            </a:r>
+            <a:r>
+              <a:rPr lang="en-US" dirty="0"/>
+              <a:t> and </a:t>
+            </a:r>
+            <a:r>
+              <a:rPr lang="en-US" dirty="0" err="1"/>
+              <a:t>e_seats</a:t>
+            </a:r>
+            <a:r>
+              <a:rPr lang="en-US" dirty="0"/>
+              <a:t> to </a:t>
+            </a:r>
+            <a:r>
+              <a:rPr lang="en-US" dirty="0" err="1"/>
+              <a:t>i_cargo</a:t>
+            </a:r>
+            <a:r>
+              <a:rPr lang="en-US" dirty="0"/>
+              <a:t> and </a:t>
+            </a:r>
+            <a:r>
+              <a:rPr lang="en-US" dirty="0" err="1"/>
+              <a:t>e_cargo</a:t>
+            </a:r>
             <a:endParaRPr lang="en-US" dirty="0"/>
           </a:p>
           <a:p>
             <a:pPr marL="342900" indent="-342900">
-              <a:buFont typeface="Wingdings" panose="05000000000000000000" pitchFamily="2" charset="2"/>
-              <a:buChar char="à"/>
+              <a:buAutoNum type="arabicPeriod"/>
             </a:pPr>
             <a:r>
-              <a:rPr lang="en-US" dirty="0">
-                <a:sym typeface="Wingdings" panose="05000000000000000000" pitchFamily="2" charset="2"/>
-              </a:rPr>
-              <a:t>Aggregation – is a lose coupling / both objects </a:t>
-            </a:r>
-            <a:r>
-              <a:rPr lang="en-US" b="1" dirty="0">
-                <a:sym typeface="Wingdings" panose="05000000000000000000" pitchFamily="2" charset="2"/>
-              </a:rPr>
-              <a:t>can</a:t>
-            </a:r>
-            <a:r>
-              <a:rPr lang="en-US" dirty="0">
-                <a:sym typeface="Wingdings" panose="05000000000000000000" pitchFamily="2" charset="2"/>
-              </a:rPr>
-              <a:t> operate independently / </a:t>
-            </a:r>
-            <a:r>
-              <a:rPr lang="en-US" b="1" dirty="0">
-                <a:sym typeface="Wingdings" panose="05000000000000000000" pitchFamily="2" charset="2"/>
-              </a:rPr>
-              <a:t>good</a:t>
-            </a:r>
-            <a:r>
-              <a:rPr lang="en-US" dirty="0">
-                <a:sym typeface="Wingdings" panose="05000000000000000000" pitchFamily="2" charset="2"/>
-              </a:rPr>
-              <a:t> to have relationship / represent using empty rhombus</a:t>
+              <a:rPr lang="en-US" dirty="0"/>
+              <a:t>Inside the code of each method change the variables.</a:t>
             </a:r>
           </a:p>
           <a:p>
             <a:pPr marL="342900" indent="-342900">
-              <a:buFont typeface="Wingdings" panose="05000000000000000000" pitchFamily="2" charset="2"/>
-              <a:buChar char="à"/>
+              <a:buAutoNum type="arabicPeriod"/>
             </a:pPr>
             <a:r>
-              <a:rPr lang="en-US" dirty="0">
-                <a:sym typeface="Wingdings" panose="05000000000000000000" pitchFamily="2" charset="2"/>
-              </a:rPr>
-              <a:t>Composition - is a tight coupling / both objects </a:t>
-            </a:r>
-            <a:r>
-              <a:rPr lang="en-US" b="1" dirty="0">
-                <a:sym typeface="Wingdings" panose="05000000000000000000" pitchFamily="2" charset="2"/>
-              </a:rPr>
-              <a:t>cannot</a:t>
-            </a:r>
-            <a:r>
-              <a:rPr lang="en-US" dirty="0">
-                <a:sym typeface="Wingdings" panose="05000000000000000000" pitchFamily="2" charset="2"/>
-              </a:rPr>
-              <a:t> operate independently / </a:t>
-            </a:r>
-            <a:r>
-              <a:rPr lang="en-US" b="1" dirty="0">
-                <a:sym typeface="Wingdings" panose="05000000000000000000" pitchFamily="2" charset="2"/>
-              </a:rPr>
-              <a:t>must</a:t>
-            </a:r>
-            <a:r>
-              <a:rPr lang="en-US" dirty="0">
-                <a:sym typeface="Wingdings" panose="05000000000000000000" pitchFamily="2" charset="2"/>
-              </a:rPr>
-              <a:t> to have relationship / represent using empty rhombus</a:t>
-            </a:r>
+              <a:rPr lang="en-US" dirty="0"/>
+              <a:t>Activate the cargo plane</a:t>
+            </a:r>
+          </a:p>
+          <a:p>
+            <a:pPr marL="342900" indent="-342900">
+              <a:buAutoNum type="arabicPeriod"/>
+            </a:pPr>
             <a:endParaRPr lang="en-US" dirty="0"/>
           </a:p>
-        </p:txBody>
-      </p:sp>
-      <p:pic>
-        <p:nvPicPr>
-          <p:cNvPr id="2050" name="Picture 2" descr="NetCom Logo">
-            <a:hlinkClick r:id="rId2"/>
-            <a:extLst>
-              <a:ext uri="{FF2B5EF4-FFF2-40B4-BE49-F238E27FC236}">
-                <a16:creationId xmlns:a16="http://schemas.microsoft.com/office/drawing/2014/main" id="{2B8D59D5-A57D-4846-863C-31591ACCF193}"/>
-              </a:ext>
-            </a:extLst>
-          </p:cNvPr>
-          <p:cNvPicPr>
-            <a:picLocks noChangeAspect="1" noChangeArrowheads="1"/>
-          </p:cNvPicPr>
-          <p:nvPr/>
-        </p:nvPicPr>
-        <p:blipFill>
-          <a:blip r:embed="rId3" cstate="print">
-            <a:extLst>
-              <a:ext uri="{28A0092B-C50C-407E-A947-70E740481C1C}">
-                <a14:useLocalDpi xmlns:a14="http://schemas.microsoft.com/office/drawing/2010/main" val="0"/>
-              </a:ext>
-            </a:extLst>
-          </a:blip>
-          <a:srcRect/>
-          <a:stretch>
-            <a:fillRect/>
-          </a:stretch>
-        </p:blipFill>
-        <p:spPr bwMode="auto">
-          <a:xfrm>
-            <a:off x="9485308" y="105798"/>
-            <a:ext cx="2444928" cy="656107"/>
-          </a:xfrm>
-          <a:prstGeom prst="rect">
-            <a:avLst/>
-          </a:prstGeom>
-          <a:noFill/>
-          <a:extLst>
-            <a:ext uri="{909E8E84-426E-40DD-AFC4-6F175D3DCCD1}">
-              <a14:hiddenFill xmlns:a14="http://schemas.microsoft.com/office/drawing/2010/main">
-                <a:solidFill>
-                  <a:srgbClr val="FFFFFF"/>
-                </a:solidFill>
-              </a14:hiddenFill>
-            </a:ext>
-          </a:extLst>
-        </p:spPr>
-      </p:pic>
+          <a:p>
+            <a:r>
+              <a:rPr lang="en-US" sz="1800" dirty="0">
+                <a:solidFill>
+                  <a:srgbClr val="000000"/>
+                </a:solidFill>
+                <a:effectLst/>
+                <a:latin typeface="Courier New" panose="02070309020205020404" pitchFamily="49" charset="0"/>
+              </a:rPr>
+              <a:t>  </a:t>
+            </a:r>
+            <a:r>
+              <a:rPr lang="en-US" sz="1800" dirty="0">
+                <a:solidFill>
+                  <a:srgbClr val="0000FF"/>
+                </a:solidFill>
+                <a:effectLst/>
+                <a:latin typeface="Courier New" panose="02070309020205020404" pitchFamily="49" charset="0"/>
+              </a:rPr>
+              <a:t>method </a:t>
+            </a:r>
+            <a:r>
+              <a:rPr lang="en-US" sz="1800" dirty="0">
+                <a:solidFill>
+                  <a:srgbClr val="000000"/>
+                </a:solidFill>
+                <a:effectLst/>
+                <a:latin typeface="Courier New" panose="02070309020205020404" pitchFamily="49" charset="0"/>
+              </a:rPr>
+              <a:t>SET_CARGO</a:t>
+            </a:r>
+            <a:r>
+              <a:rPr lang="en-US" sz="1800" dirty="0">
+                <a:solidFill>
+                  <a:srgbClr val="800080"/>
+                </a:solidFill>
+                <a:effectLst/>
+                <a:latin typeface="Courier New" panose="02070309020205020404" pitchFamily="49" charset="0"/>
+              </a:rPr>
+              <a:t>.</a:t>
+            </a:r>
+            <a:br>
+              <a:rPr lang="en-US" sz="1800" dirty="0">
+                <a:solidFill>
+                  <a:srgbClr val="000000"/>
+                </a:solidFill>
+                <a:effectLst/>
+                <a:latin typeface="Courier New" panose="02070309020205020404" pitchFamily="49" charset="0"/>
+              </a:rPr>
+            </a:br>
+            <a:br>
+              <a:rPr lang="en-US" sz="1800" dirty="0">
+                <a:solidFill>
+                  <a:srgbClr val="000000"/>
+                </a:solidFill>
+                <a:effectLst/>
+                <a:latin typeface="Courier New" panose="02070309020205020404" pitchFamily="49" charset="0"/>
+              </a:rPr>
+            </a:br>
+            <a:r>
+              <a:rPr lang="en-US" sz="1800" dirty="0">
+                <a:solidFill>
+                  <a:srgbClr val="000000"/>
+                </a:solidFill>
+                <a:effectLst/>
+                <a:latin typeface="Courier New" panose="02070309020205020404" pitchFamily="49" charset="0"/>
+              </a:rPr>
+              <a:t>    me</a:t>
+            </a:r>
+            <a:r>
+              <a:rPr lang="en-US" sz="1800" dirty="0">
+                <a:solidFill>
+                  <a:srgbClr val="808080"/>
+                </a:solidFill>
+                <a:effectLst/>
+                <a:latin typeface="Courier New" panose="02070309020205020404" pitchFamily="49" charset="0"/>
+              </a:rPr>
+              <a:t>-&gt;</a:t>
+            </a:r>
+            <a:r>
+              <a:rPr lang="en-US" sz="1800" dirty="0" err="1">
+                <a:solidFill>
+                  <a:srgbClr val="000000"/>
+                </a:solidFill>
+                <a:effectLst/>
+                <a:latin typeface="Courier New" panose="02070309020205020404" pitchFamily="49" charset="0"/>
+              </a:rPr>
+              <a:t>cargo_space</a:t>
+            </a:r>
+            <a:r>
+              <a:rPr lang="en-US" sz="1800" dirty="0">
+                <a:solidFill>
+                  <a:srgbClr val="000000"/>
+                </a:solidFill>
+                <a:effectLst/>
+                <a:latin typeface="Courier New" panose="02070309020205020404" pitchFamily="49" charset="0"/>
+              </a:rPr>
+              <a:t> </a:t>
+            </a:r>
+            <a:r>
+              <a:rPr lang="en-US" sz="1800" dirty="0">
+                <a:solidFill>
+                  <a:srgbClr val="800080"/>
+                </a:solidFill>
+                <a:effectLst/>
+                <a:latin typeface="Courier New" panose="02070309020205020404" pitchFamily="49" charset="0"/>
+              </a:rPr>
+              <a:t>= </a:t>
+            </a:r>
+            <a:r>
+              <a:rPr lang="en-US" sz="1800" dirty="0" err="1">
+                <a:solidFill>
+                  <a:srgbClr val="000000"/>
+                </a:solidFill>
+                <a:effectLst/>
+                <a:latin typeface="Courier New" panose="02070309020205020404" pitchFamily="49" charset="0"/>
+              </a:rPr>
+              <a:t>i_cargo</a:t>
+            </a:r>
+            <a:r>
+              <a:rPr lang="en-US" sz="1800" dirty="0">
+                <a:solidFill>
+                  <a:srgbClr val="800080"/>
+                </a:solidFill>
+                <a:effectLst/>
+                <a:latin typeface="Courier New" panose="02070309020205020404" pitchFamily="49" charset="0"/>
+              </a:rPr>
+              <a:t>.</a:t>
+            </a:r>
+            <a:br>
+              <a:rPr lang="en-US" sz="1800" dirty="0">
+                <a:solidFill>
+                  <a:srgbClr val="000000"/>
+                </a:solidFill>
+                <a:effectLst/>
+                <a:latin typeface="Courier New" panose="02070309020205020404" pitchFamily="49" charset="0"/>
+              </a:rPr>
+            </a:br>
+            <a:br>
+              <a:rPr lang="en-US" sz="1800" dirty="0">
+                <a:solidFill>
+                  <a:srgbClr val="000000"/>
+                </a:solidFill>
+                <a:effectLst/>
+                <a:latin typeface="Courier New" panose="02070309020205020404" pitchFamily="49" charset="0"/>
+              </a:rPr>
+            </a:br>
+            <a:r>
+              <a:rPr lang="en-US" sz="1800" dirty="0">
+                <a:solidFill>
+                  <a:srgbClr val="000000"/>
+                </a:solidFill>
+                <a:effectLst/>
+                <a:latin typeface="Courier New" panose="02070309020205020404" pitchFamily="49" charset="0"/>
+              </a:rPr>
+              <a:t>  </a:t>
+            </a:r>
+            <a:r>
+              <a:rPr lang="en-US" sz="1800" dirty="0" err="1">
+                <a:solidFill>
+                  <a:srgbClr val="0000FF"/>
+                </a:solidFill>
+                <a:effectLst/>
+                <a:latin typeface="Courier New" panose="02070309020205020404" pitchFamily="49" charset="0"/>
+              </a:rPr>
+              <a:t>endmethod</a:t>
+            </a:r>
+            <a:r>
+              <a:rPr lang="en-US" sz="1800" dirty="0">
+                <a:solidFill>
+                  <a:srgbClr val="800080"/>
+                </a:solidFill>
+                <a:effectLst/>
+                <a:latin typeface="Courier New" panose="02070309020205020404" pitchFamily="49" charset="0"/>
+              </a:rPr>
+              <a:t>.</a:t>
+            </a:r>
+            <a:r>
+              <a:rPr lang="en-US" dirty="0"/>
+              <a:t> </a:t>
+            </a:r>
+          </a:p>
+          <a:p>
+            <a:endParaRPr lang="en-US" dirty="0"/>
+          </a:p>
+          <a:p>
+            <a:r>
+              <a:rPr lang="en-US" sz="1800" dirty="0">
+                <a:solidFill>
+                  <a:srgbClr val="000000"/>
+                </a:solidFill>
+                <a:effectLst/>
+                <a:latin typeface="Courier New" panose="02070309020205020404" pitchFamily="49" charset="0"/>
+              </a:rPr>
+              <a:t>  </a:t>
+            </a:r>
+            <a:r>
+              <a:rPr lang="en-US" sz="1800" dirty="0">
+                <a:solidFill>
+                  <a:srgbClr val="0000FF"/>
+                </a:solidFill>
+                <a:effectLst/>
+                <a:latin typeface="Courier New" panose="02070309020205020404" pitchFamily="49" charset="0"/>
+              </a:rPr>
+              <a:t>method </a:t>
+            </a:r>
+            <a:r>
+              <a:rPr lang="en-US" sz="1800" dirty="0">
+                <a:solidFill>
+                  <a:srgbClr val="000000"/>
+                </a:solidFill>
+                <a:effectLst/>
+                <a:latin typeface="Courier New" panose="02070309020205020404" pitchFamily="49" charset="0"/>
+              </a:rPr>
+              <a:t>GET_CARGO</a:t>
+            </a:r>
+            <a:r>
+              <a:rPr lang="en-US" sz="1800" dirty="0">
+                <a:solidFill>
+                  <a:srgbClr val="800080"/>
+                </a:solidFill>
+                <a:effectLst/>
+                <a:latin typeface="Courier New" panose="02070309020205020404" pitchFamily="49" charset="0"/>
+              </a:rPr>
+              <a:t>.</a:t>
+            </a:r>
+            <a:br>
+              <a:rPr lang="en-US" sz="1800" dirty="0">
+                <a:solidFill>
+                  <a:srgbClr val="000000"/>
+                </a:solidFill>
+                <a:effectLst/>
+                <a:latin typeface="Courier New" panose="02070309020205020404" pitchFamily="49" charset="0"/>
+              </a:rPr>
+            </a:br>
+            <a:br>
+              <a:rPr lang="en-US" sz="1800" dirty="0">
+                <a:solidFill>
+                  <a:srgbClr val="000000"/>
+                </a:solidFill>
+                <a:effectLst/>
+                <a:latin typeface="Courier New" panose="02070309020205020404" pitchFamily="49" charset="0"/>
+              </a:rPr>
+            </a:br>
+            <a:r>
+              <a:rPr lang="en-US" sz="1800" dirty="0">
+                <a:solidFill>
+                  <a:srgbClr val="000000"/>
+                </a:solidFill>
+                <a:effectLst/>
+                <a:latin typeface="Courier New" panose="02070309020205020404" pitchFamily="49" charset="0"/>
+              </a:rPr>
+              <a:t>    </a:t>
+            </a:r>
+            <a:r>
+              <a:rPr lang="en-US" sz="1800" dirty="0" err="1">
+                <a:solidFill>
+                  <a:srgbClr val="000000"/>
+                </a:solidFill>
+                <a:effectLst/>
+                <a:latin typeface="Courier New" panose="02070309020205020404" pitchFamily="49" charset="0"/>
+              </a:rPr>
+              <a:t>e_cargo</a:t>
+            </a:r>
+            <a:r>
+              <a:rPr lang="en-US" sz="1800" dirty="0">
+                <a:solidFill>
+                  <a:srgbClr val="000000"/>
+                </a:solidFill>
+                <a:effectLst/>
+                <a:latin typeface="Courier New" panose="02070309020205020404" pitchFamily="49" charset="0"/>
+              </a:rPr>
+              <a:t> </a:t>
+            </a:r>
+            <a:r>
+              <a:rPr lang="en-US" sz="1800" dirty="0">
+                <a:solidFill>
+                  <a:srgbClr val="800080"/>
+                </a:solidFill>
+                <a:effectLst/>
+                <a:latin typeface="Courier New" panose="02070309020205020404" pitchFamily="49" charset="0"/>
+              </a:rPr>
+              <a:t>= </a:t>
+            </a:r>
+            <a:r>
+              <a:rPr lang="en-US" sz="1800" dirty="0">
+                <a:solidFill>
+                  <a:srgbClr val="000000"/>
+                </a:solidFill>
+                <a:effectLst/>
+                <a:latin typeface="Courier New" panose="02070309020205020404" pitchFamily="49" charset="0"/>
+              </a:rPr>
+              <a:t>me</a:t>
+            </a:r>
+            <a:r>
+              <a:rPr lang="en-US" sz="1800" dirty="0">
+                <a:solidFill>
+                  <a:srgbClr val="808080"/>
+                </a:solidFill>
+                <a:effectLst/>
+                <a:latin typeface="Courier New" panose="02070309020205020404" pitchFamily="49" charset="0"/>
+              </a:rPr>
+              <a:t>-&gt;</a:t>
+            </a:r>
+            <a:r>
+              <a:rPr lang="en-US" sz="1800" dirty="0" err="1">
+                <a:solidFill>
+                  <a:srgbClr val="000000"/>
+                </a:solidFill>
+                <a:effectLst/>
+                <a:latin typeface="Courier New" panose="02070309020205020404" pitchFamily="49" charset="0"/>
+              </a:rPr>
+              <a:t>cargo_space</a:t>
+            </a:r>
+            <a:r>
+              <a:rPr lang="en-US" sz="1800" dirty="0">
+                <a:solidFill>
+                  <a:srgbClr val="800080"/>
+                </a:solidFill>
+                <a:effectLst/>
+                <a:latin typeface="Courier New" panose="02070309020205020404" pitchFamily="49" charset="0"/>
+              </a:rPr>
+              <a:t>.</a:t>
+            </a:r>
+            <a:br>
+              <a:rPr lang="en-US" sz="1800" dirty="0">
+                <a:solidFill>
+                  <a:srgbClr val="000000"/>
+                </a:solidFill>
+                <a:effectLst/>
+                <a:latin typeface="Courier New" panose="02070309020205020404" pitchFamily="49" charset="0"/>
+              </a:rPr>
+            </a:br>
+            <a:br>
+              <a:rPr lang="en-US" sz="1800" dirty="0">
+                <a:solidFill>
+                  <a:srgbClr val="000000"/>
+                </a:solidFill>
+                <a:effectLst/>
+                <a:latin typeface="Courier New" panose="02070309020205020404" pitchFamily="49" charset="0"/>
+              </a:rPr>
+            </a:br>
+            <a:r>
+              <a:rPr lang="en-US" sz="1800" dirty="0">
+                <a:solidFill>
+                  <a:srgbClr val="000000"/>
+                </a:solidFill>
+                <a:effectLst/>
+                <a:latin typeface="Courier New" panose="02070309020205020404" pitchFamily="49" charset="0"/>
+              </a:rPr>
+              <a:t>  </a:t>
+            </a:r>
+            <a:r>
+              <a:rPr lang="en-US" sz="1800" dirty="0" err="1">
+                <a:solidFill>
+                  <a:srgbClr val="0000FF"/>
+                </a:solidFill>
+                <a:effectLst/>
+                <a:latin typeface="Courier New" panose="02070309020205020404" pitchFamily="49" charset="0"/>
+              </a:rPr>
+              <a:t>endmethod</a:t>
+            </a:r>
+            <a:r>
+              <a:rPr lang="en-US" sz="1800" dirty="0">
+                <a:solidFill>
+                  <a:srgbClr val="800080"/>
+                </a:solidFill>
+                <a:effectLst/>
+                <a:latin typeface="Courier New" panose="02070309020205020404" pitchFamily="49" charset="0"/>
+              </a:rPr>
+              <a:t>.</a:t>
+            </a:r>
+            <a:r>
+              <a:rPr lang="en-US" dirty="0"/>
+              <a:t> </a:t>
+            </a:r>
+          </a:p>
+        </p:txBody>
+      </p:sp>
     </p:spTree>
     <p:extLst>
       <p:ext uri="{BB962C8B-B14F-4D97-AF65-F5344CB8AC3E}">
-        <p14:creationId xmlns:p14="http://schemas.microsoft.com/office/powerpoint/2010/main" val="4111885319"/>
+        <p14:creationId xmlns:p14="http://schemas.microsoft.com/office/powerpoint/2010/main" val="3045995213"/>
       </p:ext>
     </p:extLst>
   </p:cSld>
@@ -10068,7 +10321,7 @@
           <a:p>
             <a:r>
               <a:rPr lang="en-US" b="1" dirty="0"/>
-              <a:t>Exercise – Aggregation &amp; Composition</a:t>
+              <a:t>Aggregation and Composition</a:t>
             </a:r>
           </a:p>
         </p:txBody>
@@ -10125,7 +10378,7 @@
         <p:spPr>
           <a:xfrm>
             <a:off x="401216" y="982353"/>
-            <a:ext cx="11542905" cy="2031325"/>
+            <a:ext cx="11542905" cy="1754326"/>
           </a:xfrm>
           <a:prstGeom prst="rect">
             <a:avLst/>
@@ -10140,70 +10393,83 @@
           <a:p>
             <a:r>
               <a:rPr lang="en-US" dirty="0"/>
-              <a:t>Implement the Aggregation</a:t>
-            </a:r>
+              <a:t>Associations are of 2 types</a:t>
+            </a:r>
+          </a:p>
+          <a:p>
+            <a:endParaRPr lang="en-US" dirty="0"/>
           </a:p>
           <a:p>
             <a:pPr marL="342900" indent="-342900">
-              <a:buFontTx/>
-              <a:buChar char="-"/>
+              <a:buFont typeface="Wingdings" panose="05000000000000000000" pitchFamily="2" charset="2"/>
+              <a:buChar char="à"/>
             </a:pPr>
             <a:r>
-              <a:rPr lang="en-US" dirty="0"/>
-              <a:t>Create a new Passenger class </a:t>
-            </a:r>
-            <a:r>
               <a:rPr lang="en-US" dirty="0">
-                <a:hlinkClick r:id="rId2"/>
-              </a:rPr>
-              <a:t>ZCL_XX_PASSENGER</a:t>
-            </a:r>
-            <a:endParaRPr lang="en-US" dirty="0"/>
+                <a:sym typeface="Wingdings" panose="05000000000000000000" pitchFamily="2" charset="2"/>
+              </a:rPr>
+              <a:t>Aggregation – is a lose coupling / both objects </a:t>
+            </a:r>
+            <a:r>
+              <a:rPr lang="en-US" b="1" dirty="0">
+                <a:sym typeface="Wingdings" panose="05000000000000000000" pitchFamily="2" charset="2"/>
+              </a:rPr>
+              <a:t>can</a:t>
+            </a:r>
+            <a:r>
+              <a:rPr lang="en-US" dirty="0">
+                <a:sym typeface="Wingdings" panose="05000000000000000000" pitchFamily="2" charset="2"/>
+              </a:rPr>
+              <a:t> operate independently / </a:t>
+            </a:r>
+            <a:r>
+              <a:rPr lang="en-US" b="1" dirty="0">
+                <a:sym typeface="Wingdings" panose="05000000000000000000" pitchFamily="2" charset="2"/>
+              </a:rPr>
+              <a:t>good</a:t>
+            </a:r>
+            <a:r>
+              <a:rPr lang="en-US" dirty="0">
+                <a:sym typeface="Wingdings" panose="05000000000000000000" pitchFamily="2" charset="2"/>
+              </a:rPr>
+              <a:t> to have relationship / represent using empty rhombus</a:t>
+            </a:r>
           </a:p>
           <a:p>
             <a:pPr marL="342900" indent="-342900">
-              <a:buFontTx/>
-              <a:buChar char="-"/>
+              <a:buFont typeface="Wingdings" panose="05000000000000000000" pitchFamily="2" charset="2"/>
+              <a:buChar char="à"/>
             </a:pPr>
             <a:r>
-              <a:rPr lang="en-US" dirty="0"/>
-              <a:t>Add object of passengers to Passenger to PASS_PLANE</a:t>
-            </a:r>
-          </a:p>
-          <a:p>
-            <a:r>
-              <a:rPr lang="en-US" dirty="0"/>
-              <a:t>Implement the Composition</a:t>
-            </a:r>
-          </a:p>
-          <a:p>
-            <a:pPr marL="342900" indent="-342900">
-              <a:buFontTx/>
-              <a:buChar char="-"/>
-            </a:pPr>
-            <a:r>
-              <a:rPr lang="en-US" dirty="0"/>
-              <a:t>Create a new Wings class </a:t>
-            </a:r>
-            <a:r>
               <a:rPr lang="en-US" dirty="0">
-                <a:hlinkClick r:id="rId3"/>
-              </a:rPr>
-              <a:t>ZCL_XX_WINGS</a:t>
-            </a:r>
-            <a:endParaRPr lang="en-US" dirty="0"/>
-          </a:p>
-          <a:p>
-            <a:pPr marL="342900" indent="-342900">
-              <a:buFontTx/>
-              <a:buChar char="-"/>
-            </a:pPr>
-            <a:r>
-              <a:rPr lang="en-US" dirty="0"/>
-              <a:t>Add object of Cargo to Plane as composition</a:t>
-            </a:r>
-          </a:p>
-          <a:p>
+                <a:sym typeface="Wingdings" panose="05000000000000000000" pitchFamily="2" charset="2"/>
+              </a:rPr>
+              <a:t>Composition - is a tight coupling / both objects </a:t>
+            </a:r>
+            <a:r>
+              <a:rPr lang="en-US" b="1" dirty="0">
+                <a:sym typeface="Wingdings" panose="05000000000000000000" pitchFamily="2" charset="2"/>
+              </a:rPr>
+              <a:t>cannot</a:t>
+            </a:r>
+            <a:r>
+              <a:rPr lang="en-US" dirty="0">
+                <a:sym typeface="Wingdings" panose="05000000000000000000" pitchFamily="2" charset="2"/>
+              </a:rPr>
+              <a:t> operate independently / </a:t>
+            </a:r>
+            <a:r>
+              <a:rPr lang="en-US" b="1" dirty="0">
+                <a:sym typeface="Wingdings" panose="05000000000000000000" pitchFamily="2" charset="2"/>
+              </a:rPr>
+              <a:t>must</a:t>
+            </a:r>
+            <a:r>
+              <a:rPr lang="en-US" dirty="0">
+                <a:sym typeface="Wingdings" panose="05000000000000000000" pitchFamily="2" charset="2"/>
+              </a:rPr>
+              <a:t> to have relationship / represent using empty rhombus</a:t>
+            </a:r>
             <a:endParaRPr lang="en-US" dirty="0"/>
           </a:p>
         </p:txBody>
@@ -10211,7 +10477,7 @@
       <p:pic>
         <p:nvPicPr>
           <p:cNvPr id="2050" name="Picture 2" descr="NetCom Logo">
-            <a:hlinkClick r:id="rId4"/>
+            <a:hlinkClick r:id="rId2"/>
             <a:extLst>
               <a:ext uri="{FF2B5EF4-FFF2-40B4-BE49-F238E27FC236}">
                 <a16:creationId xmlns:a16="http://schemas.microsoft.com/office/drawing/2014/main" id="{2B8D59D5-A57D-4846-863C-31591ACCF193}"/>
@@ -10224,7 +10490,7 @@
           <p:nvPr/>
         </p:nvPicPr>
         <p:blipFill>
-          <a:blip r:embed="rId5" cstate="print">
+          <a:blip r:embed="rId3" cstate="print">
             <a:extLst>
               <a:ext uri="{28A0092B-C50C-407E-A947-70E740481C1C}">
                 <a14:useLocalDpi xmlns:a14="http://schemas.microsoft.com/office/drawing/2010/main" val="0"/>
@@ -10256,52 +10522,10 @@
           </a:extLst>
         </p:spPr>
       </p:pic>
-      <p:pic>
-        <p:nvPicPr>
-          <p:cNvPr id="3" name="Picture 2">
-            <a:extLst>
-              <a:ext uri="{FF2B5EF4-FFF2-40B4-BE49-F238E27FC236}">
-                <a16:creationId xmlns:a16="http://schemas.microsoft.com/office/drawing/2014/main" id="{9302D361-4773-414F-A54F-D4C7311BCD98}"/>
-              </a:ext>
-            </a:extLst>
-          </p:cNvPr>
-          <p:cNvPicPr>
-            <a:picLocks noChangeAspect="1"/>
-          </p:cNvPicPr>
-          <p:nvPr/>
-        </p:nvPicPr>
-        <p:blipFill>
-          <a:blip r:embed="rId6">
-            <a:extLst>
-              <a:ext uri="{BEBA8EAE-BF5A-486C-A8C5-ECC9F3942E4B}">
-                <a14:imgProps xmlns:a14="http://schemas.microsoft.com/office/drawing/2010/main">
-                  <a14:imgLayer r:embed="rId7">
-                    <a14:imgEffect>
-                      <a14:saturation sat="0"/>
-                    </a14:imgEffect>
-                  </a14:imgLayer>
-                </a14:imgProps>
-              </a:ext>
-            </a:extLst>
-          </a:blip>
-          <a:stretch>
-            <a:fillRect/>
-          </a:stretch>
-        </p:blipFill>
-        <p:spPr>
-          <a:xfrm>
-            <a:off x="4018816" y="1526650"/>
-            <a:ext cx="8081905" cy="4541425"/>
-          </a:xfrm>
-          <a:prstGeom prst="rect">
-            <a:avLst/>
-          </a:prstGeom>
-        </p:spPr>
-      </p:pic>
     </p:spTree>
     <p:extLst>
       <p:ext uri="{BB962C8B-B14F-4D97-AF65-F5344CB8AC3E}">
-        <p14:creationId xmlns:p14="http://schemas.microsoft.com/office/powerpoint/2010/main" val="546009325"/>
+        <p14:creationId xmlns:p14="http://schemas.microsoft.com/office/powerpoint/2010/main" val="4111885319"/>
       </p:ext>
     </p:extLst>
   </p:cSld>
@@ -10749,7 +10973,7 @@
           <a:p>
             <a:r>
               <a:rPr lang="en-US" b="1" dirty="0"/>
-              <a:t>&lt;Title&gt;</a:t>
+              <a:t>Exercise – Aggregation &amp; Composition</a:t>
             </a:r>
           </a:p>
         </p:txBody>
@@ -10806,7 +11030,7 @@
         <p:spPr>
           <a:xfrm>
             <a:off x="401216" y="982353"/>
-            <a:ext cx="11542905" cy="461665"/>
+            <a:ext cx="11542905" cy="2031325"/>
           </a:xfrm>
           <a:prstGeom prst="rect">
             <a:avLst/>
@@ -10820,17 +11044,79 @@
           <a:lstStyle/>
           <a:p>
             <a:r>
-              <a:rPr lang="en-US" sz="2400"/>
-              <a:t>&lt;content&gt;</a:t>
-            </a:r>
-            <a:endParaRPr lang="en-US" sz="2400" dirty="0"/>
+              <a:rPr lang="en-US" dirty="0"/>
+              <a:t>Implement the Aggregation</a:t>
+            </a:r>
+          </a:p>
+          <a:p>
+            <a:pPr marL="342900" indent="-342900">
+              <a:buFontTx/>
+              <a:buChar char="-"/>
+            </a:pPr>
+            <a:r>
+              <a:rPr lang="en-US" dirty="0"/>
+              <a:t>Create a new Passenger class </a:t>
+            </a:r>
+            <a:r>
+              <a:rPr lang="en-US" dirty="0">
+                <a:hlinkClick r:id="rId2"/>
+              </a:rPr>
+              <a:t>ZCL_XX_PASSENGER</a:t>
+            </a:r>
+            <a:endParaRPr lang="en-US" dirty="0"/>
+          </a:p>
+          <a:p>
+            <a:pPr marL="342900" indent="-342900">
+              <a:buFontTx/>
+              <a:buChar char="-"/>
+            </a:pPr>
+            <a:r>
+              <a:rPr lang="en-US" dirty="0"/>
+              <a:t>Add object of passengers to Passenger to PASS_PLANE</a:t>
+            </a:r>
+          </a:p>
+          <a:p>
+            <a:r>
+              <a:rPr lang="en-US" dirty="0"/>
+              <a:t>Implement the Composition</a:t>
+            </a:r>
+          </a:p>
+          <a:p>
+            <a:pPr marL="342900" indent="-342900">
+              <a:buFontTx/>
+              <a:buChar char="-"/>
+            </a:pPr>
+            <a:r>
+              <a:rPr lang="en-US" dirty="0"/>
+              <a:t>Create a new Wings class </a:t>
+            </a:r>
+            <a:r>
+              <a:rPr lang="en-US" dirty="0">
+                <a:hlinkClick r:id="rId3"/>
+              </a:rPr>
+              <a:t>ZCL_XX_WINGS</a:t>
+            </a:r>
+            <a:endParaRPr lang="en-US" dirty="0"/>
+          </a:p>
+          <a:p>
+            <a:pPr marL="342900" indent="-342900">
+              <a:buFontTx/>
+              <a:buChar char="-"/>
+            </a:pPr>
+            <a:r>
+              <a:rPr lang="en-US" dirty="0"/>
+              <a:t>Add object of Cargo to Plane as composition</a:t>
+            </a:r>
+          </a:p>
+          <a:p>
+            <a:endParaRPr lang="en-US" dirty="0"/>
           </a:p>
         </p:txBody>
       </p:sp>
       <p:pic>
         <p:nvPicPr>
           <p:cNvPr id="2050" name="Picture 2" descr="NetCom Logo">
-            <a:hlinkClick r:id="rId2"/>
+            <a:hlinkClick r:id="rId4"/>
             <a:extLst>
               <a:ext uri="{FF2B5EF4-FFF2-40B4-BE49-F238E27FC236}">
                 <a16:creationId xmlns:a16="http://schemas.microsoft.com/office/drawing/2014/main" id="{2B8D59D5-A57D-4846-863C-31591ACCF193}"/>
@@ -10843,7 +11129,7 @@
           <p:nvPr/>
         </p:nvPicPr>
         <p:blipFill>
-          <a:blip r:embed="rId3" cstate="print">
+          <a:blip r:embed="rId5" cstate="print">
             <a:extLst>
               <a:ext uri="{28A0092B-C50C-407E-A947-70E740481C1C}">
                 <a14:useLocalDpi xmlns:a14="http://schemas.microsoft.com/office/drawing/2010/main" val="0"/>
@@ -10875,10 +11161,52 @@
           </a:extLst>
         </p:spPr>
       </p:pic>
+      <p:pic>
+        <p:nvPicPr>
+          <p:cNvPr id="3" name="Picture 2">
+            <a:extLst>
+              <a:ext uri="{FF2B5EF4-FFF2-40B4-BE49-F238E27FC236}">
+                <a16:creationId xmlns:a16="http://schemas.microsoft.com/office/drawing/2014/main" id="{9302D361-4773-414F-A54F-D4C7311BCD98}"/>
+              </a:ext>
+            </a:extLst>
+          </p:cNvPr>
+          <p:cNvPicPr>
+            <a:picLocks noChangeAspect="1"/>
+          </p:cNvPicPr>
+          <p:nvPr/>
+        </p:nvPicPr>
+        <p:blipFill>
+          <a:blip r:embed="rId6">
+            <a:extLst>
+              <a:ext uri="{BEBA8EAE-BF5A-486C-A8C5-ECC9F3942E4B}">
+                <a14:imgProps xmlns:a14="http://schemas.microsoft.com/office/drawing/2010/main">
+                  <a14:imgLayer r:embed="rId7">
+                    <a14:imgEffect>
+                      <a14:saturation sat="0"/>
+                    </a14:imgEffect>
+                  </a14:imgLayer>
+                </a14:imgProps>
+              </a:ext>
+            </a:extLst>
+          </a:blip>
+          <a:stretch>
+            <a:fillRect/>
+          </a:stretch>
+        </p:blipFill>
+        <p:spPr>
+          <a:xfrm>
+            <a:off x="4018816" y="1526650"/>
+            <a:ext cx="8081905" cy="4541425"/>
+          </a:xfrm>
+          <a:prstGeom prst="rect">
+            <a:avLst/>
+          </a:prstGeom>
+        </p:spPr>
+      </p:pic>
     </p:spTree>
     <p:extLst>
       <p:ext uri="{BB962C8B-B14F-4D97-AF65-F5344CB8AC3E}">
-        <p14:creationId xmlns:p14="http://schemas.microsoft.com/office/powerpoint/2010/main" val="602278634"/>
+        <p14:creationId xmlns:p14="http://schemas.microsoft.com/office/powerpoint/2010/main" val="546009325"/>
       </p:ext>
     </p:extLst>
   </p:cSld>
@@ -11081,7 +11409,7 @@
     </p:spTree>
     <p:extLst>
       <p:ext uri="{BB962C8B-B14F-4D97-AF65-F5344CB8AC3E}">
-        <p14:creationId xmlns:p14="http://schemas.microsoft.com/office/powerpoint/2010/main" val="2148624975"/>
+        <p14:creationId xmlns:p14="http://schemas.microsoft.com/office/powerpoint/2010/main" val="602278634"/>
       </p:ext>
     </p:extLst>
   </p:cSld>
@@ -11153,7 +11481,10 @@
             </a:lvl1pPr>
           </a:lstStyle>
           <a:p>
-            <a:endParaRPr lang="en-US" b="1" dirty="0"/>
+            <a:r>
+              <a:rPr lang="en-US" b="1" dirty="0"/>
+              <a:t>&lt;Title&gt;</a:t>
+            </a:r>
           </a:p>
         </p:txBody>
       </p:sp>
@@ -11191,6 +11522,42 @@
               </a:rPr>
               <a:t>Trainer: Anubhav Oberoy</a:t>
             </a:r>
+          </a:p>
+        </p:txBody>
+      </p:sp>
+      <p:sp>
+        <p:nvSpPr>
+          <p:cNvPr id="5" name="TextBox 4">
+            <a:extLst>
+              <a:ext uri="{FF2B5EF4-FFF2-40B4-BE49-F238E27FC236}">
+                <a16:creationId xmlns:a16="http://schemas.microsoft.com/office/drawing/2014/main" id="{27E5B41D-1DDF-48C9-A5AF-075F84492B68}"/>
+              </a:ext>
+            </a:extLst>
+          </p:cNvPr>
+          <p:cNvSpPr txBox="1"/>
+          <p:nvPr/>
+        </p:nvSpPr>
+        <p:spPr>
+          <a:xfrm>
+            <a:off x="401216" y="982353"/>
+            <a:ext cx="11542905" cy="461665"/>
+          </a:xfrm>
+          <a:prstGeom prst="rect">
+            <a:avLst/>
+          </a:prstGeom>
+          <a:noFill/>
+        </p:spPr>
+        <p:txBody>
+          <a:bodyPr wrap="square" rtlCol="0">
+            <a:spAutoFit/>
+          </a:bodyPr>
+          <a:lstStyle/>
+          <a:p>
+            <a:r>
+              <a:rPr lang="en-US" sz="2400"/>
+              <a:t>&lt;content&gt;</a:t>
+            </a:r>
+            <a:endParaRPr lang="en-US" sz="2400" dirty="0"/>
           </a:p>
         </p:txBody>
       </p:sp>
@@ -11242,50 +11609,10 @@
           </a:extLst>
         </p:spPr>
       </p:pic>
-      <p:sp>
-        <p:nvSpPr>
-          <p:cNvPr id="7" name="TextBox 6">
-            <a:extLst>
-              <a:ext uri="{FF2B5EF4-FFF2-40B4-BE49-F238E27FC236}">
-                <a16:creationId xmlns:a16="http://schemas.microsoft.com/office/drawing/2014/main" id="{17EB74BE-8011-4153-8F37-3BEF9C1F4CC0}"/>
-              </a:ext>
-            </a:extLst>
-          </p:cNvPr>
-          <p:cNvSpPr txBox="1"/>
-          <p:nvPr/>
-        </p:nvSpPr>
-        <p:spPr>
-          <a:xfrm>
-            <a:off x="3512128" y="2507734"/>
-            <a:ext cx="6174508" cy="1323439"/>
-          </a:xfrm>
-          <a:prstGeom prst="rect">
-            <a:avLst/>
-          </a:prstGeom>
-          <a:noFill/>
-        </p:spPr>
-        <p:txBody>
-          <a:bodyPr wrap="square">
-            <a:spAutoFit/>
-          </a:bodyPr>
-          <a:lstStyle/>
-          <a:p>
-            <a:r>
-              <a:rPr lang="en-US" sz="8000" b="1" dirty="0"/>
-              <a:t>End of </a:t>
-            </a:r>
-            <a:r>
-              <a:rPr lang="en-US" sz="8000" b="1"/>
-              <a:t>Day 4</a:t>
-            </a:r>
-            <a:endParaRPr lang="en-US" sz="8000" b="1" dirty="0"/>
-          </a:p>
-        </p:txBody>
-      </p:sp>
     </p:spTree>
     <p:extLst>
       <p:ext uri="{BB962C8B-B14F-4D97-AF65-F5344CB8AC3E}">
-        <p14:creationId xmlns:p14="http://schemas.microsoft.com/office/powerpoint/2010/main" val="3867772902"/>
+        <p14:creationId xmlns:p14="http://schemas.microsoft.com/office/powerpoint/2010/main" val="2148624975"/>
       </p:ext>
     </p:extLst>
   </p:cSld>
@@ -11314,6 +11641,210 @@
       </p:grpSpPr>
       <p:sp>
         <p:nvSpPr>
+          <p:cNvPr id="2" name="Title 3">
+            <a:extLst>
+              <a:ext uri="{FF2B5EF4-FFF2-40B4-BE49-F238E27FC236}">
+                <a16:creationId xmlns:a16="http://schemas.microsoft.com/office/drawing/2014/main" id="{F07FC580-E2AB-4C55-8C95-D5E077A1D127}"/>
+              </a:ext>
+            </a:extLst>
+          </p:cNvPr>
+          <p:cNvSpPr txBox="1">
+            <a:spLocks/>
+          </p:cNvSpPr>
+          <p:nvPr/>
+        </p:nvSpPr>
+        <p:spPr>
+          <a:xfrm>
+            <a:off x="261764" y="188640"/>
+            <a:ext cx="11292008" cy="711081"/>
+          </a:xfrm>
+          <a:prstGeom prst="rect">
+            <a:avLst/>
+          </a:prstGeom>
+        </p:spPr>
+        <p:txBody>
+          <a:bodyPr/>
+          <a:lstStyle>
+            <a:lvl1pPr algn="l" defTabSz="914400" rtl="0" eaLnBrk="1" latinLnBrk="0" hangingPunct="1">
+              <a:lnSpc>
+                <a:spcPct val="90000"/>
+              </a:lnSpc>
+              <a:spcBef>
+                <a:spcPct val="0"/>
+              </a:spcBef>
+              <a:buNone/>
+              <a:defRPr sz="4400" kern="1200">
+                <a:solidFill>
+                  <a:schemeClr val="tx1"/>
+                </a:solidFill>
+                <a:latin typeface="+mj-lt"/>
+                <a:ea typeface="+mj-ea"/>
+                <a:cs typeface="+mj-cs"/>
+              </a:defRPr>
+            </a:lvl1pPr>
+          </a:lstStyle>
+          <a:p>
+            <a:endParaRPr lang="en-US" b="1" dirty="0"/>
+          </a:p>
+        </p:txBody>
+      </p:sp>
+      <p:sp>
+        <p:nvSpPr>
+          <p:cNvPr id="4" name="Footer Placeholder 45">
+            <a:extLst>
+              <a:ext uri="{FF2B5EF4-FFF2-40B4-BE49-F238E27FC236}">
+                <a16:creationId xmlns:a16="http://schemas.microsoft.com/office/drawing/2014/main" id="{90E33047-DFF5-4690-8905-31E4C115EFDC}"/>
+              </a:ext>
+            </a:extLst>
+          </p:cNvPr>
+          <p:cNvSpPr>
+            <a:spLocks noGrp="1"/>
+          </p:cNvSpPr>
+          <p:nvPr>
+            <p:ph type="ftr" sz="quarter" idx="11"/>
+          </p:nvPr>
+        </p:nvSpPr>
+        <p:spPr>
+          <a:xfrm>
+            <a:off x="10123055" y="6548582"/>
+            <a:ext cx="2225295" cy="203620"/>
+          </a:xfrm>
+        </p:spPr>
+        <p:txBody>
+          <a:bodyPr/>
+          <a:lstStyle/>
+          <a:p>
+            <a:r>
+              <a:rPr lang="en-US" b="1" dirty="0">
+                <a:solidFill>
+                  <a:schemeClr val="tx1"/>
+                </a:solidFill>
+              </a:rPr>
+              <a:t>Trainer: Anubhav Oberoy</a:t>
+            </a:r>
+          </a:p>
+        </p:txBody>
+      </p:sp>
+      <p:pic>
+        <p:nvPicPr>
+          <p:cNvPr id="2050" name="Picture 2" descr="NetCom Logo">
+            <a:hlinkClick r:id="rId2"/>
+            <a:extLst>
+              <a:ext uri="{FF2B5EF4-FFF2-40B4-BE49-F238E27FC236}">
+                <a16:creationId xmlns:a16="http://schemas.microsoft.com/office/drawing/2014/main" id="{2B8D59D5-A57D-4846-863C-31591ACCF193}"/>
+              </a:ext>
+            </a:extLst>
+          </p:cNvPr>
+          <p:cNvPicPr>
+            <a:picLocks noChangeAspect="1" noChangeArrowheads="1"/>
+          </p:cNvPicPr>
+          <p:nvPr/>
+        </p:nvPicPr>
+        <p:blipFill>
+          <a:blip r:embed="rId3" cstate="print">
+            <a:extLst>
+              <a:ext uri="{28A0092B-C50C-407E-A947-70E740481C1C}">
+                <a14:useLocalDpi xmlns:a14="http://schemas.microsoft.com/office/drawing/2010/main" val="0"/>
+              </a:ext>
+            </a:extLst>
+          </a:blip>
+          <a:srcRect/>
+          <a:stretch>
+            <a:fillRect/>
+          </a:stretch>
+        </p:blipFill>
+        <p:spPr bwMode="auto">
+          <a:xfrm>
+            <a:off x="9485308" y="105798"/>
+            <a:ext cx="2444928" cy="656107"/>
+          </a:xfrm>
+          <a:prstGeom prst="rect">
+            <a:avLst/>
+          </a:prstGeom>
+          <a:noFill/>
+          <a:extLst>
+            <a:ext uri="{909E8E84-426E-40DD-AFC4-6F175D3DCCD1}">
+              <a14:hiddenFill xmlns:a14="http://schemas.microsoft.com/office/drawing/2010/main">
+                <a:solidFill>
+                  <a:srgbClr val="FFFFFF"/>
+                </a:solidFill>
+              </a14:hiddenFill>
+            </a:ext>
+          </a:extLst>
+        </p:spPr>
+      </p:pic>
+      <p:sp>
+        <p:nvSpPr>
+          <p:cNvPr id="7" name="TextBox 6">
+            <a:extLst>
+              <a:ext uri="{FF2B5EF4-FFF2-40B4-BE49-F238E27FC236}">
+                <a16:creationId xmlns:a16="http://schemas.microsoft.com/office/drawing/2014/main" id="{17EB74BE-8011-4153-8F37-3BEF9C1F4CC0}"/>
+              </a:ext>
+            </a:extLst>
+          </p:cNvPr>
+          <p:cNvSpPr txBox="1"/>
+          <p:nvPr/>
+        </p:nvSpPr>
+        <p:spPr>
+          <a:xfrm>
+            <a:off x="3512128" y="2507734"/>
+            <a:ext cx="6174508" cy="1323439"/>
+          </a:xfrm>
+          <a:prstGeom prst="rect">
+            <a:avLst/>
+          </a:prstGeom>
+          <a:noFill/>
+        </p:spPr>
+        <p:txBody>
+          <a:bodyPr wrap="square">
+            <a:spAutoFit/>
+          </a:bodyPr>
+          <a:lstStyle/>
+          <a:p>
+            <a:r>
+              <a:rPr lang="en-US" sz="8000" b="1" dirty="0"/>
+              <a:t>End of </a:t>
+            </a:r>
+            <a:r>
+              <a:rPr lang="en-US" sz="8000" b="1"/>
+              <a:t>Day 4</a:t>
+            </a:r>
+            <a:endParaRPr lang="en-US" sz="8000" b="1" dirty="0"/>
+          </a:p>
+        </p:txBody>
+      </p:sp>
+    </p:spTree>
+    <p:extLst>
+      <p:ext uri="{BB962C8B-B14F-4D97-AF65-F5344CB8AC3E}">
+        <p14:creationId xmlns:p14="http://schemas.microsoft.com/office/powerpoint/2010/main" val="3867772902"/>
+      </p:ext>
+    </p:extLst>
+  </p:cSld>
+  <p:clrMapOvr>
+    <a:masterClrMapping/>
+  </p:clrMapOvr>
+</p:sld>
+</file>
+
+<file path=ppt/slides/slide34.xml><?xml version="1.0" encoding="utf-8"?>
+<p:sld xmlns:a="http://schemas.openxmlformats.org/drawingml/2006/main" xmlns:r="http://schemas.openxmlformats.org/officeDocument/2006/relationships" xmlns:p="http://schemas.openxmlformats.org/presentationml/2006/main">
+  <p:cSld>
+    <p:spTree>
+      <p:nvGrpSpPr>
+        <p:cNvPr id="1" name=""/>
+        <p:cNvGrpSpPr/>
+        <p:nvPr/>
+      </p:nvGrpSpPr>
+      <p:grpSpPr>
+        <a:xfrm>
+          <a:off x="0" y="0"/>
+          <a:ext cx="0" cy="0"/>
+          <a:chOff x="0" y="0"/>
+          <a:chExt cx="0" cy="0"/>
+        </a:xfrm>
+      </p:grpSpPr>
+      <p:sp>
+        <p:nvSpPr>
           <p:cNvPr id="4" name="Footer Placeholder 45">
             <a:extLst>
               <a:ext uri="{FF2B5EF4-FFF2-40B4-BE49-F238E27FC236}">
@@ -11490,7 +12021,7 @@
 </p:sld>
 </file>
 
-<file path=ppt/slides/slide34.xml><?xml version="1.0" encoding="utf-8"?>
+<file path=ppt/slides/slide35.xml><?xml version="1.0" encoding="utf-8"?>
 <p:sld xmlns:a="http://schemas.openxmlformats.org/drawingml/2006/main" xmlns:r="http://schemas.openxmlformats.org/officeDocument/2006/relationships" xmlns:p="http://schemas.openxmlformats.org/presentationml/2006/main">
   <p:cSld>
     <p:bg>
